--- a/ppt/graph.pptx
+++ b/ppt/graph.pptx
@@ -104,6 +104,11 @@
       </a:defRPr>
     </a:lvl9pPr>
   </p:defaultTextStyle>
+  <p:extLst>
+    <p:ext uri="{EFAFB233-063F-42B5-8137-9DF3F51BA10A}">
+      <p15:sldGuideLst xmlns:p15="http://schemas.microsoft.com/office/powerpoint/2012/main"/>
+    </p:ext>
+  </p:extLst>
 </p:presentation>
 </file>
 
@@ -254,7 +259,7 @@
           <a:p>
             <a:fld id="{00996B3F-2F1B-4719-8116-BE140EB71527}" type="datetimeFigureOut">
               <a:rPr lang="ko-KR" altLang="en-US" smtClean="0"/>
-              <a:t>2025-08-06</a:t>
+              <a:t>2025-08-11</a:t>
             </a:fld>
             <a:endParaRPr lang="ko-KR" altLang="en-US"/>
           </a:p>
@@ -452,7 +457,7 @@
           <a:p>
             <a:fld id="{00996B3F-2F1B-4719-8116-BE140EB71527}" type="datetimeFigureOut">
               <a:rPr lang="ko-KR" altLang="en-US" smtClean="0"/>
-              <a:t>2025-08-06</a:t>
+              <a:t>2025-08-11</a:t>
             </a:fld>
             <a:endParaRPr lang="ko-KR" altLang="en-US"/>
           </a:p>
@@ -660,7 +665,7 @@
           <a:p>
             <a:fld id="{00996B3F-2F1B-4719-8116-BE140EB71527}" type="datetimeFigureOut">
               <a:rPr lang="ko-KR" altLang="en-US" smtClean="0"/>
-              <a:t>2025-08-06</a:t>
+              <a:t>2025-08-11</a:t>
             </a:fld>
             <a:endParaRPr lang="ko-KR" altLang="en-US"/>
           </a:p>
@@ -858,7 +863,7 @@
           <a:p>
             <a:fld id="{00996B3F-2F1B-4719-8116-BE140EB71527}" type="datetimeFigureOut">
               <a:rPr lang="ko-KR" altLang="en-US" smtClean="0"/>
-              <a:t>2025-08-06</a:t>
+              <a:t>2025-08-11</a:t>
             </a:fld>
             <a:endParaRPr lang="ko-KR" altLang="en-US"/>
           </a:p>
@@ -1133,7 +1138,7 @@
           <a:p>
             <a:fld id="{00996B3F-2F1B-4719-8116-BE140EB71527}" type="datetimeFigureOut">
               <a:rPr lang="ko-KR" altLang="en-US" smtClean="0"/>
-              <a:t>2025-08-06</a:t>
+              <a:t>2025-08-11</a:t>
             </a:fld>
             <a:endParaRPr lang="ko-KR" altLang="en-US"/>
           </a:p>
@@ -1398,7 +1403,7 @@
           <a:p>
             <a:fld id="{00996B3F-2F1B-4719-8116-BE140EB71527}" type="datetimeFigureOut">
               <a:rPr lang="ko-KR" altLang="en-US" smtClean="0"/>
-              <a:t>2025-08-06</a:t>
+              <a:t>2025-08-11</a:t>
             </a:fld>
             <a:endParaRPr lang="ko-KR" altLang="en-US"/>
           </a:p>
@@ -1810,7 +1815,7 @@
           <a:p>
             <a:fld id="{00996B3F-2F1B-4719-8116-BE140EB71527}" type="datetimeFigureOut">
               <a:rPr lang="ko-KR" altLang="en-US" smtClean="0"/>
-              <a:t>2025-08-06</a:t>
+              <a:t>2025-08-11</a:t>
             </a:fld>
             <a:endParaRPr lang="ko-KR" altLang="en-US"/>
           </a:p>
@@ -1951,7 +1956,7 @@
           <a:p>
             <a:fld id="{00996B3F-2F1B-4719-8116-BE140EB71527}" type="datetimeFigureOut">
               <a:rPr lang="ko-KR" altLang="en-US" smtClean="0"/>
-              <a:t>2025-08-06</a:t>
+              <a:t>2025-08-11</a:t>
             </a:fld>
             <a:endParaRPr lang="ko-KR" altLang="en-US"/>
           </a:p>
@@ -2064,7 +2069,7 @@
           <a:p>
             <a:fld id="{00996B3F-2F1B-4719-8116-BE140EB71527}" type="datetimeFigureOut">
               <a:rPr lang="ko-KR" altLang="en-US" smtClean="0"/>
-              <a:t>2025-08-06</a:t>
+              <a:t>2025-08-11</a:t>
             </a:fld>
             <a:endParaRPr lang="ko-KR" altLang="en-US"/>
           </a:p>
@@ -2375,7 +2380,7 @@
           <a:p>
             <a:fld id="{00996B3F-2F1B-4719-8116-BE140EB71527}" type="datetimeFigureOut">
               <a:rPr lang="ko-KR" altLang="en-US" smtClean="0"/>
-              <a:t>2025-08-06</a:t>
+              <a:t>2025-08-11</a:t>
             </a:fld>
             <a:endParaRPr lang="ko-KR" altLang="en-US"/>
           </a:p>
@@ -2663,7 +2668,7 @@
           <a:p>
             <a:fld id="{00996B3F-2F1B-4719-8116-BE140EB71527}" type="datetimeFigureOut">
               <a:rPr lang="ko-KR" altLang="en-US" smtClean="0"/>
-              <a:t>2025-08-06</a:t>
+              <a:t>2025-08-11</a:t>
             </a:fld>
             <a:endParaRPr lang="ko-KR" altLang="en-US"/>
           </a:p>
@@ -2904,7 +2909,7 @@
           <a:p>
             <a:fld id="{00996B3F-2F1B-4719-8116-BE140EB71527}" type="datetimeFigureOut">
               <a:rPr lang="ko-KR" altLang="en-US" smtClean="0"/>
-              <a:t>2025-08-06</a:t>
+              <a:t>2025-08-11</a:t>
             </a:fld>
             <a:endParaRPr lang="ko-KR" altLang="en-US"/>
           </a:p>
@@ -3323,10 +3328,10 @@
       </p:grpSpPr>
       <p:pic>
         <p:nvPicPr>
-          <p:cNvPr id="5" name="그림 4">
-            <a:extLst>
-              <a:ext uri="{FF2B5EF4-FFF2-40B4-BE49-F238E27FC236}">
-                <a16:creationId xmlns:a16="http://schemas.microsoft.com/office/drawing/2014/main" id="{09BECDA5-F246-46AA-E3C8-0D9CCD5A8CE6}"/>
+          <p:cNvPr id="3" name="그림 2">
+            <a:extLst>
+              <a:ext uri="{FF2B5EF4-FFF2-40B4-BE49-F238E27FC236}">
+                <a16:creationId xmlns:a16="http://schemas.microsoft.com/office/drawing/2014/main" id="{2DAF9CCC-A491-7B3A-0A8B-0215A6EE3240}"/>
               </a:ext>
             </a:extLst>
           </p:cNvPr>
@@ -3343,8 +3348,8 @@
         </p:blipFill>
         <p:spPr>
           <a:xfrm>
-            <a:off x="0" y="194825"/>
-            <a:ext cx="12192000" cy="6468350"/>
+            <a:off x="0" y="205504"/>
+            <a:ext cx="12192000" cy="6446992"/>
           </a:xfrm>
           <a:prstGeom prst="rect">
             <a:avLst/>

--- a/ppt/graph.pptx
+++ b/ppt/graph.pptx
@@ -6,6 +6,9 @@
   </p:sldMasterIdLst>
   <p:sldIdLst>
     <p:sldId id="256" r:id="rId2"/>
+    <p:sldId id="257" r:id="rId3"/>
+    <p:sldId id="258" r:id="rId4"/>
+    <p:sldId id="259" r:id="rId5"/>
   </p:sldIdLst>
   <p:sldSz cx="12192000" cy="6858000"/>
   <p:notesSz cx="6858000" cy="9144000"/>
@@ -259,7 +262,7 @@
           <a:p>
             <a:fld id="{00996B3F-2F1B-4719-8116-BE140EB71527}" type="datetimeFigureOut">
               <a:rPr lang="ko-KR" altLang="en-US" smtClean="0"/>
-              <a:t>2025-08-11</a:t>
+              <a:t>2025-08-12</a:t>
             </a:fld>
             <a:endParaRPr lang="ko-KR" altLang="en-US"/>
           </a:p>
@@ -457,7 +460,7 @@
           <a:p>
             <a:fld id="{00996B3F-2F1B-4719-8116-BE140EB71527}" type="datetimeFigureOut">
               <a:rPr lang="ko-KR" altLang="en-US" smtClean="0"/>
-              <a:t>2025-08-11</a:t>
+              <a:t>2025-08-12</a:t>
             </a:fld>
             <a:endParaRPr lang="ko-KR" altLang="en-US"/>
           </a:p>
@@ -665,7 +668,7 @@
           <a:p>
             <a:fld id="{00996B3F-2F1B-4719-8116-BE140EB71527}" type="datetimeFigureOut">
               <a:rPr lang="ko-KR" altLang="en-US" smtClean="0"/>
-              <a:t>2025-08-11</a:t>
+              <a:t>2025-08-12</a:t>
             </a:fld>
             <a:endParaRPr lang="ko-KR" altLang="en-US"/>
           </a:p>
@@ -863,7 +866,7 @@
           <a:p>
             <a:fld id="{00996B3F-2F1B-4719-8116-BE140EB71527}" type="datetimeFigureOut">
               <a:rPr lang="ko-KR" altLang="en-US" smtClean="0"/>
-              <a:t>2025-08-11</a:t>
+              <a:t>2025-08-12</a:t>
             </a:fld>
             <a:endParaRPr lang="ko-KR" altLang="en-US"/>
           </a:p>
@@ -1138,7 +1141,7 @@
           <a:p>
             <a:fld id="{00996B3F-2F1B-4719-8116-BE140EB71527}" type="datetimeFigureOut">
               <a:rPr lang="ko-KR" altLang="en-US" smtClean="0"/>
-              <a:t>2025-08-11</a:t>
+              <a:t>2025-08-12</a:t>
             </a:fld>
             <a:endParaRPr lang="ko-KR" altLang="en-US"/>
           </a:p>
@@ -1403,7 +1406,7 @@
           <a:p>
             <a:fld id="{00996B3F-2F1B-4719-8116-BE140EB71527}" type="datetimeFigureOut">
               <a:rPr lang="ko-KR" altLang="en-US" smtClean="0"/>
-              <a:t>2025-08-11</a:t>
+              <a:t>2025-08-12</a:t>
             </a:fld>
             <a:endParaRPr lang="ko-KR" altLang="en-US"/>
           </a:p>
@@ -1815,7 +1818,7 @@
           <a:p>
             <a:fld id="{00996B3F-2F1B-4719-8116-BE140EB71527}" type="datetimeFigureOut">
               <a:rPr lang="ko-KR" altLang="en-US" smtClean="0"/>
-              <a:t>2025-08-11</a:t>
+              <a:t>2025-08-12</a:t>
             </a:fld>
             <a:endParaRPr lang="ko-KR" altLang="en-US"/>
           </a:p>
@@ -1956,7 +1959,7 @@
           <a:p>
             <a:fld id="{00996B3F-2F1B-4719-8116-BE140EB71527}" type="datetimeFigureOut">
               <a:rPr lang="ko-KR" altLang="en-US" smtClean="0"/>
-              <a:t>2025-08-11</a:t>
+              <a:t>2025-08-12</a:t>
             </a:fld>
             <a:endParaRPr lang="ko-KR" altLang="en-US"/>
           </a:p>
@@ -2069,7 +2072,7 @@
           <a:p>
             <a:fld id="{00996B3F-2F1B-4719-8116-BE140EB71527}" type="datetimeFigureOut">
               <a:rPr lang="ko-KR" altLang="en-US" smtClean="0"/>
-              <a:t>2025-08-11</a:t>
+              <a:t>2025-08-12</a:t>
             </a:fld>
             <a:endParaRPr lang="ko-KR" altLang="en-US"/>
           </a:p>
@@ -2380,7 +2383,7 @@
           <a:p>
             <a:fld id="{00996B3F-2F1B-4719-8116-BE140EB71527}" type="datetimeFigureOut">
               <a:rPr lang="ko-KR" altLang="en-US" smtClean="0"/>
-              <a:t>2025-08-11</a:t>
+              <a:t>2025-08-12</a:t>
             </a:fld>
             <a:endParaRPr lang="ko-KR" altLang="en-US"/>
           </a:p>
@@ -2668,7 +2671,7 @@
           <a:p>
             <a:fld id="{00996B3F-2F1B-4719-8116-BE140EB71527}" type="datetimeFigureOut">
               <a:rPr lang="ko-KR" altLang="en-US" smtClean="0"/>
-              <a:t>2025-08-11</a:t>
+              <a:t>2025-08-12</a:t>
             </a:fld>
             <a:endParaRPr lang="ko-KR" altLang="en-US"/>
           </a:p>
@@ -2909,7 +2912,7 @@
           <a:p>
             <a:fld id="{00996B3F-2F1B-4719-8116-BE140EB71527}" type="datetimeFigureOut">
               <a:rPr lang="ko-KR" altLang="en-US" smtClean="0"/>
-              <a:t>2025-08-11</a:t>
+              <a:t>2025-08-12</a:t>
             </a:fld>
             <a:endParaRPr lang="ko-KR" altLang="en-US"/>
           </a:p>
@@ -3356,10 +3359,6556 @@
           </a:prstGeom>
         </p:spPr>
       </p:pic>
+      <p:sp>
+        <p:nvSpPr>
+          <p:cNvPr id="2" name="직사각형 1">
+            <a:extLst>
+              <a:ext uri="{FF2B5EF4-FFF2-40B4-BE49-F238E27FC236}">
+                <a16:creationId xmlns:a16="http://schemas.microsoft.com/office/drawing/2014/main" id="{48960EC7-43BE-2948-9271-138D9C2A9F7D}"/>
+              </a:ext>
+            </a:extLst>
+          </p:cNvPr>
+          <p:cNvSpPr/>
+          <p:nvPr/>
+        </p:nvSpPr>
+        <p:spPr>
+          <a:xfrm>
+            <a:off x="6470650" y="1130300"/>
+            <a:ext cx="2533650" cy="1371600"/>
+          </a:xfrm>
+          <a:prstGeom prst="rect">
+            <a:avLst/>
+          </a:prstGeom>
+        </p:spPr>
+        <p:style>
+          <a:lnRef idx="2">
+            <a:schemeClr val="accent1">
+              <a:shade val="15000"/>
+            </a:schemeClr>
+          </a:lnRef>
+          <a:fillRef idx="1">
+            <a:schemeClr val="accent1"/>
+          </a:fillRef>
+          <a:effectRef idx="0">
+            <a:schemeClr val="accent1"/>
+          </a:effectRef>
+          <a:fontRef idx="minor">
+            <a:schemeClr val="lt1"/>
+          </a:fontRef>
+        </p:style>
+        <p:txBody>
+          <a:bodyPr rtlCol="0" anchor="ctr"/>
+          <a:lstStyle/>
+          <a:p>
+            <a:pPr algn="ctr"/>
+            <a:r>
+              <a:rPr lang="ko-KR" altLang="en-US" dirty="0"/>
+              <a:t>기상청 데이터</a:t>
+            </a:r>
+            <a:r>
+              <a:rPr lang="en-US" altLang="ko-KR" dirty="0"/>
+              <a:t>, </a:t>
+            </a:r>
+          </a:p>
+          <a:p>
+            <a:pPr algn="ctr"/>
+            <a:r>
+              <a:rPr lang="en-US" altLang="ko-KR" dirty="0"/>
+              <a:t>R</a:t>
+            </a:r>
+            <a:r>
+              <a:rPr lang="ko-KR" altLang="en-US" dirty="0"/>
+              <a:t>로 시각화</a:t>
+            </a:r>
+          </a:p>
+        </p:txBody>
+      </p:sp>
     </p:spTree>
     <p:extLst>
       <p:ext uri="{BB962C8B-B14F-4D97-AF65-F5344CB8AC3E}">
         <p14:creationId xmlns:p14="http://schemas.microsoft.com/office/powerpoint/2010/main" val="3330274155"/>
+      </p:ext>
+    </p:extLst>
+  </p:cSld>
+  <p:clrMapOvr>
+    <a:masterClrMapping/>
+  </p:clrMapOvr>
+</p:sld>
+</file>
+
+<file path=ppt/slides/slide2.xml><?xml version="1.0" encoding="utf-8"?>
+<p:sld xmlns:a="http://schemas.openxmlformats.org/drawingml/2006/main" xmlns:r="http://schemas.openxmlformats.org/officeDocument/2006/relationships" xmlns:p="http://schemas.openxmlformats.org/presentationml/2006/main">
+  <p:cSld>
+    <p:spTree>
+      <p:nvGrpSpPr>
+        <p:cNvPr id="1" name=""/>
+        <p:cNvGrpSpPr/>
+        <p:nvPr/>
+      </p:nvGrpSpPr>
+      <p:grpSpPr>
+        <a:xfrm>
+          <a:off x="0" y="0"/>
+          <a:ext cx="0" cy="0"/>
+          <a:chOff x="0" y="0"/>
+          <a:chExt cx="0" cy="0"/>
+        </a:xfrm>
+      </p:grpSpPr>
+      <p:pic>
+        <p:nvPicPr>
+          <p:cNvPr id="5" name="그림 4">
+            <a:extLst>
+              <a:ext uri="{FF2B5EF4-FFF2-40B4-BE49-F238E27FC236}">
+                <a16:creationId xmlns:a16="http://schemas.microsoft.com/office/drawing/2014/main" id="{D58A4B67-7D41-4370-BDA4-E8584BD0F46B}"/>
+              </a:ext>
+            </a:extLst>
+          </p:cNvPr>
+          <p:cNvPicPr>
+            <a:picLocks noChangeAspect="1"/>
+          </p:cNvPicPr>
+          <p:nvPr/>
+        </p:nvPicPr>
+        <p:blipFill>
+          <a:blip r:embed="rId2"/>
+          <a:stretch>
+            <a:fillRect/>
+          </a:stretch>
+        </p:blipFill>
+        <p:spPr>
+          <a:xfrm>
+            <a:off x="406107" y="253837"/>
+            <a:ext cx="11379785" cy="6350326"/>
+          </a:xfrm>
+          <a:prstGeom prst="rect">
+            <a:avLst/>
+          </a:prstGeom>
+        </p:spPr>
+      </p:pic>
+      <p:sp>
+        <p:nvSpPr>
+          <p:cNvPr id="6" name="직사각형 5">
+            <a:extLst>
+              <a:ext uri="{FF2B5EF4-FFF2-40B4-BE49-F238E27FC236}">
+                <a16:creationId xmlns:a16="http://schemas.microsoft.com/office/drawing/2014/main" id="{315138DE-2FC5-613B-22AB-B3833E5143D1}"/>
+              </a:ext>
+            </a:extLst>
+          </p:cNvPr>
+          <p:cNvSpPr/>
+          <p:nvPr/>
+        </p:nvSpPr>
+        <p:spPr>
+          <a:xfrm>
+            <a:off x="6470650" y="1130300"/>
+            <a:ext cx="2533650" cy="1371600"/>
+          </a:xfrm>
+          <a:prstGeom prst="rect">
+            <a:avLst/>
+          </a:prstGeom>
+        </p:spPr>
+        <p:style>
+          <a:lnRef idx="2">
+            <a:schemeClr val="accent1">
+              <a:shade val="15000"/>
+            </a:schemeClr>
+          </a:lnRef>
+          <a:fillRef idx="1">
+            <a:schemeClr val="accent1"/>
+          </a:fillRef>
+          <a:effectRef idx="0">
+            <a:schemeClr val="accent1"/>
+          </a:effectRef>
+          <a:fontRef idx="minor">
+            <a:schemeClr val="lt1"/>
+          </a:fontRef>
+        </p:style>
+        <p:txBody>
+          <a:bodyPr rtlCol="0" anchor="ctr"/>
+          <a:lstStyle/>
+          <a:p>
+            <a:pPr algn="ctr"/>
+            <a:r>
+              <a:rPr lang="en-US" altLang="ko-KR" dirty="0"/>
+              <a:t>2023 </a:t>
+            </a:r>
+            <a:r>
+              <a:rPr lang="ko-KR" altLang="en-US" dirty="0" err="1"/>
+              <a:t>에너지총조사</a:t>
+            </a:r>
+            <a:r>
+              <a:rPr lang="ko-KR" altLang="en-US" dirty="0"/>
+              <a:t> 보고서 </a:t>
+            </a:r>
+            <a:r>
+              <a:rPr lang="en-US" altLang="ko-KR" dirty="0"/>
+              <a:t>175</a:t>
+            </a:r>
+            <a:r>
+              <a:rPr lang="ko-KR" altLang="en-US" dirty="0"/>
+              <a:t>쪽</a:t>
+            </a:r>
+          </a:p>
+        </p:txBody>
+      </p:sp>
+    </p:spTree>
+    <p:extLst>
+      <p:ext uri="{BB962C8B-B14F-4D97-AF65-F5344CB8AC3E}">
+        <p14:creationId xmlns:p14="http://schemas.microsoft.com/office/powerpoint/2010/main" val="1495429980"/>
+      </p:ext>
+    </p:extLst>
+  </p:cSld>
+  <p:clrMapOvr>
+    <a:masterClrMapping/>
+  </p:clrMapOvr>
+</p:sld>
+</file>
+
+<file path=ppt/slides/slide3.xml><?xml version="1.0" encoding="utf-8"?>
+<p:sld xmlns:a="http://schemas.openxmlformats.org/drawingml/2006/main" xmlns:r="http://schemas.openxmlformats.org/officeDocument/2006/relationships" xmlns:p="http://schemas.openxmlformats.org/presentationml/2006/main">
+  <p:cSld>
+    <p:spTree>
+      <p:nvGrpSpPr>
+        <p:cNvPr id="1" name=""/>
+        <p:cNvGrpSpPr/>
+        <p:nvPr/>
+      </p:nvGrpSpPr>
+      <p:grpSpPr>
+        <a:xfrm>
+          <a:off x="0" y="0"/>
+          <a:ext cx="0" cy="0"/>
+          <a:chOff x="0" y="0"/>
+          <a:chExt cx="0" cy="0"/>
+        </a:xfrm>
+      </p:grpSpPr>
+      <p:sp>
+        <p:nvSpPr>
+          <p:cNvPr id="4" name="TextBox 3">
+            <a:extLst>
+              <a:ext uri="{FF2B5EF4-FFF2-40B4-BE49-F238E27FC236}">
+                <a16:creationId xmlns:a16="http://schemas.microsoft.com/office/drawing/2014/main" id="{F664B59B-3797-E945-FB9A-CC423169CB9C}"/>
+              </a:ext>
+            </a:extLst>
+          </p:cNvPr>
+          <p:cNvSpPr txBox="1"/>
+          <p:nvPr/>
+        </p:nvSpPr>
+        <p:spPr>
+          <a:xfrm>
+            <a:off x="8198646" y="3747952"/>
+            <a:ext cx="3713954" cy="307777"/>
+          </a:xfrm>
+          <a:prstGeom prst="rect">
+            <a:avLst/>
+          </a:prstGeom>
+          <a:noFill/>
+        </p:spPr>
+        <p:txBody>
+          <a:bodyPr wrap="square">
+            <a:spAutoFit/>
+          </a:bodyPr>
+          <a:lstStyle/>
+          <a:p>
+            <a:pPr algn="ctr"/>
+            <a:r>
+              <a:rPr lang="ko-KR" altLang="en-US" sz="1400" b="1" spc="-130" dirty="0">
+                <a:solidFill>
+                  <a:srgbClr val="595959"/>
+                </a:solidFill>
+                <a:latin typeface="+mn-ea"/>
+              </a:rPr>
+              <a:t>건물부문 전력소비 증가율 </a:t>
+            </a:r>
+            <a:r>
+              <a:rPr lang="en-US" altLang="ko-KR" sz="1400" b="1" spc="-130" dirty="0">
+                <a:solidFill>
+                  <a:srgbClr val="595959"/>
+                </a:solidFill>
+                <a:latin typeface="+mn-ea"/>
+              </a:rPr>
+              <a:t>(%, 2012~2022 </a:t>
+            </a:r>
+            <a:r>
+              <a:rPr lang="ko-KR" altLang="en-US" sz="1400" b="1" spc="-130" dirty="0">
+                <a:solidFill>
+                  <a:srgbClr val="595959"/>
+                </a:solidFill>
+                <a:latin typeface="+mn-ea"/>
+              </a:rPr>
+              <a:t>연평균</a:t>
+            </a:r>
+            <a:r>
+              <a:rPr lang="en-US" altLang="ko-KR" sz="1400" b="1" spc="-130" dirty="0">
+                <a:solidFill>
+                  <a:srgbClr val="595959"/>
+                </a:solidFill>
+                <a:latin typeface="+mn-ea"/>
+              </a:rPr>
+              <a:t>)</a:t>
+            </a:r>
+            <a:endParaRPr lang="ko-KR" altLang="en-US" sz="1400" spc="-130" dirty="0">
+              <a:solidFill>
+                <a:srgbClr val="595959"/>
+              </a:solidFill>
+              <a:latin typeface="+mn-ea"/>
+            </a:endParaRPr>
+          </a:p>
+        </p:txBody>
+      </p:sp>
+      <p:grpSp>
+        <p:nvGrpSpPr>
+          <p:cNvPr id="5" name="그룹 4">
+            <a:extLst>
+              <a:ext uri="{FF2B5EF4-FFF2-40B4-BE49-F238E27FC236}">
+                <a16:creationId xmlns:a16="http://schemas.microsoft.com/office/drawing/2014/main" id="{DA332444-8C82-2056-7C51-3A4BFCC8CEBD}"/>
+              </a:ext>
+            </a:extLst>
+          </p:cNvPr>
+          <p:cNvGrpSpPr/>
+          <p:nvPr/>
+        </p:nvGrpSpPr>
+        <p:grpSpPr>
+          <a:xfrm>
+            <a:off x="4289221" y="4132825"/>
+            <a:ext cx="3424423" cy="1925189"/>
+            <a:chOff x="-7487706" y="7415816"/>
+            <a:chExt cx="12192000" cy="6487505"/>
+          </a:xfrm>
+        </p:grpSpPr>
+        <p:pic>
+          <p:nvPicPr>
+            <p:cNvPr id="6" name="그림 5">
+              <a:extLst>
+                <a:ext uri="{FF2B5EF4-FFF2-40B4-BE49-F238E27FC236}">
+                  <a16:creationId xmlns:a16="http://schemas.microsoft.com/office/drawing/2014/main" id="{FA5FD23D-139C-0D84-393B-65691EEAC82C}"/>
+                </a:ext>
+              </a:extLst>
+            </p:cNvPr>
+            <p:cNvPicPr>
+              <a:picLocks noChangeAspect="1"/>
+            </p:cNvPicPr>
+            <p:nvPr/>
+          </p:nvPicPr>
+          <p:blipFill>
+            <a:blip r:embed="rId2"/>
+            <a:stretch>
+              <a:fillRect/>
+            </a:stretch>
+          </p:blipFill>
+          <p:spPr>
+            <a:xfrm>
+              <a:off x="-7487706" y="7415816"/>
+              <a:ext cx="12192000" cy="5560088"/>
+            </a:xfrm>
+            <a:prstGeom prst="rect">
+              <a:avLst/>
+            </a:prstGeom>
+          </p:spPr>
+        </p:pic>
+        <p:pic>
+          <p:nvPicPr>
+            <p:cNvPr id="7" name="그림 6">
+              <a:extLst>
+                <a:ext uri="{FF2B5EF4-FFF2-40B4-BE49-F238E27FC236}">
+                  <a16:creationId xmlns:a16="http://schemas.microsoft.com/office/drawing/2014/main" id="{772F5BB0-4927-9E5C-0DB6-AAC261A9CF36}"/>
+                </a:ext>
+              </a:extLst>
+            </p:cNvPr>
+            <p:cNvPicPr>
+              <a:picLocks noChangeAspect="1"/>
+            </p:cNvPicPr>
+            <p:nvPr/>
+          </p:nvPicPr>
+          <p:blipFill rotWithShape="1">
+            <a:blip r:embed="rId3"/>
+            <a:srcRect l="6114" t="85842"/>
+            <a:stretch/>
+          </p:blipFill>
+          <p:spPr>
+            <a:xfrm>
+              <a:off x="-6984788" y="12984626"/>
+              <a:ext cx="11543031" cy="918695"/>
+            </a:xfrm>
+            <a:prstGeom prst="rect">
+              <a:avLst/>
+            </a:prstGeom>
+          </p:spPr>
+        </p:pic>
+      </p:grpSp>
+      <p:grpSp>
+        <p:nvGrpSpPr>
+          <p:cNvPr id="8" name="그룹 7">
+            <a:extLst>
+              <a:ext uri="{FF2B5EF4-FFF2-40B4-BE49-F238E27FC236}">
+                <a16:creationId xmlns:a16="http://schemas.microsoft.com/office/drawing/2014/main" id="{54967748-BB48-9843-39F5-3E1B677076B4}"/>
+              </a:ext>
+            </a:extLst>
+          </p:cNvPr>
+          <p:cNvGrpSpPr/>
+          <p:nvPr/>
+        </p:nvGrpSpPr>
+        <p:grpSpPr>
+          <a:xfrm>
+            <a:off x="8287774" y="4144854"/>
+            <a:ext cx="3424422" cy="1925189"/>
+            <a:chOff x="5175468" y="7362504"/>
+            <a:chExt cx="12192000" cy="6582564"/>
+          </a:xfrm>
+        </p:grpSpPr>
+        <p:pic>
+          <p:nvPicPr>
+            <p:cNvPr id="9" name="그림 8">
+              <a:extLst>
+                <a:ext uri="{FF2B5EF4-FFF2-40B4-BE49-F238E27FC236}">
+                  <a16:creationId xmlns:a16="http://schemas.microsoft.com/office/drawing/2014/main" id="{1F601F94-5095-8373-CC52-8B5D5BADCA95}"/>
+                </a:ext>
+              </a:extLst>
+            </p:cNvPr>
+            <p:cNvPicPr>
+              <a:picLocks noChangeAspect="1"/>
+            </p:cNvPicPr>
+            <p:nvPr/>
+          </p:nvPicPr>
+          <p:blipFill rotWithShape="1">
+            <a:blip r:embed="rId4"/>
+            <a:srcRect b="14285"/>
+            <a:stretch/>
+          </p:blipFill>
+          <p:spPr>
+            <a:xfrm>
+              <a:off x="5175468" y="7362504"/>
+              <a:ext cx="12192000" cy="5571644"/>
+            </a:xfrm>
+            <a:prstGeom prst="rect">
+              <a:avLst/>
+            </a:prstGeom>
+          </p:spPr>
+        </p:pic>
+        <p:pic>
+          <p:nvPicPr>
+            <p:cNvPr id="10" name="그림 9">
+              <a:extLst>
+                <a:ext uri="{FF2B5EF4-FFF2-40B4-BE49-F238E27FC236}">
+                  <a16:creationId xmlns:a16="http://schemas.microsoft.com/office/drawing/2014/main" id="{A4AF462E-FBF0-570B-5C7D-ABF874C98B54}"/>
+                </a:ext>
+              </a:extLst>
+            </p:cNvPr>
+            <p:cNvPicPr>
+              <a:picLocks noChangeAspect="1"/>
+            </p:cNvPicPr>
+            <p:nvPr/>
+          </p:nvPicPr>
+          <p:blipFill rotWithShape="1">
+            <a:blip r:embed="rId4"/>
+            <a:srcRect l="5875" t="85325"/>
+            <a:stretch/>
+          </p:blipFill>
+          <p:spPr>
+            <a:xfrm>
+              <a:off x="5673307" y="12975904"/>
+              <a:ext cx="11496041" cy="969164"/>
+            </a:xfrm>
+            <a:prstGeom prst="rect">
+              <a:avLst/>
+            </a:prstGeom>
+          </p:spPr>
+        </p:pic>
+      </p:grpSp>
+      <p:pic>
+        <p:nvPicPr>
+          <p:cNvPr id="11" name="그림 10">
+            <a:extLst>
+              <a:ext uri="{FF2B5EF4-FFF2-40B4-BE49-F238E27FC236}">
+                <a16:creationId xmlns:a16="http://schemas.microsoft.com/office/drawing/2014/main" id="{91189652-DD22-F94B-4D08-DDE9E930DBA0}"/>
+              </a:ext>
+            </a:extLst>
+          </p:cNvPr>
+          <p:cNvPicPr>
+            <a:picLocks noChangeAspect="1"/>
+          </p:cNvPicPr>
+          <p:nvPr/>
+        </p:nvPicPr>
+        <p:blipFill>
+          <a:blip r:embed="rId5"/>
+          <a:stretch>
+            <a:fillRect/>
+          </a:stretch>
+        </p:blipFill>
+        <p:spPr>
+          <a:xfrm>
+            <a:off x="235153" y="4132826"/>
+            <a:ext cx="3409411" cy="1925189"/>
+          </a:xfrm>
+          <a:prstGeom prst="rect">
+            <a:avLst/>
+          </a:prstGeom>
+        </p:spPr>
+      </p:pic>
+      <p:sp>
+        <p:nvSpPr>
+          <p:cNvPr id="12" name="TextBox 11">
+            <a:extLst>
+              <a:ext uri="{FF2B5EF4-FFF2-40B4-BE49-F238E27FC236}">
+                <a16:creationId xmlns:a16="http://schemas.microsoft.com/office/drawing/2014/main" id="{CF06FBD7-0C0A-094C-1FEE-F6F8AADDAAFE}"/>
+              </a:ext>
+            </a:extLst>
+          </p:cNvPr>
+          <p:cNvSpPr txBox="1"/>
+          <p:nvPr/>
+        </p:nvSpPr>
+        <p:spPr>
+          <a:xfrm>
+            <a:off x="4110990" y="3747952"/>
+            <a:ext cx="3820160" cy="307777"/>
+          </a:xfrm>
+          <a:prstGeom prst="rect">
+            <a:avLst/>
+          </a:prstGeom>
+          <a:noFill/>
+        </p:spPr>
+        <p:txBody>
+          <a:bodyPr wrap="square">
+            <a:spAutoFit/>
+          </a:bodyPr>
+          <a:lstStyle/>
+          <a:p>
+            <a:pPr algn="ctr"/>
+            <a:r>
+              <a:rPr lang="ko-KR" altLang="en-US" sz="1400" b="1" spc="-100" dirty="0">
+                <a:solidFill>
+                  <a:srgbClr val="595959"/>
+                </a:solidFill>
+                <a:latin typeface="+mn-ea"/>
+              </a:rPr>
+              <a:t>산업부문 전력소비 증가율 </a:t>
+            </a:r>
+            <a:r>
+              <a:rPr lang="en-US" altLang="ko-KR" sz="1400" b="1" spc="-100" dirty="0">
+                <a:solidFill>
+                  <a:srgbClr val="595959"/>
+                </a:solidFill>
+                <a:latin typeface="+mn-ea"/>
+              </a:rPr>
+              <a:t>(%, 2012~2022 </a:t>
+            </a:r>
+            <a:r>
+              <a:rPr lang="ko-KR" altLang="en-US" sz="1400" b="1" spc="-100" dirty="0">
+                <a:solidFill>
+                  <a:srgbClr val="595959"/>
+                </a:solidFill>
+                <a:latin typeface="+mn-ea"/>
+              </a:rPr>
+              <a:t>연평균</a:t>
+            </a:r>
+            <a:r>
+              <a:rPr lang="en-US" altLang="ko-KR" sz="1400" b="1" spc="-100" dirty="0">
+                <a:solidFill>
+                  <a:srgbClr val="595959"/>
+                </a:solidFill>
+                <a:latin typeface="+mn-ea"/>
+              </a:rPr>
+              <a:t>)</a:t>
+            </a:r>
+            <a:endParaRPr lang="ko-KR" altLang="en-US" sz="1400" dirty="0">
+              <a:solidFill>
+                <a:srgbClr val="595959"/>
+              </a:solidFill>
+              <a:latin typeface="+mn-ea"/>
+            </a:endParaRPr>
+          </a:p>
+        </p:txBody>
+      </p:sp>
+      <p:sp>
+        <p:nvSpPr>
+          <p:cNvPr id="13" name="TextBox 12">
+            <a:extLst>
+              <a:ext uri="{FF2B5EF4-FFF2-40B4-BE49-F238E27FC236}">
+                <a16:creationId xmlns:a16="http://schemas.microsoft.com/office/drawing/2014/main" id="{CD1B94F6-3011-81C7-CB48-2905C3049C4A}"/>
+              </a:ext>
+            </a:extLst>
+          </p:cNvPr>
+          <p:cNvSpPr txBox="1"/>
+          <p:nvPr/>
+        </p:nvSpPr>
+        <p:spPr>
+          <a:xfrm>
+            <a:off x="347855" y="3747952"/>
+            <a:ext cx="3256300" cy="307777"/>
+          </a:xfrm>
+          <a:prstGeom prst="rect">
+            <a:avLst/>
+          </a:prstGeom>
+          <a:noFill/>
+        </p:spPr>
+        <p:txBody>
+          <a:bodyPr wrap="square">
+            <a:spAutoFit/>
+          </a:bodyPr>
+          <a:lstStyle/>
+          <a:p>
+            <a:pPr algn="ctr"/>
+            <a:r>
+              <a:rPr lang="ko-KR" altLang="en-US" sz="1400" b="1" spc="-100" dirty="0">
+                <a:solidFill>
+                  <a:srgbClr val="595959"/>
+                </a:solidFill>
+                <a:latin typeface="+mn-ea"/>
+              </a:rPr>
+              <a:t>전력소비 증가율 </a:t>
+            </a:r>
+            <a:r>
+              <a:rPr lang="en-US" altLang="ko-KR" sz="1400" b="1" spc="-100" dirty="0">
+                <a:solidFill>
+                  <a:srgbClr val="595959"/>
+                </a:solidFill>
+                <a:latin typeface="+mn-ea"/>
+              </a:rPr>
+              <a:t>(%, 2012~2022 </a:t>
+            </a:r>
+            <a:r>
+              <a:rPr lang="ko-KR" altLang="en-US" sz="1400" b="1" spc="-100" dirty="0">
+                <a:solidFill>
+                  <a:srgbClr val="595959"/>
+                </a:solidFill>
+                <a:latin typeface="+mn-ea"/>
+              </a:rPr>
+              <a:t>연평균</a:t>
+            </a:r>
+            <a:r>
+              <a:rPr lang="en-US" altLang="ko-KR" sz="1400" b="1" spc="-100" dirty="0">
+                <a:solidFill>
+                  <a:srgbClr val="595959"/>
+                </a:solidFill>
+                <a:latin typeface="+mn-ea"/>
+              </a:rPr>
+              <a:t>)</a:t>
+            </a:r>
+            <a:endParaRPr lang="ko-KR" altLang="en-US" sz="1400" dirty="0">
+              <a:solidFill>
+                <a:srgbClr val="595959"/>
+              </a:solidFill>
+              <a:latin typeface="+mn-ea"/>
+            </a:endParaRPr>
+          </a:p>
+        </p:txBody>
+      </p:sp>
+      <p:sp>
+        <p:nvSpPr>
+          <p:cNvPr id="16" name="직사각형 15">
+            <a:extLst>
+              <a:ext uri="{FF2B5EF4-FFF2-40B4-BE49-F238E27FC236}">
+                <a16:creationId xmlns:a16="http://schemas.microsoft.com/office/drawing/2014/main" id="{0F520AAD-86EE-1934-30B3-79A9189F4F14}"/>
+              </a:ext>
+            </a:extLst>
+          </p:cNvPr>
+          <p:cNvSpPr/>
+          <p:nvPr/>
+        </p:nvSpPr>
+        <p:spPr>
+          <a:xfrm>
+            <a:off x="567520" y="4571873"/>
+            <a:ext cx="188118" cy="1138363"/>
+          </a:xfrm>
+          <a:prstGeom prst="rect">
+            <a:avLst/>
+          </a:prstGeom>
+          <a:solidFill>
+            <a:srgbClr val="92D050"/>
+          </a:solidFill>
+          <a:ln>
+            <a:noFill/>
+          </a:ln>
+        </p:spPr>
+        <p:style>
+          <a:lnRef idx="2">
+            <a:schemeClr val="accent1">
+              <a:shade val="15000"/>
+            </a:schemeClr>
+          </a:lnRef>
+          <a:fillRef idx="1">
+            <a:schemeClr val="accent1"/>
+          </a:fillRef>
+          <a:effectRef idx="0">
+            <a:schemeClr val="accent1"/>
+          </a:effectRef>
+          <a:fontRef idx="minor">
+            <a:schemeClr val="lt1"/>
+          </a:fontRef>
+        </p:style>
+        <p:txBody>
+          <a:bodyPr rtlCol="0" anchor="ctr"/>
+          <a:lstStyle/>
+          <a:p>
+            <a:pPr algn="ctr"/>
+            <a:endParaRPr lang="ko-KR" altLang="en-US">
+              <a:latin typeface="+mn-ea"/>
+            </a:endParaRPr>
+          </a:p>
+        </p:txBody>
+      </p:sp>
+      <p:sp>
+        <p:nvSpPr>
+          <p:cNvPr id="17" name="직사각형 16">
+            <a:extLst>
+              <a:ext uri="{FF2B5EF4-FFF2-40B4-BE49-F238E27FC236}">
+                <a16:creationId xmlns:a16="http://schemas.microsoft.com/office/drawing/2014/main" id="{D0B189E5-A318-6B3E-0282-4FA51599A267}"/>
+              </a:ext>
+            </a:extLst>
+          </p:cNvPr>
+          <p:cNvSpPr/>
+          <p:nvPr/>
+        </p:nvSpPr>
+        <p:spPr>
+          <a:xfrm>
+            <a:off x="4414422" y="4196518"/>
+            <a:ext cx="188118" cy="1310400"/>
+          </a:xfrm>
+          <a:prstGeom prst="rect">
+            <a:avLst/>
+          </a:prstGeom>
+          <a:solidFill>
+            <a:srgbClr val="92D050"/>
+          </a:solidFill>
+          <a:ln>
+            <a:noFill/>
+          </a:ln>
+        </p:spPr>
+        <p:style>
+          <a:lnRef idx="2">
+            <a:schemeClr val="accent1">
+              <a:shade val="15000"/>
+            </a:schemeClr>
+          </a:lnRef>
+          <a:fillRef idx="1">
+            <a:schemeClr val="accent1"/>
+          </a:fillRef>
+          <a:effectRef idx="0">
+            <a:schemeClr val="accent1"/>
+          </a:effectRef>
+          <a:fontRef idx="minor">
+            <a:schemeClr val="lt1"/>
+          </a:fontRef>
+        </p:style>
+        <p:txBody>
+          <a:bodyPr rtlCol="0" anchor="ctr"/>
+          <a:lstStyle/>
+          <a:p>
+            <a:pPr algn="ctr"/>
+            <a:endParaRPr lang="ko-KR" altLang="en-US">
+              <a:latin typeface="+mn-ea"/>
+            </a:endParaRPr>
+          </a:p>
+        </p:txBody>
+      </p:sp>
+      <p:sp>
+        <p:nvSpPr>
+          <p:cNvPr id="18" name="직사각형 17">
+            <a:extLst>
+              <a:ext uri="{FF2B5EF4-FFF2-40B4-BE49-F238E27FC236}">
+                <a16:creationId xmlns:a16="http://schemas.microsoft.com/office/drawing/2014/main" id="{1C86AAC8-EF27-50F5-57E2-5CB40866DDA3}"/>
+              </a:ext>
+            </a:extLst>
+          </p:cNvPr>
+          <p:cNvSpPr/>
+          <p:nvPr/>
+        </p:nvSpPr>
+        <p:spPr>
+          <a:xfrm>
+            <a:off x="8614298" y="4856434"/>
+            <a:ext cx="188118" cy="828000"/>
+          </a:xfrm>
+          <a:prstGeom prst="rect">
+            <a:avLst/>
+          </a:prstGeom>
+          <a:solidFill>
+            <a:srgbClr val="92D050"/>
+          </a:solidFill>
+          <a:ln>
+            <a:noFill/>
+          </a:ln>
+        </p:spPr>
+        <p:style>
+          <a:lnRef idx="2">
+            <a:schemeClr val="accent1">
+              <a:shade val="15000"/>
+            </a:schemeClr>
+          </a:lnRef>
+          <a:fillRef idx="1">
+            <a:schemeClr val="accent1"/>
+          </a:fillRef>
+          <a:effectRef idx="0">
+            <a:schemeClr val="accent1"/>
+          </a:effectRef>
+          <a:fontRef idx="minor">
+            <a:schemeClr val="lt1"/>
+          </a:fontRef>
+        </p:style>
+        <p:txBody>
+          <a:bodyPr rtlCol="0" anchor="ctr"/>
+          <a:lstStyle/>
+          <a:p>
+            <a:pPr algn="ctr"/>
+            <a:endParaRPr lang="ko-KR" altLang="en-US">
+              <a:latin typeface="+mn-ea"/>
+            </a:endParaRPr>
+          </a:p>
+        </p:txBody>
+      </p:sp>
+      <p:sp>
+        <p:nvSpPr>
+          <p:cNvPr id="19" name="TextBox 18">
+            <a:extLst>
+              <a:ext uri="{FF2B5EF4-FFF2-40B4-BE49-F238E27FC236}">
+                <a16:creationId xmlns:a16="http://schemas.microsoft.com/office/drawing/2014/main" id="{076F1537-BCE9-5C63-4170-6C7BC00780DB}"/>
+              </a:ext>
+            </a:extLst>
+          </p:cNvPr>
+          <p:cNvSpPr txBox="1"/>
+          <p:nvPr/>
+        </p:nvSpPr>
+        <p:spPr>
+          <a:xfrm>
+            <a:off x="2392919" y="4853846"/>
+            <a:ext cx="1211236" cy="276999"/>
+          </a:xfrm>
+          <a:prstGeom prst="rect">
+            <a:avLst/>
+          </a:prstGeom>
+          <a:noFill/>
+        </p:spPr>
+        <p:txBody>
+          <a:bodyPr wrap="square">
+            <a:spAutoFit/>
+          </a:bodyPr>
+          <a:lstStyle/>
+          <a:p>
+            <a:r>
+              <a:rPr lang="ko-KR" altLang="en-US" sz="1200" spc="-100" dirty="0">
+                <a:solidFill>
+                  <a:srgbClr val="595959"/>
+                </a:solidFill>
+                <a:latin typeface="+mn-ea"/>
+              </a:rPr>
+              <a:t>전국평균</a:t>
+            </a:r>
+            <a:r>
+              <a:rPr lang="en-US" altLang="ko-KR" sz="1200" spc="-100" dirty="0">
+                <a:solidFill>
+                  <a:srgbClr val="595959"/>
+                </a:solidFill>
+                <a:latin typeface="+mn-ea"/>
+              </a:rPr>
+              <a:t>: 1.70% </a:t>
+            </a:r>
+            <a:endParaRPr lang="ko-KR" altLang="en-US" sz="1200" spc="-100" dirty="0">
+              <a:solidFill>
+                <a:srgbClr val="595959"/>
+              </a:solidFill>
+              <a:latin typeface="+mn-ea"/>
+            </a:endParaRPr>
+          </a:p>
+        </p:txBody>
+      </p:sp>
+      <p:sp>
+        <p:nvSpPr>
+          <p:cNvPr id="20" name="TextBox 19">
+            <a:extLst>
+              <a:ext uri="{FF2B5EF4-FFF2-40B4-BE49-F238E27FC236}">
+                <a16:creationId xmlns:a16="http://schemas.microsoft.com/office/drawing/2014/main" id="{EA2FC498-C7CF-663B-49B4-BF251D27CDBF}"/>
+              </a:ext>
+            </a:extLst>
+          </p:cNvPr>
+          <p:cNvSpPr txBox="1"/>
+          <p:nvPr/>
+        </p:nvSpPr>
+        <p:spPr>
+          <a:xfrm>
+            <a:off x="6539312" y="4727077"/>
+            <a:ext cx="1242383" cy="276999"/>
+          </a:xfrm>
+          <a:prstGeom prst="rect">
+            <a:avLst/>
+          </a:prstGeom>
+          <a:noFill/>
+        </p:spPr>
+        <p:txBody>
+          <a:bodyPr wrap="square">
+            <a:spAutoFit/>
+          </a:bodyPr>
+          <a:lstStyle/>
+          <a:p>
+            <a:r>
+              <a:rPr lang="ko-KR" altLang="en-US" sz="1200" spc="-100" dirty="0">
+                <a:solidFill>
+                  <a:srgbClr val="595959"/>
+                </a:solidFill>
+                <a:latin typeface="+mn-ea"/>
+              </a:rPr>
+              <a:t>전국평균</a:t>
+            </a:r>
+            <a:r>
+              <a:rPr lang="en-US" altLang="ko-KR" sz="1200" spc="-100" dirty="0">
+                <a:solidFill>
+                  <a:srgbClr val="595959"/>
+                </a:solidFill>
+                <a:latin typeface="+mn-ea"/>
+              </a:rPr>
+              <a:t>: 1.61 % </a:t>
+            </a:r>
+            <a:endParaRPr lang="ko-KR" altLang="en-US" sz="1200" spc="-100" dirty="0">
+              <a:solidFill>
+                <a:srgbClr val="595959"/>
+              </a:solidFill>
+              <a:latin typeface="+mn-ea"/>
+            </a:endParaRPr>
+          </a:p>
+        </p:txBody>
+      </p:sp>
+      <p:sp>
+        <p:nvSpPr>
+          <p:cNvPr id="21" name="TextBox 20">
+            <a:extLst>
+              <a:ext uri="{FF2B5EF4-FFF2-40B4-BE49-F238E27FC236}">
+                <a16:creationId xmlns:a16="http://schemas.microsoft.com/office/drawing/2014/main" id="{AD86DEA5-CDAA-39A0-233D-3DFF135F50A2}"/>
+              </a:ext>
+            </a:extLst>
+          </p:cNvPr>
+          <p:cNvSpPr txBox="1"/>
+          <p:nvPr/>
+        </p:nvSpPr>
+        <p:spPr>
+          <a:xfrm>
+            <a:off x="10451910" y="4910060"/>
+            <a:ext cx="1242383" cy="276999"/>
+          </a:xfrm>
+          <a:prstGeom prst="rect">
+            <a:avLst/>
+          </a:prstGeom>
+          <a:noFill/>
+        </p:spPr>
+        <p:txBody>
+          <a:bodyPr wrap="square">
+            <a:spAutoFit/>
+          </a:bodyPr>
+          <a:lstStyle/>
+          <a:p>
+            <a:r>
+              <a:rPr lang="ko-KR" altLang="en-US" sz="1200" spc="-100" dirty="0">
+                <a:solidFill>
+                  <a:srgbClr val="595959"/>
+                </a:solidFill>
+                <a:latin typeface="+mn-ea"/>
+              </a:rPr>
+              <a:t>전국평균</a:t>
+            </a:r>
+            <a:r>
+              <a:rPr lang="en-US" altLang="ko-KR" sz="1200" spc="-100" dirty="0">
+                <a:solidFill>
+                  <a:srgbClr val="595959"/>
+                </a:solidFill>
+                <a:latin typeface="+mn-ea"/>
+              </a:rPr>
+              <a:t>: 1.56 % </a:t>
+            </a:r>
+            <a:endParaRPr lang="ko-KR" altLang="en-US" sz="1200" spc="-100" dirty="0">
+              <a:solidFill>
+                <a:srgbClr val="595959"/>
+              </a:solidFill>
+              <a:latin typeface="+mn-ea"/>
+            </a:endParaRPr>
+          </a:p>
+        </p:txBody>
+      </p:sp>
+      <p:sp>
+        <p:nvSpPr>
+          <p:cNvPr id="22" name="TextBox 21">
+            <a:extLst>
+              <a:ext uri="{FF2B5EF4-FFF2-40B4-BE49-F238E27FC236}">
+                <a16:creationId xmlns:a16="http://schemas.microsoft.com/office/drawing/2014/main" id="{1D2F8743-786D-D135-B997-B9B5B8B4F172}"/>
+              </a:ext>
+            </a:extLst>
+          </p:cNvPr>
+          <p:cNvSpPr txBox="1"/>
+          <p:nvPr/>
+        </p:nvSpPr>
+        <p:spPr>
+          <a:xfrm>
+            <a:off x="309517" y="5795858"/>
+            <a:ext cx="271447" cy="430887"/>
+          </a:xfrm>
+          <a:prstGeom prst="rect">
+            <a:avLst/>
+          </a:prstGeom>
+          <a:solidFill>
+            <a:schemeClr val="bg1"/>
+          </a:solidFill>
+        </p:spPr>
+        <p:txBody>
+          <a:bodyPr wrap="square">
+            <a:spAutoFit/>
+          </a:bodyPr>
+          <a:lstStyle/>
+          <a:p>
+            <a:pPr algn="ctr"/>
+            <a:r>
+              <a:rPr lang="ko-KR" altLang="en-US" sz="1100" spc="-100" dirty="0">
+                <a:solidFill>
+                  <a:srgbClr val="595959"/>
+                </a:solidFill>
+                <a:latin typeface="+mn-ea"/>
+              </a:rPr>
+              <a:t>제주</a:t>
+            </a:r>
+            <a:endParaRPr lang="en-US" altLang="ko-KR" sz="1100" spc="-100" dirty="0">
+              <a:solidFill>
+                <a:srgbClr val="595959"/>
+              </a:solidFill>
+              <a:latin typeface="+mn-ea"/>
+            </a:endParaRPr>
+          </a:p>
+        </p:txBody>
+      </p:sp>
+      <p:sp>
+        <p:nvSpPr>
+          <p:cNvPr id="23" name="TextBox 22">
+            <a:extLst>
+              <a:ext uri="{FF2B5EF4-FFF2-40B4-BE49-F238E27FC236}">
+                <a16:creationId xmlns:a16="http://schemas.microsoft.com/office/drawing/2014/main" id="{5F2A450B-77DB-2CD4-5BE4-9B56808A8403}"/>
+              </a:ext>
+            </a:extLst>
+          </p:cNvPr>
+          <p:cNvSpPr txBox="1"/>
+          <p:nvPr/>
+        </p:nvSpPr>
+        <p:spPr>
+          <a:xfrm>
+            <a:off x="514633" y="5795858"/>
+            <a:ext cx="271447" cy="430887"/>
+          </a:xfrm>
+          <a:prstGeom prst="rect">
+            <a:avLst/>
+          </a:prstGeom>
+          <a:solidFill>
+            <a:schemeClr val="bg1"/>
+          </a:solidFill>
+        </p:spPr>
+        <p:txBody>
+          <a:bodyPr wrap="square">
+            <a:spAutoFit/>
+          </a:bodyPr>
+          <a:lstStyle/>
+          <a:p>
+            <a:pPr algn="ctr"/>
+            <a:r>
+              <a:rPr lang="ko-KR" altLang="en-US" sz="1100" dirty="0">
+                <a:solidFill>
+                  <a:srgbClr val="595959"/>
+                </a:solidFill>
+                <a:latin typeface="+mn-ea"/>
+              </a:rPr>
+              <a:t>경기</a:t>
+            </a:r>
+          </a:p>
+        </p:txBody>
+      </p:sp>
+      <p:sp>
+        <p:nvSpPr>
+          <p:cNvPr id="24" name="TextBox 23">
+            <a:extLst>
+              <a:ext uri="{FF2B5EF4-FFF2-40B4-BE49-F238E27FC236}">
+                <a16:creationId xmlns:a16="http://schemas.microsoft.com/office/drawing/2014/main" id="{281C8D9A-A08A-4572-093B-C7502581FA60}"/>
+              </a:ext>
+            </a:extLst>
+          </p:cNvPr>
+          <p:cNvSpPr txBox="1"/>
+          <p:nvPr/>
+        </p:nvSpPr>
+        <p:spPr>
+          <a:xfrm>
+            <a:off x="1540213" y="5795858"/>
+            <a:ext cx="271447" cy="430887"/>
+          </a:xfrm>
+          <a:prstGeom prst="rect">
+            <a:avLst/>
+          </a:prstGeom>
+          <a:solidFill>
+            <a:schemeClr val="bg1"/>
+          </a:solidFill>
+        </p:spPr>
+        <p:txBody>
+          <a:bodyPr wrap="square">
+            <a:spAutoFit/>
+          </a:bodyPr>
+          <a:lstStyle/>
+          <a:p>
+            <a:pPr algn="ctr"/>
+            <a:r>
+              <a:rPr lang="ko-KR" altLang="en-US" sz="1100" spc="-100" dirty="0">
+                <a:solidFill>
+                  <a:srgbClr val="595959"/>
+                </a:solidFill>
+                <a:latin typeface="+mn-ea"/>
+              </a:rPr>
+              <a:t>인천</a:t>
+            </a:r>
+            <a:endParaRPr lang="ko-KR" altLang="en-US" sz="1100" dirty="0">
+              <a:solidFill>
+                <a:srgbClr val="595959"/>
+              </a:solidFill>
+              <a:latin typeface="+mn-ea"/>
+            </a:endParaRPr>
+          </a:p>
+        </p:txBody>
+      </p:sp>
+      <p:sp>
+        <p:nvSpPr>
+          <p:cNvPr id="25" name="TextBox 24">
+            <a:extLst>
+              <a:ext uri="{FF2B5EF4-FFF2-40B4-BE49-F238E27FC236}">
+                <a16:creationId xmlns:a16="http://schemas.microsoft.com/office/drawing/2014/main" id="{5E9F108C-36E3-445A-160C-BDEB6D5749F9}"/>
+              </a:ext>
+            </a:extLst>
+          </p:cNvPr>
+          <p:cNvSpPr txBox="1"/>
+          <p:nvPr/>
+        </p:nvSpPr>
+        <p:spPr>
+          <a:xfrm>
+            <a:off x="1129981" y="5795858"/>
+            <a:ext cx="271447" cy="430887"/>
+          </a:xfrm>
+          <a:prstGeom prst="rect">
+            <a:avLst/>
+          </a:prstGeom>
+          <a:solidFill>
+            <a:schemeClr val="bg1"/>
+          </a:solidFill>
+        </p:spPr>
+        <p:txBody>
+          <a:bodyPr wrap="square">
+            <a:spAutoFit/>
+          </a:bodyPr>
+          <a:lstStyle/>
+          <a:p>
+            <a:pPr algn="ctr"/>
+            <a:r>
+              <a:rPr lang="ko-KR" altLang="en-US" sz="1100" spc="-100" dirty="0">
+                <a:solidFill>
+                  <a:srgbClr val="595959"/>
+                </a:solidFill>
+                <a:latin typeface="+mn-ea"/>
+              </a:rPr>
+              <a:t>충남</a:t>
+            </a:r>
+            <a:endParaRPr lang="en-US" altLang="ko-KR" sz="1100" spc="-100" dirty="0">
+              <a:solidFill>
+                <a:srgbClr val="595959"/>
+              </a:solidFill>
+              <a:latin typeface="+mn-ea"/>
+            </a:endParaRPr>
+          </a:p>
+        </p:txBody>
+      </p:sp>
+      <p:sp>
+        <p:nvSpPr>
+          <p:cNvPr id="26" name="TextBox 25">
+            <a:extLst>
+              <a:ext uri="{FF2B5EF4-FFF2-40B4-BE49-F238E27FC236}">
+                <a16:creationId xmlns:a16="http://schemas.microsoft.com/office/drawing/2014/main" id="{9AF903A7-FEF0-248C-4B62-F38E33815E5D}"/>
+              </a:ext>
+            </a:extLst>
+          </p:cNvPr>
+          <p:cNvSpPr txBox="1"/>
+          <p:nvPr/>
+        </p:nvSpPr>
+        <p:spPr>
+          <a:xfrm>
+            <a:off x="2976025" y="5795858"/>
+            <a:ext cx="271447" cy="430887"/>
+          </a:xfrm>
+          <a:prstGeom prst="rect">
+            <a:avLst/>
+          </a:prstGeom>
+          <a:solidFill>
+            <a:schemeClr val="bg1"/>
+          </a:solidFill>
+        </p:spPr>
+        <p:txBody>
+          <a:bodyPr wrap="square">
+            <a:spAutoFit/>
+          </a:bodyPr>
+          <a:lstStyle/>
+          <a:p>
+            <a:pPr algn="ctr"/>
+            <a:r>
+              <a:rPr lang="ko-KR" altLang="en-US" sz="1100" spc="-100" dirty="0">
+                <a:solidFill>
+                  <a:srgbClr val="595959"/>
+                </a:solidFill>
+                <a:latin typeface="+mn-ea"/>
+              </a:rPr>
+              <a:t>서울</a:t>
+            </a:r>
+            <a:endParaRPr lang="en-US" altLang="ko-KR" sz="1100" spc="-100" dirty="0">
+              <a:solidFill>
+                <a:srgbClr val="595959"/>
+              </a:solidFill>
+              <a:latin typeface="+mn-ea"/>
+            </a:endParaRPr>
+          </a:p>
+        </p:txBody>
+      </p:sp>
+      <p:sp>
+        <p:nvSpPr>
+          <p:cNvPr id="27" name="TextBox 26">
+            <a:extLst>
+              <a:ext uri="{FF2B5EF4-FFF2-40B4-BE49-F238E27FC236}">
+                <a16:creationId xmlns:a16="http://schemas.microsoft.com/office/drawing/2014/main" id="{BFE22367-0BDA-4C39-479A-A91558C44CBB}"/>
+              </a:ext>
+            </a:extLst>
+          </p:cNvPr>
+          <p:cNvSpPr txBox="1"/>
+          <p:nvPr/>
+        </p:nvSpPr>
+        <p:spPr>
+          <a:xfrm>
+            <a:off x="2770909" y="5795858"/>
+            <a:ext cx="271447" cy="430887"/>
+          </a:xfrm>
+          <a:prstGeom prst="rect">
+            <a:avLst/>
+          </a:prstGeom>
+          <a:solidFill>
+            <a:schemeClr val="bg1"/>
+          </a:solidFill>
+        </p:spPr>
+        <p:txBody>
+          <a:bodyPr wrap="square">
+            <a:spAutoFit/>
+          </a:bodyPr>
+          <a:lstStyle/>
+          <a:p>
+            <a:pPr algn="ctr"/>
+            <a:r>
+              <a:rPr lang="ko-KR" altLang="en-US" sz="1100" spc="-100" dirty="0">
+                <a:solidFill>
+                  <a:srgbClr val="595959"/>
+                </a:solidFill>
+                <a:latin typeface="+mn-ea"/>
+              </a:rPr>
+              <a:t>부산</a:t>
+            </a:r>
+            <a:endParaRPr lang="en-US" altLang="ko-KR" sz="1100" spc="-100" dirty="0">
+              <a:solidFill>
+                <a:srgbClr val="595959"/>
+              </a:solidFill>
+              <a:latin typeface="+mn-ea"/>
+            </a:endParaRPr>
+          </a:p>
+        </p:txBody>
+      </p:sp>
+      <p:sp>
+        <p:nvSpPr>
+          <p:cNvPr id="28" name="TextBox 27">
+            <a:extLst>
+              <a:ext uri="{FF2B5EF4-FFF2-40B4-BE49-F238E27FC236}">
+                <a16:creationId xmlns:a16="http://schemas.microsoft.com/office/drawing/2014/main" id="{F20FDF48-CB53-EC0C-1D3A-9AA9A93E93C4}"/>
+              </a:ext>
+            </a:extLst>
+          </p:cNvPr>
+          <p:cNvSpPr txBox="1"/>
+          <p:nvPr/>
+        </p:nvSpPr>
+        <p:spPr>
+          <a:xfrm>
+            <a:off x="3181141" y="5795858"/>
+            <a:ext cx="271447" cy="430887"/>
+          </a:xfrm>
+          <a:prstGeom prst="rect">
+            <a:avLst/>
+          </a:prstGeom>
+          <a:solidFill>
+            <a:schemeClr val="bg1"/>
+          </a:solidFill>
+        </p:spPr>
+        <p:txBody>
+          <a:bodyPr wrap="square">
+            <a:spAutoFit/>
+          </a:bodyPr>
+          <a:lstStyle/>
+          <a:p>
+            <a:pPr algn="ctr"/>
+            <a:r>
+              <a:rPr lang="ko-KR" altLang="en-US" sz="1100" spc="-100" dirty="0">
+                <a:solidFill>
+                  <a:srgbClr val="595959"/>
+                </a:solidFill>
+                <a:latin typeface="+mn-ea"/>
+              </a:rPr>
+              <a:t>전북</a:t>
+            </a:r>
+            <a:endParaRPr lang="en-US" altLang="ko-KR" sz="1100" spc="-100" dirty="0">
+              <a:solidFill>
+                <a:srgbClr val="595959"/>
+              </a:solidFill>
+              <a:latin typeface="+mn-ea"/>
+            </a:endParaRPr>
+          </a:p>
+        </p:txBody>
+      </p:sp>
+      <p:sp>
+        <p:nvSpPr>
+          <p:cNvPr id="29" name="TextBox 28">
+            <a:extLst>
+              <a:ext uri="{FF2B5EF4-FFF2-40B4-BE49-F238E27FC236}">
+                <a16:creationId xmlns:a16="http://schemas.microsoft.com/office/drawing/2014/main" id="{CBB39E02-AEC5-CBC4-177B-258C6DAC03B7}"/>
+              </a:ext>
+            </a:extLst>
+          </p:cNvPr>
+          <p:cNvSpPr txBox="1"/>
+          <p:nvPr/>
+        </p:nvSpPr>
+        <p:spPr>
+          <a:xfrm>
+            <a:off x="1950445" y="5795858"/>
+            <a:ext cx="271447" cy="430887"/>
+          </a:xfrm>
+          <a:prstGeom prst="rect">
+            <a:avLst/>
+          </a:prstGeom>
+          <a:solidFill>
+            <a:schemeClr val="bg1"/>
+          </a:solidFill>
+        </p:spPr>
+        <p:txBody>
+          <a:bodyPr wrap="square">
+            <a:spAutoFit/>
+          </a:bodyPr>
+          <a:lstStyle/>
+          <a:p>
+            <a:pPr algn="ctr"/>
+            <a:r>
+              <a:rPr lang="ko-KR" altLang="en-US" sz="1100" spc="-100" dirty="0">
+                <a:solidFill>
+                  <a:srgbClr val="595959"/>
+                </a:solidFill>
+                <a:latin typeface="+mn-ea"/>
+              </a:rPr>
+              <a:t>대전</a:t>
+            </a:r>
+            <a:endParaRPr lang="en-US" altLang="ko-KR" sz="1100" spc="-100" dirty="0">
+              <a:solidFill>
+                <a:srgbClr val="595959"/>
+              </a:solidFill>
+              <a:latin typeface="+mn-ea"/>
+            </a:endParaRPr>
+          </a:p>
+        </p:txBody>
+      </p:sp>
+      <p:sp>
+        <p:nvSpPr>
+          <p:cNvPr id="30" name="TextBox 29">
+            <a:extLst>
+              <a:ext uri="{FF2B5EF4-FFF2-40B4-BE49-F238E27FC236}">
+                <a16:creationId xmlns:a16="http://schemas.microsoft.com/office/drawing/2014/main" id="{10325C92-3D90-6610-527A-D992BEFCCDA1}"/>
+              </a:ext>
+            </a:extLst>
+          </p:cNvPr>
+          <p:cNvSpPr txBox="1"/>
+          <p:nvPr/>
+        </p:nvSpPr>
+        <p:spPr>
+          <a:xfrm>
+            <a:off x="924865" y="5795858"/>
+            <a:ext cx="271447" cy="430887"/>
+          </a:xfrm>
+          <a:prstGeom prst="rect">
+            <a:avLst/>
+          </a:prstGeom>
+          <a:solidFill>
+            <a:schemeClr val="bg1"/>
+          </a:solidFill>
+        </p:spPr>
+        <p:txBody>
+          <a:bodyPr wrap="square">
+            <a:spAutoFit/>
+          </a:bodyPr>
+          <a:lstStyle/>
+          <a:p>
+            <a:pPr algn="ctr"/>
+            <a:r>
+              <a:rPr lang="ko-KR" altLang="en-US" sz="1100" spc="-100" dirty="0">
+                <a:solidFill>
+                  <a:srgbClr val="595959"/>
+                </a:solidFill>
+                <a:latin typeface="+mn-ea"/>
+              </a:rPr>
+              <a:t>전남</a:t>
+            </a:r>
+            <a:endParaRPr lang="en-US" altLang="ko-KR" sz="1100" spc="-100" dirty="0">
+              <a:solidFill>
+                <a:srgbClr val="595959"/>
+              </a:solidFill>
+              <a:latin typeface="+mn-ea"/>
+            </a:endParaRPr>
+          </a:p>
+        </p:txBody>
+      </p:sp>
+      <p:sp>
+        <p:nvSpPr>
+          <p:cNvPr id="31" name="TextBox 30">
+            <a:extLst>
+              <a:ext uri="{FF2B5EF4-FFF2-40B4-BE49-F238E27FC236}">
+                <a16:creationId xmlns:a16="http://schemas.microsoft.com/office/drawing/2014/main" id="{B0376FB0-06DE-8B1F-DF49-312388F58999}"/>
+              </a:ext>
+            </a:extLst>
+          </p:cNvPr>
+          <p:cNvSpPr txBox="1"/>
+          <p:nvPr/>
+        </p:nvSpPr>
+        <p:spPr>
+          <a:xfrm>
+            <a:off x="3386253" y="5795858"/>
+            <a:ext cx="271447" cy="430887"/>
+          </a:xfrm>
+          <a:prstGeom prst="rect">
+            <a:avLst/>
+          </a:prstGeom>
+          <a:solidFill>
+            <a:schemeClr val="bg1"/>
+          </a:solidFill>
+        </p:spPr>
+        <p:txBody>
+          <a:bodyPr wrap="square">
+            <a:spAutoFit/>
+          </a:bodyPr>
+          <a:lstStyle/>
+          <a:p>
+            <a:pPr algn="ctr"/>
+            <a:r>
+              <a:rPr lang="ko-KR" altLang="en-US" sz="1100" spc="-100" dirty="0">
+                <a:solidFill>
+                  <a:srgbClr val="595959"/>
+                </a:solidFill>
+                <a:latin typeface="+mn-ea"/>
+              </a:rPr>
+              <a:t>경북</a:t>
+            </a:r>
+            <a:endParaRPr lang="en-US" altLang="ko-KR" sz="1100" spc="-100" dirty="0">
+              <a:solidFill>
+                <a:srgbClr val="595959"/>
+              </a:solidFill>
+              <a:latin typeface="+mn-ea"/>
+            </a:endParaRPr>
+          </a:p>
+        </p:txBody>
+      </p:sp>
+      <p:sp>
+        <p:nvSpPr>
+          <p:cNvPr id="32" name="TextBox 31">
+            <a:extLst>
+              <a:ext uri="{FF2B5EF4-FFF2-40B4-BE49-F238E27FC236}">
+                <a16:creationId xmlns:a16="http://schemas.microsoft.com/office/drawing/2014/main" id="{91F8BA5E-2F7B-009C-861B-37DFFBE7A72B}"/>
+              </a:ext>
+            </a:extLst>
+          </p:cNvPr>
+          <p:cNvSpPr txBox="1"/>
+          <p:nvPr/>
+        </p:nvSpPr>
+        <p:spPr>
+          <a:xfrm>
+            <a:off x="2565793" y="5795858"/>
+            <a:ext cx="271447" cy="430887"/>
+          </a:xfrm>
+          <a:prstGeom prst="rect">
+            <a:avLst/>
+          </a:prstGeom>
+          <a:solidFill>
+            <a:schemeClr val="bg1"/>
+          </a:solidFill>
+        </p:spPr>
+        <p:txBody>
+          <a:bodyPr wrap="square">
+            <a:spAutoFit/>
+          </a:bodyPr>
+          <a:lstStyle/>
+          <a:p>
+            <a:pPr algn="ctr"/>
+            <a:r>
+              <a:rPr lang="ko-KR" altLang="en-US" sz="1100" spc="-100" dirty="0">
+                <a:solidFill>
+                  <a:srgbClr val="595959"/>
+                </a:solidFill>
+                <a:latin typeface="+mn-ea"/>
+              </a:rPr>
+              <a:t>대구</a:t>
+            </a:r>
+            <a:endParaRPr lang="en-US" altLang="ko-KR" sz="1100" spc="-100" dirty="0">
+              <a:solidFill>
+                <a:srgbClr val="595959"/>
+              </a:solidFill>
+              <a:latin typeface="+mn-ea"/>
+            </a:endParaRPr>
+          </a:p>
+        </p:txBody>
+      </p:sp>
+      <p:sp>
+        <p:nvSpPr>
+          <p:cNvPr id="33" name="TextBox 32">
+            <a:extLst>
+              <a:ext uri="{FF2B5EF4-FFF2-40B4-BE49-F238E27FC236}">
+                <a16:creationId xmlns:a16="http://schemas.microsoft.com/office/drawing/2014/main" id="{913E4AEF-C8AC-1426-F262-09688486D9D1}"/>
+              </a:ext>
+            </a:extLst>
+          </p:cNvPr>
+          <p:cNvSpPr txBox="1"/>
+          <p:nvPr/>
+        </p:nvSpPr>
+        <p:spPr>
+          <a:xfrm>
+            <a:off x="1335097" y="5795858"/>
+            <a:ext cx="271447" cy="430887"/>
+          </a:xfrm>
+          <a:prstGeom prst="rect">
+            <a:avLst/>
+          </a:prstGeom>
+          <a:solidFill>
+            <a:schemeClr val="bg1"/>
+          </a:solidFill>
+        </p:spPr>
+        <p:txBody>
+          <a:bodyPr wrap="square">
+            <a:spAutoFit/>
+          </a:bodyPr>
+          <a:lstStyle/>
+          <a:p>
+            <a:pPr algn="ctr"/>
+            <a:r>
+              <a:rPr lang="ko-KR" altLang="en-US" sz="1100" spc="-100" dirty="0">
+                <a:solidFill>
+                  <a:srgbClr val="595959"/>
+                </a:solidFill>
+                <a:latin typeface="+mn-ea"/>
+              </a:rPr>
+              <a:t>울산</a:t>
+            </a:r>
+            <a:endParaRPr lang="en-US" altLang="ko-KR" sz="1100" spc="-100" dirty="0">
+              <a:solidFill>
+                <a:srgbClr val="595959"/>
+              </a:solidFill>
+              <a:latin typeface="+mn-ea"/>
+            </a:endParaRPr>
+          </a:p>
+        </p:txBody>
+      </p:sp>
+      <p:sp>
+        <p:nvSpPr>
+          <p:cNvPr id="34" name="TextBox 33">
+            <a:extLst>
+              <a:ext uri="{FF2B5EF4-FFF2-40B4-BE49-F238E27FC236}">
+                <a16:creationId xmlns:a16="http://schemas.microsoft.com/office/drawing/2014/main" id="{FB7029A8-1711-5150-C437-3E805E2AE967}"/>
+              </a:ext>
+            </a:extLst>
+          </p:cNvPr>
+          <p:cNvSpPr txBox="1"/>
+          <p:nvPr/>
+        </p:nvSpPr>
+        <p:spPr>
+          <a:xfrm>
+            <a:off x="1745329" y="5795858"/>
+            <a:ext cx="271447" cy="430887"/>
+          </a:xfrm>
+          <a:prstGeom prst="rect">
+            <a:avLst/>
+          </a:prstGeom>
+          <a:solidFill>
+            <a:schemeClr val="bg1"/>
+          </a:solidFill>
+        </p:spPr>
+        <p:txBody>
+          <a:bodyPr wrap="square">
+            <a:spAutoFit/>
+          </a:bodyPr>
+          <a:lstStyle/>
+          <a:p>
+            <a:pPr algn="ctr"/>
+            <a:r>
+              <a:rPr lang="ko-KR" altLang="en-US" sz="1100" spc="-100" dirty="0">
+                <a:solidFill>
+                  <a:srgbClr val="595959"/>
+                </a:solidFill>
+                <a:latin typeface="+mn-ea"/>
+              </a:rPr>
+              <a:t>광주</a:t>
+            </a:r>
+            <a:endParaRPr lang="en-US" altLang="ko-KR" sz="1100" spc="-100" dirty="0">
+              <a:solidFill>
+                <a:srgbClr val="595959"/>
+              </a:solidFill>
+              <a:latin typeface="+mn-ea"/>
+            </a:endParaRPr>
+          </a:p>
+        </p:txBody>
+      </p:sp>
+      <p:sp>
+        <p:nvSpPr>
+          <p:cNvPr id="35" name="TextBox 34">
+            <a:extLst>
+              <a:ext uri="{FF2B5EF4-FFF2-40B4-BE49-F238E27FC236}">
+                <a16:creationId xmlns:a16="http://schemas.microsoft.com/office/drawing/2014/main" id="{8E8F8D67-CEF8-D98A-6831-B49AFEBFB29B}"/>
+              </a:ext>
+            </a:extLst>
+          </p:cNvPr>
+          <p:cNvSpPr txBox="1"/>
+          <p:nvPr/>
+        </p:nvSpPr>
+        <p:spPr>
+          <a:xfrm>
+            <a:off x="2155561" y="5795858"/>
+            <a:ext cx="271447" cy="430887"/>
+          </a:xfrm>
+          <a:prstGeom prst="rect">
+            <a:avLst/>
+          </a:prstGeom>
+          <a:solidFill>
+            <a:schemeClr val="bg1"/>
+          </a:solidFill>
+        </p:spPr>
+        <p:txBody>
+          <a:bodyPr wrap="square">
+            <a:spAutoFit/>
+          </a:bodyPr>
+          <a:lstStyle/>
+          <a:p>
+            <a:pPr algn="ctr"/>
+            <a:r>
+              <a:rPr lang="ko-KR" altLang="en-US" sz="1100" spc="-100" dirty="0">
+                <a:solidFill>
+                  <a:srgbClr val="595959"/>
+                </a:solidFill>
+                <a:latin typeface="+mn-ea"/>
+              </a:rPr>
+              <a:t>경남</a:t>
+            </a:r>
+            <a:endParaRPr lang="en-US" altLang="ko-KR" sz="1100" spc="-100" dirty="0">
+              <a:solidFill>
+                <a:srgbClr val="595959"/>
+              </a:solidFill>
+              <a:latin typeface="+mn-ea"/>
+            </a:endParaRPr>
+          </a:p>
+        </p:txBody>
+      </p:sp>
+      <p:sp>
+        <p:nvSpPr>
+          <p:cNvPr id="36" name="TextBox 35">
+            <a:extLst>
+              <a:ext uri="{FF2B5EF4-FFF2-40B4-BE49-F238E27FC236}">
+                <a16:creationId xmlns:a16="http://schemas.microsoft.com/office/drawing/2014/main" id="{BF778C60-7382-90D3-5A11-FBBAD96796C8}"/>
+              </a:ext>
+            </a:extLst>
+          </p:cNvPr>
+          <p:cNvSpPr txBox="1"/>
+          <p:nvPr/>
+        </p:nvSpPr>
+        <p:spPr>
+          <a:xfrm>
+            <a:off x="2360677" y="5795858"/>
+            <a:ext cx="271447" cy="430887"/>
+          </a:xfrm>
+          <a:prstGeom prst="rect">
+            <a:avLst/>
+          </a:prstGeom>
+          <a:solidFill>
+            <a:schemeClr val="bg1"/>
+          </a:solidFill>
+        </p:spPr>
+        <p:txBody>
+          <a:bodyPr wrap="square">
+            <a:spAutoFit/>
+          </a:bodyPr>
+          <a:lstStyle/>
+          <a:p>
+            <a:pPr algn="ctr"/>
+            <a:r>
+              <a:rPr lang="ko-KR" altLang="en-US" sz="1100" spc="-100" dirty="0">
+                <a:solidFill>
+                  <a:srgbClr val="595959"/>
+                </a:solidFill>
+                <a:latin typeface="+mn-ea"/>
+              </a:rPr>
+              <a:t>강원</a:t>
+            </a:r>
+            <a:endParaRPr lang="en-US" altLang="ko-KR" sz="1100" spc="-100" dirty="0">
+              <a:solidFill>
+                <a:srgbClr val="595959"/>
+              </a:solidFill>
+              <a:latin typeface="+mn-ea"/>
+            </a:endParaRPr>
+          </a:p>
+        </p:txBody>
+      </p:sp>
+      <p:sp>
+        <p:nvSpPr>
+          <p:cNvPr id="37" name="TextBox 36">
+            <a:extLst>
+              <a:ext uri="{FF2B5EF4-FFF2-40B4-BE49-F238E27FC236}">
+                <a16:creationId xmlns:a16="http://schemas.microsoft.com/office/drawing/2014/main" id="{888D0348-565E-1122-0835-7CCE47A83092}"/>
+              </a:ext>
+            </a:extLst>
+          </p:cNvPr>
+          <p:cNvSpPr txBox="1"/>
+          <p:nvPr/>
+        </p:nvSpPr>
+        <p:spPr>
+          <a:xfrm>
+            <a:off x="719749" y="5795858"/>
+            <a:ext cx="271447" cy="430887"/>
+          </a:xfrm>
+          <a:prstGeom prst="rect">
+            <a:avLst/>
+          </a:prstGeom>
+          <a:solidFill>
+            <a:schemeClr val="bg1"/>
+          </a:solidFill>
+        </p:spPr>
+        <p:txBody>
+          <a:bodyPr wrap="square">
+            <a:spAutoFit/>
+          </a:bodyPr>
+          <a:lstStyle/>
+          <a:p>
+            <a:pPr algn="ctr"/>
+            <a:r>
+              <a:rPr lang="ko-KR" altLang="en-US" sz="1100" spc="-100" dirty="0">
+                <a:solidFill>
+                  <a:srgbClr val="595959"/>
+                </a:solidFill>
+                <a:latin typeface="+mn-ea"/>
+              </a:rPr>
+              <a:t>충북</a:t>
+            </a:r>
+            <a:endParaRPr lang="en-US" altLang="ko-KR" sz="1100" spc="-100" dirty="0">
+              <a:solidFill>
+                <a:srgbClr val="595959"/>
+              </a:solidFill>
+              <a:latin typeface="+mn-ea"/>
+            </a:endParaRPr>
+          </a:p>
+        </p:txBody>
+      </p:sp>
+      <p:sp>
+        <p:nvSpPr>
+          <p:cNvPr id="38" name="TextBox 37">
+            <a:extLst>
+              <a:ext uri="{FF2B5EF4-FFF2-40B4-BE49-F238E27FC236}">
+                <a16:creationId xmlns:a16="http://schemas.microsoft.com/office/drawing/2014/main" id="{4778EFC5-92B5-C862-0261-FDCC1CF880C8}"/>
+              </a:ext>
+            </a:extLst>
+          </p:cNvPr>
+          <p:cNvSpPr txBox="1"/>
+          <p:nvPr/>
+        </p:nvSpPr>
+        <p:spPr>
+          <a:xfrm>
+            <a:off x="4584794" y="5783158"/>
+            <a:ext cx="271447" cy="430887"/>
+          </a:xfrm>
+          <a:prstGeom prst="rect">
+            <a:avLst/>
+          </a:prstGeom>
+          <a:solidFill>
+            <a:schemeClr val="bg1"/>
+          </a:solidFill>
+        </p:spPr>
+        <p:txBody>
+          <a:bodyPr wrap="square">
+            <a:spAutoFit/>
+          </a:bodyPr>
+          <a:lstStyle/>
+          <a:p>
+            <a:pPr algn="ctr"/>
+            <a:r>
+              <a:rPr lang="ko-KR" altLang="en-US" sz="1100" spc="-100" dirty="0">
+                <a:solidFill>
+                  <a:srgbClr val="595959"/>
+                </a:solidFill>
+                <a:latin typeface="+mn-ea"/>
+              </a:rPr>
+              <a:t>제주</a:t>
+            </a:r>
+            <a:endParaRPr lang="en-US" altLang="ko-KR" sz="1100" spc="-100" dirty="0">
+              <a:solidFill>
+                <a:srgbClr val="595959"/>
+              </a:solidFill>
+              <a:latin typeface="+mn-ea"/>
+            </a:endParaRPr>
+          </a:p>
+        </p:txBody>
+      </p:sp>
+      <p:sp>
+        <p:nvSpPr>
+          <p:cNvPr id="39" name="TextBox 38">
+            <a:extLst>
+              <a:ext uri="{FF2B5EF4-FFF2-40B4-BE49-F238E27FC236}">
+                <a16:creationId xmlns:a16="http://schemas.microsoft.com/office/drawing/2014/main" id="{EA557A32-1718-FDCF-F9B6-78D454FEDFF0}"/>
+              </a:ext>
+            </a:extLst>
+          </p:cNvPr>
+          <p:cNvSpPr txBox="1"/>
+          <p:nvPr/>
+        </p:nvSpPr>
+        <p:spPr>
+          <a:xfrm>
+            <a:off x="4379667" y="5783158"/>
+            <a:ext cx="271447" cy="430887"/>
+          </a:xfrm>
+          <a:prstGeom prst="rect">
+            <a:avLst/>
+          </a:prstGeom>
+          <a:solidFill>
+            <a:schemeClr val="bg1"/>
+          </a:solidFill>
+        </p:spPr>
+        <p:txBody>
+          <a:bodyPr wrap="square">
+            <a:spAutoFit/>
+          </a:bodyPr>
+          <a:lstStyle/>
+          <a:p>
+            <a:pPr algn="ctr"/>
+            <a:r>
+              <a:rPr lang="ko-KR" altLang="en-US" sz="1100" dirty="0">
+                <a:solidFill>
+                  <a:srgbClr val="595959"/>
+                </a:solidFill>
+                <a:latin typeface="+mn-ea"/>
+              </a:rPr>
+              <a:t>경기</a:t>
+            </a:r>
+          </a:p>
+        </p:txBody>
+      </p:sp>
+      <p:sp>
+        <p:nvSpPr>
+          <p:cNvPr id="40" name="TextBox 39">
+            <a:extLst>
+              <a:ext uri="{FF2B5EF4-FFF2-40B4-BE49-F238E27FC236}">
+                <a16:creationId xmlns:a16="http://schemas.microsoft.com/office/drawing/2014/main" id="{6E01AD57-1413-EF90-20E9-09306C4CAB88}"/>
+              </a:ext>
+            </a:extLst>
+          </p:cNvPr>
+          <p:cNvSpPr txBox="1"/>
+          <p:nvPr/>
+        </p:nvSpPr>
+        <p:spPr>
+          <a:xfrm>
+            <a:off x="6636064" y="5783158"/>
+            <a:ext cx="271447" cy="430887"/>
+          </a:xfrm>
+          <a:prstGeom prst="rect">
+            <a:avLst/>
+          </a:prstGeom>
+          <a:solidFill>
+            <a:schemeClr val="bg1"/>
+          </a:solidFill>
+        </p:spPr>
+        <p:txBody>
+          <a:bodyPr wrap="square">
+            <a:spAutoFit/>
+          </a:bodyPr>
+          <a:lstStyle/>
+          <a:p>
+            <a:pPr algn="ctr"/>
+            <a:r>
+              <a:rPr lang="ko-KR" altLang="en-US" sz="1100" spc="-100" dirty="0">
+                <a:solidFill>
+                  <a:srgbClr val="595959"/>
+                </a:solidFill>
+                <a:latin typeface="+mn-ea"/>
+              </a:rPr>
+              <a:t>인천</a:t>
+            </a:r>
+            <a:endParaRPr lang="ko-KR" altLang="en-US" sz="1100" dirty="0">
+              <a:solidFill>
+                <a:srgbClr val="595959"/>
+              </a:solidFill>
+              <a:latin typeface="+mn-ea"/>
+            </a:endParaRPr>
+          </a:p>
+        </p:txBody>
+      </p:sp>
+      <p:sp>
+        <p:nvSpPr>
+          <p:cNvPr id="41" name="TextBox 40">
+            <a:extLst>
+              <a:ext uri="{FF2B5EF4-FFF2-40B4-BE49-F238E27FC236}">
+                <a16:creationId xmlns:a16="http://schemas.microsoft.com/office/drawing/2014/main" id="{F86605BF-EC1A-EB65-B842-9DB050737FD0}"/>
+              </a:ext>
+            </a:extLst>
+          </p:cNvPr>
+          <p:cNvSpPr txBox="1"/>
+          <p:nvPr/>
+        </p:nvSpPr>
+        <p:spPr>
+          <a:xfrm>
+            <a:off x="5405302" y="5783158"/>
+            <a:ext cx="271447" cy="430887"/>
+          </a:xfrm>
+          <a:prstGeom prst="rect">
+            <a:avLst/>
+          </a:prstGeom>
+          <a:solidFill>
+            <a:schemeClr val="bg1"/>
+          </a:solidFill>
+        </p:spPr>
+        <p:txBody>
+          <a:bodyPr wrap="square">
+            <a:spAutoFit/>
+          </a:bodyPr>
+          <a:lstStyle/>
+          <a:p>
+            <a:pPr algn="ctr"/>
+            <a:r>
+              <a:rPr lang="ko-KR" altLang="en-US" sz="1100" spc="-100" dirty="0">
+                <a:solidFill>
+                  <a:srgbClr val="595959"/>
+                </a:solidFill>
+                <a:latin typeface="+mn-ea"/>
+              </a:rPr>
+              <a:t>충남</a:t>
+            </a:r>
+            <a:endParaRPr lang="en-US" altLang="ko-KR" sz="1100" spc="-100" dirty="0">
+              <a:solidFill>
+                <a:srgbClr val="595959"/>
+              </a:solidFill>
+              <a:latin typeface="+mn-ea"/>
+            </a:endParaRPr>
+          </a:p>
+        </p:txBody>
+      </p:sp>
+      <p:sp>
+        <p:nvSpPr>
+          <p:cNvPr id="42" name="TextBox 41">
+            <a:extLst>
+              <a:ext uri="{FF2B5EF4-FFF2-40B4-BE49-F238E27FC236}">
+                <a16:creationId xmlns:a16="http://schemas.microsoft.com/office/drawing/2014/main" id="{61D0F090-FFBB-A22F-4113-37A173DEC6C2}"/>
+              </a:ext>
+            </a:extLst>
+          </p:cNvPr>
+          <p:cNvSpPr txBox="1"/>
+          <p:nvPr/>
+        </p:nvSpPr>
+        <p:spPr>
+          <a:xfrm>
+            <a:off x="5815556" y="5783158"/>
+            <a:ext cx="271447" cy="430887"/>
+          </a:xfrm>
+          <a:prstGeom prst="rect">
+            <a:avLst/>
+          </a:prstGeom>
+          <a:solidFill>
+            <a:schemeClr val="bg1"/>
+          </a:solidFill>
+        </p:spPr>
+        <p:txBody>
+          <a:bodyPr wrap="square">
+            <a:spAutoFit/>
+          </a:bodyPr>
+          <a:lstStyle/>
+          <a:p>
+            <a:pPr algn="ctr"/>
+            <a:r>
+              <a:rPr lang="ko-KR" altLang="en-US" sz="1100" spc="-100" dirty="0">
+                <a:solidFill>
+                  <a:srgbClr val="595959"/>
+                </a:solidFill>
+                <a:latin typeface="+mn-ea"/>
+              </a:rPr>
+              <a:t>서울</a:t>
+            </a:r>
+            <a:endParaRPr lang="en-US" altLang="ko-KR" sz="1100" spc="-100" dirty="0">
+              <a:solidFill>
+                <a:srgbClr val="595959"/>
+              </a:solidFill>
+              <a:latin typeface="+mn-ea"/>
+            </a:endParaRPr>
+          </a:p>
+        </p:txBody>
+      </p:sp>
+      <p:sp>
+        <p:nvSpPr>
+          <p:cNvPr id="43" name="TextBox 42">
+            <a:extLst>
+              <a:ext uri="{FF2B5EF4-FFF2-40B4-BE49-F238E27FC236}">
+                <a16:creationId xmlns:a16="http://schemas.microsoft.com/office/drawing/2014/main" id="{B646A606-C6C5-B007-259C-B7B9DC93941B}"/>
+              </a:ext>
+            </a:extLst>
+          </p:cNvPr>
+          <p:cNvSpPr txBox="1"/>
+          <p:nvPr/>
+        </p:nvSpPr>
+        <p:spPr>
+          <a:xfrm>
+            <a:off x="7046318" y="5783158"/>
+            <a:ext cx="271447" cy="430887"/>
+          </a:xfrm>
+          <a:prstGeom prst="rect">
+            <a:avLst/>
+          </a:prstGeom>
+          <a:solidFill>
+            <a:schemeClr val="bg1"/>
+          </a:solidFill>
+        </p:spPr>
+        <p:txBody>
+          <a:bodyPr wrap="square">
+            <a:spAutoFit/>
+          </a:bodyPr>
+          <a:lstStyle/>
+          <a:p>
+            <a:pPr algn="ctr"/>
+            <a:r>
+              <a:rPr lang="ko-KR" altLang="en-US" sz="1100" spc="-100" dirty="0">
+                <a:solidFill>
+                  <a:srgbClr val="595959"/>
+                </a:solidFill>
+                <a:latin typeface="+mn-ea"/>
+              </a:rPr>
+              <a:t>부산</a:t>
+            </a:r>
+            <a:endParaRPr lang="en-US" altLang="ko-KR" sz="1100" spc="-100" dirty="0">
+              <a:solidFill>
+                <a:srgbClr val="595959"/>
+              </a:solidFill>
+              <a:latin typeface="+mn-ea"/>
+            </a:endParaRPr>
+          </a:p>
+        </p:txBody>
+      </p:sp>
+      <p:sp>
+        <p:nvSpPr>
+          <p:cNvPr id="44" name="TextBox 43">
+            <a:extLst>
+              <a:ext uri="{FF2B5EF4-FFF2-40B4-BE49-F238E27FC236}">
+                <a16:creationId xmlns:a16="http://schemas.microsoft.com/office/drawing/2014/main" id="{754FBD39-8A32-BBE9-5705-D4D0ABE4262D}"/>
+              </a:ext>
+            </a:extLst>
+          </p:cNvPr>
+          <p:cNvSpPr txBox="1"/>
+          <p:nvPr/>
+        </p:nvSpPr>
+        <p:spPr>
+          <a:xfrm>
+            <a:off x="7251445" y="5783158"/>
+            <a:ext cx="271447" cy="430887"/>
+          </a:xfrm>
+          <a:prstGeom prst="rect">
+            <a:avLst/>
+          </a:prstGeom>
+          <a:solidFill>
+            <a:schemeClr val="bg1"/>
+          </a:solidFill>
+        </p:spPr>
+        <p:txBody>
+          <a:bodyPr wrap="square">
+            <a:spAutoFit/>
+          </a:bodyPr>
+          <a:lstStyle/>
+          <a:p>
+            <a:pPr algn="ctr"/>
+            <a:r>
+              <a:rPr lang="ko-KR" altLang="en-US" sz="1100" spc="-100" dirty="0">
+                <a:solidFill>
+                  <a:srgbClr val="595959"/>
+                </a:solidFill>
+                <a:latin typeface="+mn-ea"/>
+              </a:rPr>
+              <a:t>전북</a:t>
+            </a:r>
+            <a:endParaRPr lang="en-US" altLang="ko-KR" sz="1100" spc="-100" dirty="0">
+              <a:solidFill>
+                <a:srgbClr val="595959"/>
+              </a:solidFill>
+              <a:latin typeface="+mn-ea"/>
+            </a:endParaRPr>
+          </a:p>
+        </p:txBody>
+      </p:sp>
+      <p:sp>
+        <p:nvSpPr>
+          <p:cNvPr id="45" name="TextBox 44">
+            <a:extLst>
+              <a:ext uri="{FF2B5EF4-FFF2-40B4-BE49-F238E27FC236}">
+                <a16:creationId xmlns:a16="http://schemas.microsoft.com/office/drawing/2014/main" id="{DC05D702-D829-9CB9-77D8-453B78808D7A}"/>
+              </a:ext>
+            </a:extLst>
+          </p:cNvPr>
+          <p:cNvSpPr txBox="1"/>
+          <p:nvPr/>
+        </p:nvSpPr>
+        <p:spPr>
+          <a:xfrm>
+            <a:off x="6430937" y="5783158"/>
+            <a:ext cx="271447" cy="430887"/>
+          </a:xfrm>
+          <a:prstGeom prst="rect">
+            <a:avLst/>
+          </a:prstGeom>
+          <a:solidFill>
+            <a:schemeClr val="bg1"/>
+          </a:solidFill>
+        </p:spPr>
+        <p:txBody>
+          <a:bodyPr wrap="square">
+            <a:spAutoFit/>
+          </a:bodyPr>
+          <a:lstStyle/>
+          <a:p>
+            <a:pPr algn="ctr"/>
+            <a:r>
+              <a:rPr lang="ko-KR" altLang="en-US" sz="1100" spc="-100" dirty="0">
+                <a:solidFill>
+                  <a:srgbClr val="595959"/>
+                </a:solidFill>
+                <a:latin typeface="+mn-ea"/>
+              </a:rPr>
+              <a:t>대전</a:t>
+            </a:r>
+            <a:endParaRPr lang="en-US" altLang="ko-KR" sz="1100" spc="-100" dirty="0">
+              <a:solidFill>
+                <a:srgbClr val="595959"/>
+              </a:solidFill>
+              <a:latin typeface="+mn-ea"/>
+            </a:endParaRPr>
+          </a:p>
+        </p:txBody>
+      </p:sp>
+      <p:sp>
+        <p:nvSpPr>
+          <p:cNvPr id="46" name="TextBox 45">
+            <a:extLst>
+              <a:ext uri="{FF2B5EF4-FFF2-40B4-BE49-F238E27FC236}">
+                <a16:creationId xmlns:a16="http://schemas.microsoft.com/office/drawing/2014/main" id="{B13C6237-4BBC-500A-F183-2A79A23DF179}"/>
+              </a:ext>
+            </a:extLst>
+          </p:cNvPr>
+          <p:cNvSpPr txBox="1"/>
+          <p:nvPr/>
+        </p:nvSpPr>
+        <p:spPr>
+          <a:xfrm>
+            <a:off x="4995048" y="5783158"/>
+            <a:ext cx="271447" cy="430887"/>
+          </a:xfrm>
+          <a:prstGeom prst="rect">
+            <a:avLst/>
+          </a:prstGeom>
+          <a:solidFill>
+            <a:schemeClr val="bg1"/>
+          </a:solidFill>
+        </p:spPr>
+        <p:txBody>
+          <a:bodyPr wrap="square">
+            <a:spAutoFit/>
+          </a:bodyPr>
+          <a:lstStyle/>
+          <a:p>
+            <a:pPr algn="ctr"/>
+            <a:r>
+              <a:rPr lang="ko-KR" altLang="en-US" sz="1100" spc="-100" dirty="0">
+                <a:solidFill>
+                  <a:srgbClr val="595959"/>
+                </a:solidFill>
+                <a:latin typeface="+mn-ea"/>
+              </a:rPr>
+              <a:t>전남</a:t>
+            </a:r>
+            <a:endParaRPr lang="en-US" altLang="ko-KR" sz="1100" spc="-100" dirty="0">
+              <a:solidFill>
+                <a:srgbClr val="595959"/>
+              </a:solidFill>
+              <a:latin typeface="+mn-ea"/>
+            </a:endParaRPr>
+          </a:p>
+        </p:txBody>
+      </p:sp>
+      <p:sp>
+        <p:nvSpPr>
+          <p:cNvPr id="47" name="TextBox 46">
+            <a:extLst>
+              <a:ext uri="{FF2B5EF4-FFF2-40B4-BE49-F238E27FC236}">
+                <a16:creationId xmlns:a16="http://schemas.microsoft.com/office/drawing/2014/main" id="{D8DC2BAD-00BE-FA3F-E91D-DDFA6BF8E309}"/>
+              </a:ext>
+            </a:extLst>
+          </p:cNvPr>
+          <p:cNvSpPr txBox="1"/>
+          <p:nvPr/>
+        </p:nvSpPr>
+        <p:spPr>
+          <a:xfrm>
+            <a:off x="7456577" y="5783158"/>
+            <a:ext cx="271447" cy="430887"/>
+          </a:xfrm>
+          <a:prstGeom prst="rect">
+            <a:avLst/>
+          </a:prstGeom>
+          <a:solidFill>
+            <a:schemeClr val="bg1"/>
+          </a:solidFill>
+        </p:spPr>
+        <p:txBody>
+          <a:bodyPr wrap="square">
+            <a:spAutoFit/>
+          </a:bodyPr>
+          <a:lstStyle/>
+          <a:p>
+            <a:pPr algn="ctr"/>
+            <a:r>
+              <a:rPr lang="ko-KR" altLang="en-US" sz="1100" spc="-100" dirty="0">
+                <a:solidFill>
+                  <a:srgbClr val="595959"/>
+                </a:solidFill>
+                <a:latin typeface="+mn-ea"/>
+              </a:rPr>
+              <a:t>경북</a:t>
+            </a:r>
+            <a:endParaRPr lang="en-US" altLang="ko-KR" sz="1100" spc="-100" dirty="0">
+              <a:solidFill>
+                <a:srgbClr val="595959"/>
+              </a:solidFill>
+              <a:latin typeface="+mn-ea"/>
+            </a:endParaRPr>
+          </a:p>
+        </p:txBody>
+      </p:sp>
+      <p:sp>
+        <p:nvSpPr>
+          <p:cNvPr id="48" name="TextBox 47">
+            <a:extLst>
+              <a:ext uri="{FF2B5EF4-FFF2-40B4-BE49-F238E27FC236}">
+                <a16:creationId xmlns:a16="http://schemas.microsoft.com/office/drawing/2014/main" id="{2A99ABD2-C2F8-51E9-8A66-5E296638FD9D}"/>
+              </a:ext>
+            </a:extLst>
+          </p:cNvPr>
+          <p:cNvSpPr txBox="1"/>
+          <p:nvPr/>
+        </p:nvSpPr>
+        <p:spPr>
+          <a:xfrm>
+            <a:off x="6841191" y="5783158"/>
+            <a:ext cx="271447" cy="430887"/>
+          </a:xfrm>
+          <a:prstGeom prst="rect">
+            <a:avLst/>
+          </a:prstGeom>
+          <a:solidFill>
+            <a:schemeClr val="bg1"/>
+          </a:solidFill>
+        </p:spPr>
+        <p:txBody>
+          <a:bodyPr wrap="square">
+            <a:spAutoFit/>
+          </a:bodyPr>
+          <a:lstStyle/>
+          <a:p>
+            <a:pPr algn="ctr"/>
+            <a:r>
+              <a:rPr lang="ko-KR" altLang="en-US" sz="1100" spc="-100" dirty="0">
+                <a:solidFill>
+                  <a:srgbClr val="595959"/>
+                </a:solidFill>
+                <a:latin typeface="+mn-ea"/>
+              </a:rPr>
+              <a:t>대구</a:t>
+            </a:r>
+            <a:endParaRPr lang="en-US" altLang="ko-KR" sz="1100" spc="-100" dirty="0">
+              <a:solidFill>
+                <a:srgbClr val="595959"/>
+              </a:solidFill>
+              <a:latin typeface="+mn-ea"/>
+            </a:endParaRPr>
+          </a:p>
+        </p:txBody>
+      </p:sp>
+      <p:sp>
+        <p:nvSpPr>
+          <p:cNvPr id="49" name="TextBox 48">
+            <a:extLst>
+              <a:ext uri="{FF2B5EF4-FFF2-40B4-BE49-F238E27FC236}">
+                <a16:creationId xmlns:a16="http://schemas.microsoft.com/office/drawing/2014/main" id="{35BBFE48-E801-C445-AF54-C54A11CE2981}"/>
+              </a:ext>
+            </a:extLst>
+          </p:cNvPr>
+          <p:cNvSpPr txBox="1"/>
+          <p:nvPr/>
+        </p:nvSpPr>
+        <p:spPr>
+          <a:xfrm>
+            <a:off x="5200175" y="5783158"/>
+            <a:ext cx="271447" cy="430887"/>
+          </a:xfrm>
+          <a:prstGeom prst="rect">
+            <a:avLst/>
+          </a:prstGeom>
+          <a:solidFill>
+            <a:schemeClr val="bg1"/>
+          </a:solidFill>
+        </p:spPr>
+        <p:txBody>
+          <a:bodyPr wrap="square">
+            <a:spAutoFit/>
+          </a:bodyPr>
+          <a:lstStyle/>
+          <a:p>
+            <a:pPr algn="ctr"/>
+            <a:r>
+              <a:rPr lang="ko-KR" altLang="en-US" sz="1100" spc="-100" dirty="0">
+                <a:solidFill>
+                  <a:srgbClr val="595959"/>
+                </a:solidFill>
+                <a:latin typeface="+mn-ea"/>
+              </a:rPr>
+              <a:t>울산</a:t>
+            </a:r>
+            <a:endParaRPr lang="en-US" altLang="ko-KR" sz="1100" spc="-100" dirty="0">
+              <a:solidFill>
+                <a:srgbClr val="595959"/>
+              </a:solidFill>
+              <a:latin typeface="+mn-ea"/>
+            </a:endParaRPr>
+          </a:p>
+        </p:txBody>
+      </p:sp>
+      <p:sp>
+        <p:nvSpPr>
+          <p:cNvPr id="50" name="TextBox 49">
+            <a:extLst>
+              <a:ext uri="{FF2B5EF4-FFF2-40B4-BE49-F238E27FC236}">
+                <a16:creationId xmlns:a16="http://schemas.microsoft.com/office/drawing/2014/main" id="{8039D34F-2679-4BED-9BAE-F856BFF71185}"/>
+              </a:ext>
+            </a:extLst>
+          </p:cNvPr>
+          <p:cNvSpPr txBox="1"/>
+          <p:nvPr/>
+        </p:nvSpPr>
+        <p:spPr>
+          <a:xfrm>
+            <a:off x="6020683" y="5783158"/>
+            <a:ext cx="271447" cy="430887"/>
+          </a:xfrm>
+          <a:prstGeom prst="rect">
+            <a:avLst/>
+          </a:prstGeom>
+          <a:solidFill>
+            <a:schemeClr val="bg1"/>
+          </a:solidFill>
+        </p:spPr>
+        <p:txBody>
+          <a:bodyPr wrap="square">
+            <a:spAutoFit/>
+          </a:bodyPr>
+          <a:lstStyle/>
+          <a:p>
+            <a:pPr algn="ctr"/>
+            <a:r>
+              <a:rPr lang="ko-KR" altLang="en-US" sz="1100" spc="-100" dirty="0">
+                <a:solidFill>
+                  <a:srgbClr val="595959"/>
+                </a:solidFill>
+                <a:latin typeface="+mn-ea"/>
+              </a:rPr>
+              <a:t>광주</a:t>
+            </a:r>
+            <a:endParaRPr lang="en-US" altLang="ko-KR" sz="1100" spc="-100" dirty="0">
+              <a:solidFill>
+                <a:srgbClr val="595959"/>
+              </a:solidFill>
+              <a:latin typeface="+mn-ea"/>
+            </a:endParaRPr>
+          </a:p>
+        </p:txBody>
+      </p:sp>
+      <p:sp>
+        <p:nvSpPr>
+          <p:cNvPr id="51" name="TextBox 50">
+            <a:extLst>
+              <a:ext uri="{FF2B5EF4-FFF2-40B4-BE49-F238E27FC236}">
+                <a16:creationId xmlns:a16="http://schemas.microsoft.com/office/drawing/2014/main" id="{3EF7E398-F77E-5B94-4998-C0521C7B3BC2}"/>
+              </a:ext>
+            </a:extLst>
+          </p:cNvPr>
+          <p:cNvSpPr txBox="1"/>
+          <p:nvPr/>
+        </p:nvSpPr>
+        <p:spPr>
+          <a:xfrm>
+            <a:off x="5610429" y="5783158"/>
+            <a:ext cx="271447" cy="430887"/>
+          </a:xfrm>
+          <a:prstGeom prst="rect">
+            <a:avLst/>
+          </a:prstGeom>
+          <a:solidFill>
+            <a:schemeClr val="bg1"/>
+          </a:solidFill>
+        </p:spPr>
+        <p:txBody>
+          <a:bodyPr wrap="square">
+            <a:spAutoFit/>
+          </a:bodyPr>
+          <a:lstStyle/>
+          <a:p>
+            <a:pPr algn="ctr"/>
+            <a:r>
+              <a:rPr lang="ko-KR" altLang="en-US" sz="1100" spc="-100" dirty="0">
+                <a:solidFill>
+                  <a:srgbClr val="595959"/>
+                </a:solidFill>
+                <a:latin typeface="+mn-ea"/>
+              </a:rPr>
+              <a:t>경남</a:t>
+            </a:r>
+            <a:endParaRPr lang="en-US" altLang="ko-KR" sz="1100" spc="-100" dirty="0">
+              <a:solidFill>
+                <a:srgbClr val="595959"/>
+              </a:solidFill>
+              <a:latin typeface="+mn-ea"/>
+            </a:endParaRPr>
+          </a:p>
+        </p:txBody>
+      </p:sp>
+      <p:sp>
+        <p:nvSpPr>
+          <p:cNvPr id="52" name="TextBox 51">
+            <a:extLst>
+              <a:ext uri="{FF2B5EF4-FFF2-40B4-BE49-F238E27FC236}">
+                <a16:creationId xmlns:a16="http://schemas.microsoft.com/office/drawing/2014/main" id="{F0729C41-3D82-EBD2-5127-737B65D5087D}"/>
+              </a:ext>
+            </a:extLst>
+          </p:cNvPr>
+          <p:cNvSpPr txBox="1"/>
+          <p:nvPr/>
+        </p:nvSpPr>
+        <p:spPr>
+          <a:xfrm>
+            <a:off x="6225810" y="5783158"/>
+            <a:ext cx="271447" cy="430887"/>
+          </a:xfrm>
+          <a:prstGeom prst="rect">
+            <a:avLst/>
+          </a:prstGeom>
+          <a:solidFill>
+            <a:schemeClr val="bg1"/>
+          </a:solidFill>
+        </p:spPr>
+        <p:txBody>
+          <a:bodyPr wrap="square">
+            <a:spAutoFit/>
+          </a:bodyPr>
+          <a:lstStyle/>
+          <a:p>
+            <a:pPr algn="ctr"/>
+            <a:r>
+              <a:rPr lang="ko-KR" altLang="en-US" sz="1100" spc="-100" dirty="0">
+                <a:solidFill>
+                  <a:srgbClr val="595959"/>
+                </a:solidFill>
+                <a:latin typeface="+mn-ea"/>
+              </a:rPr>
+              <a:t>강원</a:t>
+            </a:r>
+            <a:endParaRPr lang="en-US" altLang="ko-KR" sz="1100" spc="-100" dirty="0">
+              <a:solidFill>
+                <a:srgbClr val="595959"/>
+              </a:solidFill>
+              <a:latin typeface="+mn-ea"/>
+            </a:endParaRPr>
+          </a:p>
+        </p:txBody>
+      </p:sp>
+      <p:sp>
+        <p:nvSpPr>
+          <p:cNvPr id="53" name="TextBox 52">
+            <a:extLst>
+              <a:ext uri="{FF2B5EF4-FFF2-40B4-BE49-F238E27FC236}">
+                <a16:creationId xmlns:a16="http://schemas.microsoft.com/office/drawing/2014/main" id="{86BD3C16-5E4D-690F-1E99-240C2F194A55}"/>
+              </a:ext>
+            </a:extLst>
+          </p:cNvPr>
+          <p:cNvSpPr txBox="1"/>
+          <p:nvPr/>
+        </p:nvSpPr>
+        <p:spPr>
+          <a:xfrm>
+            <a:off x="4789921" y="5783158"/>
+            <a:ext cx="271447" cy="430887"/>
+          </a:xfrm>
+          <a:prstGeom prst="rect">
+            <a:avLst/>
+          </a:prstGeom>
+          <a:solidFill>
+            <a:schemeClr val="bg1"/>
+          </a:solidFill>
+        </p:spPr>
+        <p:txBody>
+          <a:bodyPr wrap="square">
+            <a:spAutoFit/>
+          </a:bodyPr>
+          <a:lstStyle/>
+          <a:p>
+            <a:pPr algn="ctr"/>
+            <a:r>
+              <a:rPr lang="ko-KR" altLang="en-US" sz="1100" spc="-100" dirty="0">
+                <a:solidFill>
+                  <a:srgbClr val="595959"/>
+                </a:solidFill>
+                <a:latin typeface="+mn-ea"/>
+              </a:rPr>
+              <a:t>충북</a:t>
+            </a:r>
+            <a:endParaRPr lang="en-US" altLang="ko-KR" sz="1100" spc="-100" dirty="0">
+              <a:solidFill>
+                <a:srgbClr val="595959"/>
+              </a:solidFill>
+              <a:latin typeface="+mn-ea"/>
+            </a:endParaRPr>
+          </a:p>
+        </p:txBody>
+      </p:sp>
+      <p:sp>
+        <p:nvSpPr>
+          <p:cNvPr id="54" name="TextBox 53">
+            <a:extLst>
+              <a:ext uri="{FF2B5EF4-FFF2-40B4-BE49-F238E27FC236}">
+                <a16:creationId xmlns:a16="http://schemas.microsoft.com/office/drawing/2014/main" id="{BEA46494-8FB5-5D49-BA6D-40598F93A605}"/>
+              </a:ext>
+            </a:extLst>
+          </p:cNvPr>
+          <p:cNvSpPr txBox="1"/>
+          <p:nvPr/>
+        </p:nvSpPr>
+        <p:spPr>
+          <a:xfrm>
+            <a:off x="4132255" y="5577166"/>
+            <a:ext cx="423849" cy="276999"/>
+          </a:xfrm>
+          <a:prstGeom prst="rect">
+            <a:avLst/>
+          </a:prstGeom>
+          <a:noFill/>
+        </p:spPr>
+        <p:txBody>
+          <a:bodyPr wrap="square">
+            <a:spAutoFit/>
+          </a:bodyPr>
+          <a:lstStyle/>
+          <a:p>
+            <a:r>
+              <a:rPr lang="en-US" altLang="ko-KR" sz="1200" dirty="0">
+                <a:solidFill>
+                  <a:srgbClr val="595959"/>
+                </a:solidFill>
+                <a:latin typeface="+mn-ea"/>
+              </a:rPr>
+              <a:t>(%)</a:t>
+            </a:r>
+            <a:endParaRPr lang="ko-KR" altLang="en-US" sz="1200" dirty="0">
+              <a:latin typeface="+mn-ea"/>
+            </a:endParaRPr>
+          </a:p>
+        </p:txBody>
+      </p:sp>
+      <p:sp>
+        <p:nvSpPr>
+          <p:cNvPr id="55" name="TextBox 54">
+            <a:extLst>
+              <a:ext uri="{FF2B5EF4-FFF2-40B4-BE49-F238E27FC236}">
+                <a16:creationId xmlns:a16="http://schemas.microsoft.com/office/drawing/2014/main" id="{40D42F82-3FF8-D14C-86E0-3E854C9F6BF7}"/>
+              </a:ext>
+            </a:extLst>
+          </p:cNvPr>
+          <p:cNvSpPr txBox="1"/>
+          <p:nvPr/>
+        </p:nvSpPr>
+        <p:spPr>
+          <a:xfrm>
+            <a:off x="8356766" y="5779863"/>
+            <a:ext cx="271447" cy="430887"/>
+          </a:xfrm>
+          <a:prstGeom prst="rect">
+            <a:avLst/>
+          </a:prstGeom>
+          <a:solidFill>
+            <a:schemeClr val="bg1"/>
+          </a:solidFill>
+        </p:spPr>
+        <p:txBody>
+          <a:bodyPr wrap="square">
+            <a:spAutoFit/>
+          </a:bodyPr>
+          <a:lstStyle/>
+          <a:p>
+            <a:pPr algn="ctr"/>
+            <a:r>
+              <a:rPr lang="ko-KR" altLang="en-US" sz="1100" spc="-100" dirty="0">
+                <a:solidFill>
+                  <a:srgbClr val="595959"/>
+                </a:solidFill>
+                <a:latin typeface="+mn-ea"/>
+              </a:rPr>
+              <a:t>제주</a:t>
+            </a:r>
+            <a:endParaRPr lang="en-US" altLang="ko-KR" sz="1100" spc="-100" dirty="0">
+              <a:solidFill>
+                <a:srgbClr val="595959"/>
+              </a:solidFill>
+              <a:latin typeface="+mn-ea"/>
+            </a:endParaRPr>
+          </a:p>
+        </p:txBody>
+      </p:sp>
+      <p:sp>
+        <p:nvSpPr>
+          <p:cNvPr id="56" name="TextBox 55">
+            <a:extLst>
+              <a:ext uri="{FF2B5EF4-FFF2-40B4-BE49-F238E27FC236}">
+                <a16:creationId xmlns:a16="http://schemas.microsoft.com/office/drawing/2014/main" id="{4932E45A-69C3-A267-572D-F1044B2E3178}"/>
+              </a:ext>
+            </a:extLst>
+          </p:cNvPr>
+          <p:cNvSpPr txBox="1"/>
+          <p:nvPr/>
+        </p:nvSpPr>
+        <p:spPr>
+          <a:xfrm>
+            <a:off x="8562820" y="5779863"/>
+            <a:ext cx="271447" cy="430887"/>
+          </a:xfrm>
+          <a:prstGeom prst="rect">
+            <a:avLst/>
+          </a:prstGeom>
+          <a:solidFill>
+            <a:schemeClr val="bg1"/>
+          </a:solidFill>
+        </p:spPr>
+        <p:txBody>
+          <a:bodyPr wrap="square">
+            <a:spAutoFit/>
+          </a:bodyPr>
+          <a:lstStyle/>
+          <a:p>
+            <a:pPr algn="ctr"/>
+            <a:r>
+              <a:rPr lang="ko-KR" altLang="en-US" sz="1100" dirty="0">
+                <a:solidFill>
+                  <a:srgbClr val="595959"/>
+                </a:solidFill>
+                <a:latin typeface="+mn-ea"/>
+              </a:rPr>
+              <a:t>경기</a:t>
+            </a:r>
+          </a:p>
+        </p:txBody>
+      </p:sp>
+      <p:sp>
+        <p:nvSpPr>
+          <p:cNvPr id="57" name="TextBox 56">
+            <a:extLst>
+              <a:ext uri="{FF2B5EF4-FFF2-40B4-BE49-F238E27FC236}">
+                <a16:creationId xmlns:a16="http://schemas.microsoft.com/office/drawing/2014/main" id="{14333B92-2844-3B66-1BF5-D9ADD93A4AC7}"/>
+              </a:ext>
+            </a:extLst>
+          </p:cNvPr>
+          <p:cNvSpPr txBox="1"/>
+          <p:nvPr/>
+        </p:nvSpPr>
+        <p:spPr>
+          <a:xfrm>
+            <a:off x="8768874" y="5779863"/>
+            <a:ext cx="271447" cy="430887"/>
+          </a:xfrm>
+          <a:prstGeom prst="rect">
+            <a:avLst/>
+          </a:prstGeom>
+          <a:solidFill>
+            <a:schemeClr val="bg1"/>
+          </a:solidFill>
+        </p:spPr>
+        <p:txBody>
+          <a:bodyPr wrap="square">
+            <a:spAutoFit/>
+          </a:bodyPr>
+          <a:lstStyle/>
+          <a:p>
+            <a:pPr algn="ctr"/>
+            <a:r>
+              <a:rPr lang="ko-KR" altLang="en-US" sz="1100" spc="-100" dirty="0">
+                <a:solidFill>
+                  <a:srgbClr val="595959"/>
+                </a:solidFill>
+                <a:latin typeface="+mn-ea"/>
+              </a:rPr>
+              <a:t>인천</a:t>
+            </a:r>
+            <a:endParaRPr lang="ko-KR" altLang="en-US" sz="1100" dirty="0">
+              <a:solidFill>
+                <a:srgbClr val="595959"/>
+              </a:solidFill>
+              <a:latin typeface="+mn-ea"/>
+            </a:endParaRPr>
+          </a:p>
+        </p:txBody>
+      </p:sp>
+      <p:sp>
+        <p:nvSpPr>
+          <p:cNvPr id="58" name="TextBox 57">
+            <a:extLst>
+              <a:ext uri="{FF2B5EF4-FFF2-40B4-BE49-F238E27FC236}">
+                <a16:creationId xmlns:a16="http://schemas.microsoft.com/office/drawing/2014/main" id="{7D6DFC1C-39BA-4A3E-A347-8D9BA8244D86}"/>
+              </a:ext>
+            </a:extLst>
+          </p:cNvPr>
+          <p:cNvSpPr txBox="1"/>
+          <p:nvPr/>
+        </p:nvSpPr>
+        <p:spPr>
+          <a:xfrm>
+            <a:off x="9387036" y="5779863"/>
+            <a:ext cx="271447" cy="430887"/>
+          </a:xfrm>
+          <a:prstGeom prst="rect">
+            <a:avLst/>
+          </a:prstGeom>
+          <a:solidFill>
+            <a:schemeClr val="bg1"/>
+          </a:solidFill>
+        </p:spPr>
+        <p:txBody>
+          <a:bodyPr wrap="square">
+            <a:spAutoFit/>
+          </a:bodyPr>
+          <a:lstStyle/>
+          <a:p>
+            <a:pPr algn="ctr"/>
+            <a:r>
+              <a:rPr lang="ko-KR" altLang="en-US" sz="1100" spc="-100" dirty="0">
+                <a:solidFill>
+                  <a:srgbClr val="595959"/>
+                </a:solidFill>
+                <a:latin typeface="+mn-ea"/>
+              </a:rPr>
+              <a:t>충남</a:t>
+            </a:r>
+            <a:endParaRPr lang="en-US" altLang="ko-KR" sz="1100" spc="-100" dirty="0">
+              <a:solidFill>
+                <a:srgbClr val="595959"/>
+              </a:solidFill>
+              <a:latin typeface="+mn-ea"/>
+            </a:endParaRPr>
+          </a:p>
+        </p:txBody>
+      </p:sp>
+      <p:sp>
+        <p:nvSpPr>
+          <p:cNvPr id="59" name="TextBox 58">
+            <a:extLst>
+              <a:ext uri="{FF2B5EF4-FFF2-40B4-BE49-F238E27FC236}">
+                <a16:creationId xmlns:a16="http://schemas.microsoft.com/office/drawing/2014/main" id="{A25595CE-E5FE-A9A9-33ED-7316377A2735}"/>
+              </a:ext>
+            </a:extLst>
+          </p:cNvPr>
+          <p:cNvSpPr txBox="1"/>
+          <p:nvPr/>
+        </p:nvSpPr>
+        <p:spPr>
+          <a:xfrm>
+            <a:off x="11241522" y="5779863"/>
+            <a:ext cx="271447" cy="430887"/>
+          </a:xfrm>
+          <a:prstGeom prst="rect">
+            <a:avLst/>
+          </a:prstGeom>
+          <a:solidFill>
+            <a:schemeClr val="bg1"/>
+          </a:solidFill>
+        </p:spPr>
+        <p:txBody>
+          <a:bodyPr wrap="square">
+            <a:spAutoFit/>
+          </a:bodyPr>
+          <a:lstStyle/>
+          <a:p>
+            <a:pPr algn="ctr"/>
+            <a:r>
+              <a:rPr lang="ko-KR" altLang="en-US" sz="1100" spc="-100" dirty="0">
+                <a:solidFill>
+                  <a:srgbClr val="595959"/>
+                </a:solidFill>
+                <a:latin typeface="+mn-ea"/>
+              </a:rPr>
+              <a:t>서울</a:t>
+            </a:r>
+            <a:endParaRPr lang="en-US" altLang="ko-KR" sz="1100" spc="-100" dirty="0">
+              <a:solidFill>
+                <a:srgbClr val="595959"/>
+              </a:solidFill>
+              <a:latin typeface="+mn-ea"/>
+            </a:endParaRPr>
+          </a:p>
+        </p:txBody>
+      </p:sp>
+      <p:sp>
+        <p:nvSpPr>
+          <p:cNvPr id="60" name="TextBox 59">
+            <a:extLst>
+              <a:ext uri="{FF2B5EF4-FFF2-40B4-BE49-F238E27FC236}">
+                <a16:creationId xmlns:a16="http://schemas.microsoft.com/office/drawing/2014/main" id="{447E048A-92C4-EE12-3CA2-353BD742ED8F}"/>
+              </a:ext>
+            </a:extLst>
+          </p:cNvPr>
+          <p:cNvSpPr txBox="1"/>
+          <p:nvPr/>
+        </p:nvSpPr>
+        <p:spPr>
+          <a:xfrm>
+            <a:off x="11035468" y="5779863"/>
+            <a:ext cx="271447" cy="430887"/>
+          </a:xfrm>
+          <a:prstGeom prst="rect">
+            <a:avLst/>
+          </a:prstGeom>
+          <a:solidFill>
+            <a:schemeClr val="bg1"/>
+          </a:solidFill>
+        </p:spPr>
+        <p:txBody>
+          <a:bodyPr wrap="square">
+            <a:spAutoFit/>
+          </a:bodyPr>
+          <a:lstStyle/>
+          <a:p>
+            <a:pPr algn="ctr"/>
+            <a:r>
+              <a:rPr lang="ko-KR" altLang="en-US" sz="1100" spc="-100" dirty="0">
+                <a:solidFill>
+                  <a:srgbClr val="595959"/>
+                </a:solidFill>
+                <a:latin typeface="+mn-ea"/>
+              </a:rPr>
+              <a:t>부산</a:t>
+            </a:r>
+            <a:endParaRPr lang="en-US" altLang="ko-KR" sz="1100" spc="-100" dirty="0">
+              <a:solidFill>
+                <a:srgbClr val="595959"/>
+              </a:solidFill>
+              <a:latin typeface="+mn-ea"/>
+            </a:endParaRPr>
+          </a:p>
+        </p:txBody>
+      </p:sp>
+      <p:sp>
+        <p:nvSpPr>
+          <p:cNvPr id="61" name="TextBox 60">
+            <a:extLst>
+              <a:ext uri="{FF2B5EF4-FFF2-40B4-BE49-F238E27FC236}">
+                <a16:creationId xmlns:a16="http://schemas.microsoft.com/office/drawing/2014/main" id="{D84A7CD1-6098-50E1-98E4-B35562D07636}"/>
+              </a:ext>
+            </a:extLst>
+          </p:cNvPr>
+          <p:cNvSpPr txBox="1"/>
+          <p:nvPr/>
+        </p:nvSpPr>
+        <p:spPr>
+          <a:xfrm>
+            <a:off x="10623360" y="5779863"/>
+            <a:ext cx="271447" cy="430887"/>
+          </a:xfrm>
+          <a:prstGeom prst="rect">
+            <a:avLst/>
+          </a:prstGeom>
+          <a:solidFill>
+            <a:schemeClr val="bg1"/>
+          </a:solidFill>
+        </p:spPr>
+        <p:txBody>
+          <a:bodyPr wrap="square">
+            <a:spAutoFit/>
+          </a:bodyPr>
+          <a:lstStyle/>
+          <a:p>
+            <a:pPr algn="ctr"/>
+            <a:r>
+              <a:rPr lang="ko-KR" altLang="en-US" sz="1100" spc="-100" dirty="0">
+                <a:solidFill>
+                  <a:srgbClr val="595959"/>
+                </a:solidFill>
+                <a:latin typeface="+mn-ea"/>
+              </a:rPr>
+              <a:t>전북</a:t>
+            </a:r>
+            <a:endParaRPr lang="en-US" altLang="ko-KR" sz="1100" spc="-100" dirty="0">
+              <a:solidFill>
+                <a:srgbClr val="595959"/>
+              </a:solidFill>
+              <a:latin typeface="+mn-ea"/>
+            </a:endParaRPr>
+          </a:p>
+        </p:txBody>
+      </p:sp>
+      <p:sp>
+        <p:nvSpPr>
+          <p:cNvPr id="62" name="TextBox 61">
+            <a:extLst>
+              <a:ext uri="{FF2B5EF4-FFF2-40B4-BE49-F238E27FC236}">
+                <a16:creationId xmlns:a16="http://schemas.microsoft.com/office/drawing/2014/main" id="{A8AA2442-B9D8-34CB-F4B0-532E224D308A}"/>
+              </a:ext>
+            </a:extLst>
+          </p:cNvPr>
+          <p:cNvSpPr txBox="1"/>
+          <p:nvPr/>
+        </p:nvSpPr>
+        <p:spPr>
+          <a:xfrm>
+            <a:off x="10417306" y="5779863"/>
+            <a:ext cx="271447" cy="430887"/>
+          </a:xfrm>
+          <a:prstGeom prst="rect">
+            <a:avLst/>
+          </a:prstGeom>
+          <a:solidFill>
+            <a:schemeClr val="bg1"/>
+          </a:solidFill>
+        </p:spPr>
+        <p:txBody>
+          <a:bodyPr wrap="square">
+            <a:spAutoFit/>
+          </a:bodyPr>
+          <a:lstStyle/>
+          <a:p>
+            <a:pPr algn="ctr"/>
+            <a:r>
+              <a:rPr lang="ko-KR" altLang="en-US" sz="1100" spc="-100" dirty="0">
+                <a:solidFill>
+                  <a:srgbClr val="595959"/>
+                </a:solidFill>
+                <a:latin typeface="+mn-ea"/>
+              </a:rPr>
+              <a:t>대전</a:t>
+            </a:r>
+            <a:endParaRPr lang="en-US" altLang="ko-KR" sz="1100" spc="-100" dirty="0">
+              <a:solidFill>
+                <a:srgbClr val="595959"/>
+              </a:solidFill>
+              <a:latin typeface="+mn-ea"/>
+            </a:endParaRPr>
+          </a:p>
+        </p:txBody>
+      </p:sp>
+      <p:sp>
+        <p:nvSpPr>
+          <p:cNvPr id="63" name="TextBox 62">
+            <a:extLst>
+              <a:ext uri="{FF2B5EF4-FFF2-40B4-BE49-F238E27FC236}">
+                <a16:creationId xmlns:a16="http://schemas.microsoft.com/office/drawing/2014/main" id="{C60DE5BA-9B88-D47D-F2BB-76A97DDD547E}"/>
+              </a:ext>
+            </a:extLst>
+          </p:cNvPr>
+          <p:cNvSpPr txBox="1"/>
+          <p:nvPr/>
+        </p:nvSpPr>
+        <p:spPr>
+          <a:xfrm>
+            <a:off x="8974928" y="5779863"/>
+            <a:ext cx="271447" cy="430887"/>
+          </a:xfrm>
+          <a:prstGeom prst="rect">
+            <a:avLst/>
+          </a:prstGeom>
+          <a:solidFill>
+            <a:schemeClr val="bg1"/>
+          </a:solidFill>
+        </p:spPr>
+        <p:txBody>
+          <a:bodyPr wrap="square">
+            <a:spAutoFit/>
+          </a:bodyPr>
+          <a:lstStyle/>
+          <a:p>
+            <a:pPr algn="ctr"/>
+            <a:r>
+              <a:rPr lang="ko-KR" altLang="en-US" sz="1100" spc="-100" dirty="0">
+                <a:solidFill>
+                  <a:srgbClr val="595959"/>
+                </a:solidFill>
+                <a:latin typeface="+mn-ea"/>
+              </a:rPr>
+              <a:t>전남</a:t>
+            </a:r>
+            <a:endParaRPr lang="en-US" altLang="ko-KR" sz="1100" spc="-100" dirty="0">
+              <a:solidFill>
+                <a:srgbClr val="595959"/>
+              </a:solidFill>
+              <a:latin typeface="+mn-ea"/>
+            </a:endParaRPr>
+          </a:p>
+        </p:txBody>
+      </p:sp>
+      <p:sp>
+        <p:nvSpPr>
+          <p:cNvPr id="64" name="TextBox 63">
+            <a:extLst>
+              <a:ext uri="{FF2B5EF4-FFF2-40B4-BE49-F238E27FC236}">
+                <a16:creationId xmlns:a16="http://schemas.microsoft.com/office/drawing/2014/main" id="{E1222B91-CD74-0A56-C378-4D3ECC5BFB27}"/>
+              </a:ext>
+            </a:extLst>
+          </p:cNvPr>
+          <p:cNvSpPr txBox="1"/>
+          <p:nvPr/>
+        </p:nvSpPr>
+        <p:spPr>
+          <a:xfrm>
+            <a:off x="10829414" y="5779863"/>
+            <a:ext cx="271447" cy="430887"/>
+          </a:xfrm>
+          <a:prstGeom prst="rect">
+            <a:avLst/>
+          </a:prstGeom>
+          <a:solidFill>
+            <a:schemeClr val="bg1"/>
+          </a:solidFill>
+        </p:spPr>
+        <p:txBody>
+          <a:bodyPr wrap="square">
+            <a:spAutoFit/>
+          </a:bodyPr>
+          <a:lstStyle/>
+          <a:p>
+            <a:pPr algn="ctr"/>
+            <a:r>
+              <a:rPr lang="ko-KR" altLang="en-US" sz="1100" spc="-100" dirty="0">
+                <a:solidFill>
+                  <a:srgbClr val="595959"/>
+                </a:solidFill>
+                <a:latin typeface="+mn-ea"/>
+              </a:rPr>
+              <a:t>경북</a:t>
+            </a:r>
+            <a:endParaRPr lang="en-US" altLang="ko-KR" sz="1100" spc="-100" dirty="0">
+              <a:solidFill>
+                <a:srgbClr val="595959"/>
+              </a:solidFill>
+              <a:latin typeface="+mn-ea"/>
+            </a:endParaRPr>
+          </a:p>
+        </p:txBody>
+      </p:sp>
+      <p:sp>
+        <p:nvSpPr>
+          <p:cNvPr id="65" name="TextBox 64">
+            <a:extLst>
+              <a:ext uri="{FF2B5EF4-FFF2-40B4-BE49-F238E27FC236}">
+                <a16:creationId xmlns:a16="http://schemas.microsoft.com/office/drawing/2014/main" id="{69E45077-9B24-2498-BE33-C976634ECA2F}"/>
+              </a:ext>
+            </a:extLst>
+          </p:cNvPr>
+          <p:cNvSpPr txBox="1"/>
+          <p:nvPr/>
+        </p:nvSpPr>
+        <p:spPr>
+          <a:xfrm>
+            <a:off x="10211252" y="5779863"/>
+            <a:ext cx="271447" cy="430887"/>
+          </a:xfrm>
+          <a:prstGeom prst="rect">
+            <a:avLst/>
+          </a:prstGeom>
+          <a:solidFill>
+            <a:schemeClr val="bg1"/>
+          </a:solidFill>
+        </p:spPr>
+        <p:txBody>
+          <a:bodyPr wrap="square">
+            <a:spAutoFit/>
+          </a:bodyPr>
+          <a:lstStyle/>
+          <a:p>
+            <a:pPr algn="ctr"/>
+            <a:r>
+              <a:rPr lang="ko-KR" altLang="en-US" sz="1100" spc="-100" dirty="0">
+                <a:solidFill>
+                  <a:srgbClr val="595959"/>
+                </a:solidFill>
+                <a:latin typeface="+mn-ea"/>
+              </a:rPr>
+              <a:t>대구</a:t>
+            </a:r>
+            <a:endParaRPr lang="en-US" altLang="ko-KR" sz="1100" spc="-100" dirty="0">
+              <a:solidFill>
+                <a:srgbClr val="595959"/>
+              </a:solidFill>
+              <a:latin typeface="+mn-ea"/>
+            </a:endParaRPr>
+          </a:p>
+        </p:txBody>
+      </p:sp>
+      <p:sp>
+        <p:nvSpPr>
+          <p:cNvPr id="66" name="TextBox 65">
+            <a:extLst>
+              <a:ext uri="{FF2B5EF4-FFF2-40B4-BE49-F238E27FC236}">
+                <a16:creationId xmlns:a16="http://schemas.microsoft.com/office/drawing/2014/main" id="{33A9D4D3-0FAF-A662-C063-826D21AFA62D}"/>
+              </a:ext>
+            </a:extLst>
+          </p:cNvPr>
+          <p:cNvSpPr txBox="1"/>
+          <p:nvPr/>
+        </p:nvSpPr>
+        <p:spPr>
+          <a:xfrm>
+            <a:off x="11447574" y="5779863"/>
+            <a:ext cx="271447" cy="430887"/>
+          </a:xfrm>
+          <a:prstGeom prst="rect">
+            <a:avLst/>
+          </a:prstGeom>
+          <a:solidFill>
+            <a:schemeClr val="bg1"/>
+          </a:solidFill>
+        </p:spPr>
+        <p:txBody>
+          <a:bodyPr wrap="square">
+            <a:spAutoFit/>
+          </a:bodyPr>
+          <a:lstStyle/>
+          <a:p>
+            <a:pPr algn="ctr"/>
+            <a:r>
+              <a:rPr lang="ko-KR" altLang="en-US" sz="1100" spc="-100" dirty="0">
+                <a:solidFill>
+                  <a:srgbClr val="595959"/>
+                </a:solidFill>
+                <a:latin typeface="+mn-ea"/>
+              </a:rPr>
+              <a:t>울산</a:t>
+            </a:r>
+            <a:endParaRPr lang="en-US" altLang="ko-KR" sz="1100" spc="-100" dirty="0">
+              <a:solidFill>
+                <a:srgbClr val="595959"/>
+              </a:solidFill>
+              <a:latin typeface="+mn-ea"/>
+            </a:endParaRPr>
+          </a:p>
+        </p:txBody>
+      </p:sp>
+      <p:sp>
+        <p:nvSpPr>
+          <p:cNvPr id="67" name="TextBox 66">
+            <a:extLst>
+              <a:ext uri="{FF2B5EF4-FFF2-40B4-BE49-F238E27FC236}">
+                <a16:creationId xmlns:a16="http://schemas.microsoft.com/office/drawing/2014/main" id="{84331D96-B269-887D-C8DA-4EEEA4C98D5F}"/>
+              </a:ext>
+            </a:extLst>
+          </p:cNvPr>
+          <p:cNvSpPr txBox="1"/>
+          <p:nvPr/>
+        </p:nvSpPr>
+        <p:spPr>
+          <a:xfrm>
+            <a:off x="9593090" y="5779863"/>
+            <a:ext cx="271447" cy="430887"/>
+          </a:xfrm>
+          <a:prstGeom prst="rect">
+            <a:avLst/>
+          </a:prstGeom>
+          <a:solidFill>
+            <a:schemeClr val="bg1"/>
+          </a:solidFill>
+        </p:spPr>
+        <p:txBody>
+          <a:bodyPr wrap="square">
+            <a:spAutoFit/>
+          </a:bodyPr>
+          <a:lstStyle/>
+          <a:p>
+            <a:pPr algn="ctr"/>
+            <a:r>
+              <a:rPr lang="ko-KR" altLang="en-US" sz="1100" spc="-100" dirty="0">
+                <a:solidFill>
+                  <a:srgbClr val="595959"/>
+                </a:solidFill>
+                <a:latin typeface="+mn-ea"/>
+              </a:rPr>
+              <a:t>광주</a:t>
+            </a:r>
+            <a:endParaRPr lang="en-US" altLang="ko-KR" sz="1100" spc="-100" dirty="0">
+              <a:solidFill>
+                <a:srgbClr val="595959"/>
+              </a:solidFill>
+              <a:latin typeface="+mn-ea"/>
+            </a:endParaRPr>
+          </a:p>
+        </p:txBody>
+      </p:sp>
+      <p:sp>
+        <p:nvSpPr>
+          <p:cNvPr id="68" name="TextBox 67">
+            <a:extLst>
+              <a:ext uri="{FF2B5EF4-FFF2-40B4-BE49-F238E27FC236}">
+                <a16:creationId xmlns:a16="http://schemas.microsoft.com/office/drawing/2014/main" id="{DAFFC859-EDE1-1F23-2FEF-96D8596C6896}"/>
+              </a:ext>
+            </a:extLst>
+          </p:cNvPr>
+          <p:cNvSpPr txBox="1"/>
+          <p:nvPr/>
+        </p:nvSpPr>
+        <p:spPr>
+          <a:xfrm>
+            <a:off x="9799144" y="5779863"/>
+            <a:ext cx="271447" cy="430887"/>
+          </a:xfrm>
+          <a:prstGeom prst="rect">
+            <a:avLst/>
+          </a:prstGeom>
+          <a:solidFill>
+            <a:schemeClr val="bg1"/>
+          </a:solidFill>
+        </p:spPr>
+        <p:txBody>
+          <a:bodyPr wrap="square">
+            <a:spAutoFit/>
+          </a:bodyPr>
+          <a:lstStyle/>
+          <a:p>
+            <a:pPr algn="ctr"/>
+            <a:r>
+              <a:rPr lang="ko-KR" altLang="en-US" sz="1100" spc="-100" dirty="0">
+                <a:solidFill>
+                  <a:srgbClr val="595959"/>
+                </a:solidFill>
+                <a:latin typeface="+mn-ea"/>
+              </a:rPr>
+              <a:t>경남</a:t>
+            </a:r>
+            <a:endParaRPr lang="en-US" altLang="ko-KR" sz="1100" spc="-100" dirty="0">
+              <a:solidFill>
+                <a:srgbClr val="595959"/>
+              </a:solidFill>
+              <a:latin typeface="+mn-ea"/>
+            </a:endParaRPr>
+          </a:p>
+        </p:txBody>
+      </p:sp>
+      <p:sp>
+        <p:nvSpPr>
+          <p:cNvPr id="69" name="TextBox 68">
+            <a:extLst>
+              <a:ext uri="{FF2B5EF4-FFF2-40B4-BE49-F238E27FC236}">
+                <a16:creationId xmlns:a16="http://schemas.microsoft.com/office/drawing/2014/main" id="{872A37F3-2812-E523-739E-DDE374CB79A3}"/>
+              </a:ext>
+            </a:extLst>
+          </p:cNvPr>
+          <p:cNvSpPr txBox="1"/>
+          <p:nvPr/>
+        </p:nvSpPr>
+        <p:spPr>
+          <a:xfrm>
+            <a:off x="10005198" y="5779863"/>
+            <a:ext cx="271447" cy="430887"/>
+          </a:xfrm>
+          <a:prstGeom prst="rect">
+            <a:avLst/>
+          </a:prstGeom>
+          <a:solidFill>
+            <a:schemeClr val="bg1"/>
+          </a:solidFill>
+        </p:spPr>
+        <p:txBody>
+          <a:bodyPr wrap="square">
+            <a:spAutoFit/>
+          </a:bodyPr>
+          <a:lstStyle/>
+          <a:p>
+            <a:pPr algn="ctr"/>
+            <a:r>
+              <a:rPr lang="ko-KR" altLang="en-US" sz="1100" spc="-100" dirty="0">
+                <a:solidFill>
+                  <a:srgbClr val="595959"/>
+                </a:solidFill>
+                <a:latin typeface="+mn-ea"/>
+              </a:rPr>
+              <a:t>강원</a:t>
+            </a:r>
+            <a:endParaRPr lang="en-US" altLang="ko-KR" sz="1100" spc="-100" dirty="0">
+              <a:solidFill>
+                <a:srgbClr val="595959"/>
+              </a:solidFill>
+              <a:latin typeface="+mn-ea"/>
+            </a:endParaRPr>
+          </a:p>
+        </p:txBody>
+      </p:sp>
+      <p:sp>
+        <p:nvSpPr>
+          <p:cNvPr id="70" name="TextBox 69">
+            <a:extLst>
+              <a:ext uri="{FF2B5EF4-FFF2-40B4-BE49-F238E27FC236}">
+                <a16:creationId xmlns:a16="http://schemas.microsoft.com/office/drawing/2014/main" id="{671343BC-4CFB-5FDA-26CF-BA6358661713}"/>
+              </a:ext>
+            </a:extLst>
+          </p:cNvPr>
+          <p:cNvSpPr txBox="1"/>
+          <p:nvPr/>
+        </p:nvSpPr>
+        <p:spPr>
+          <a:xfrm>
+            <a:off x="9180982" y="5779863"/>
+            <a:ext cx="271447" cy="430887"/>
+          </a:xfrm>
+          <a:prstGeom prst="rect">
+            <a:avLst/>
+          </a:prstGeom>
+          <a:solidFill>
+            <a:schemeClr val="bg1"/>
+          </a:solidFill>
+        </p:spPr>
+        <p:txBody>
+          <a:bodyPr wrap="square">
+            <a:spAutoFit/>
+          </a:bodyPr>
+          <a:lstStyle/>
+          <a:p>
+            <a:pPr algn="ctr"/>
+            <a:r>
+              <a:rPr lang="ko-KR" altLang="en-US" sz="1100" spc="-100" dirty="0">
+                <a:solidFill>
+                  <a:srgbClr val="595959"/>
+                </a:solidFill>
+                <a:latin typeface="+mn-ea"/>
+              </a:rPr>
+              <a:t>충북</a:t>
+            </a:r>
+            <a:endParaRPr lang="en-US" altLang="ko-KR" sz="1100" spc="-100" dirty="0">
+              <a:solidFill>
+                <a:srgbClr val="595959"/>
+              </a:solidFill>
+              <a:latin typeface="+mn-ea"/>
+            </a:endParaRPr>
+          </a:p>
+        </p:txBody>
+      </p:sp>
+      <p:sp>
+        <p:nvSpPr>
+          <p:cNvPr id="76" name="직사각형 75">
+            <a:extLst>
+              <a:ext uri="{FF2B5EF4-FFF2-40B4-BE49-F238E27FC236}">
+                <a16:creationId xmlns:a16="http://schemas.microsoft.com/office/drawing/2014/main" id="{9708E3DC-6678-400A-5973-1D534920ADA4}"/>
+              </a:ext>
+            </a:extLst>
+          </p:cNvPr>
+          <p:cNvSpPr/>
+          <p:nvPr/>
+        </p:nvSpPr>
+        <p:spPr>
+          <a:xfrm>
+            <a:off x="5471622" y="1301011"/>
+            <a:ext cx="2533650" cy="1371600"/>
+          </a:xfrm>
+          <a:prstGeom prst="rect">
+            <a:avLst/>
+          </a:prstGeom>
+        </p:spPr>
+        <p:style>
+          <a:lnRef idx="2">
+            <a:schemeClr val="accent1">
+              <a:shade val="15000"/>
+            </a:schemeClr>
+          </a:lnRef>
+          <a:fillRef idx="1">
+            <a:schemeClr val="accent1"/>
+          </a:fillRef>
+          <a:effectRef idx="0">
+            <a:schemeClr val="accent1"/>
+          </a:effectRef>
+          <a:fontRef idx="minor">
+            <a:schemeClr val="lt1"/>
+          </a:fontRef>
+        </p:style>
+        <p:txBody>
+          <a:bodyPr rtlCol="0" anchor="ctr"/>
+          <a:lstStyle/>
+          <a:p>
+            <a:pPr algn="ctr"/>
+            <a:r>
+              <a:rPr lang="ko-KR" altLang="en-US" dirty="0"/>
+              <a:t>전승호</a:t>
+            </a:r>
+            <a:r>
+              <a:rPr lang="en-US" altLang="ko-KR" dirty="0"/>
+              <a:t>,</a:t>
+            </a:r>
+            <a:r>
+              <a:rPr lang="ko-KR" altLang="en-US" dirty="0"/>
+              <a:t>김한수</a:t>
+            </a:r>
+            <a:r>
+              <a:rPr lang="en-US" altLang="ko-KR" dirty="0"/>
+              <a:t>(2024) </a:t>
+            </a:r>
+            <a:r>
+              <a:rPr lang="ko-KR" altLang="en-US" dirty="0"/>
+              <a:t>논문 참고함</a:t>
+            </a:r>
+            <a:r>
+              <a:rPr lang="en-US" altLang="ko-KR" dirty="0"/>
+              <a:t>.</a:t>
+            </a:r>
+            <a:endParaRPr lang="ko-KR" altLang="en-US" dirty="0"/>
+          </a:p>
+        </p:txBody>
+      </p:sp>
+    </p:spTree>
+    <p:extLst>
+      <p:ext uri="{BB962C8B-B14F-4D97-AF65-F5344CB8AC3E}">
+        <p14:creationId xmlns:p14="http://schemas.microsoft.com/office/powerpoint/2010/main" val="4060930471"/>
+      </p:ext>
+    </p:extLst>
+  </p:cSld>
+  <p:clrMapOvr>
+    <a:masterClrMapping/>
+  </p:clrMapOvr>
+</p:sld>
+</file>
+
+<file path=ppt/slides/slide4.xml><?xml version="1.0" encoding="utf-8"?>
+<p:sld xmlns:a="http://schemas.openxmlformats.org/drawingml/2006/main" xmlns:r="http://schemas.openxmlformats.org/officeDocument/2006/relationships" xmlns:p="http://schemas.openxmlformats.org/presentationml/2006/main">
+  <p:cSld>
+    <p:spTree>
+      <p:nvGrpSpPr>
+        <p:cNvPr id="1" name=""/>
+        <p:cNvGrpSpPr/>
+        <p:nvPr/>
+      </p:nvGrpSpPr>
+      <p:grpSpPr>
+        <a:xfrm>
+          <a:off x="0" y="0"/>
+          <a:ext cx="0" cy="0"/>
+          <a:chOff x="0" y="0"/>
+          <a:chExt cx="0" cy="0"/>
+        </a:xfrm>
+      </p:grpSpPr>
+      <p:pic>
+        <p:nvPicPr>
+          <p:cNvPr id="20" name="그림 19">
+            <a:extLst>
+              <a:ext uri="{FF2B5EF4-FFF2-40B4-BE49-F238E27FC236}">
+                <a16:creationId xmlns:a16="http://schemas.microsoft.com/office/drawing/2014/main" id="{546193B5-E483-09B6-DF93-F1FC3CC0F239}"/>
+              </a:ext>
+            </a:extLst>
+          </p:cNvPr>
+          <p:cNvPicPr>
+            <a:picLocks noChangeAspect="1"/>
+          </p:cNvPicPr>
+          <p:nvPr/>
+        </p:nvPicPr>
+        <p:blipFill rotWithShape="1">
+          <a:blip r:embed="rId2"/>
+          <a:srcRect b="14449"/>
+          <a:stretch/>
+        </p:blipFill>
+        <p:spPr>
+          <a:xfrm>
+            <a:off x="149428" y="4075701"/>
+            <a:ext cx="3581691" cy="1634053"/>
+          </a:xfrm>
+          <a:prstGeom prst="rect">
+            <a:avLst/>
+          </a:prstGeom>
+        </p:spPr>
+      </p:pic>
+      <p:pic>
+        <p:nvPicPr>
+          <p:cNvPr id="21" name="그림 20">
+            <a:extLst>
+              <a:ext uri="{FF2B5EF4-FFF2-40B4-BE49-F238E27FC236}">
+                <a16:creationId xmlns:a16="http://schemas.microsoft.com/office/drawing/2014/main" id="{D80F713B-69EE-1434-5B26-AC97BFE38D44}"/>
+              </a:ext>
+            </a:extLst>
+          </p:cNvPr>
+          <p:cNvPicPr>
+            <a:picLocks noChangeAspect="1"/>
+          </p:cNvPicPr>
+          <p:nvPr/>
+        </p:nvPicPr>
+        <p:blipFill rotWithShape="1">
+          <a:blip r:embed="rId2"/>
+          <a:srcRect l="10834" t="85607"/>
+          <a:stretch/>
+        </p:blipFill>
+        <p:spPr>
+          <a:xfrm>
+            <a:off x="471636" y="5716352"/>
+            <a:ext cx="3193671" cy="290695"/>
+          </a:xfrm>
+          <a:prstGeom prst="rect">
+            <a:avLst/>
+          </a:prstGeom>
+        </p:spPr>
+      </p:pic>
+      <p:pic>
+        <p:nvPicPr>
+          <p:cNvPr id="22" name="그림 21">
+            <a:extLst>
+              <a:ext uri="{FF2B5EF4-FFF2-40B4-BE49-F238E27FC236}">
+                <a16:creationId xmlns:a16="http://schemas.microsoft.com/office/drawing/2014/main" id="{CDD373DF-68DA-AB67-917E-58344FD1B1DA}"/>
+              </a:ext>
+            </a:extLst>
+          </p:cNvPr>
+          <p:cNvPicPr>
+            <a:picLocks noChangeAspect="1"/>
+          </p:cNvPicPr>
+          <p:nvPr/>
+        </p:nvPicPr>
+        <p:blipFill rotWithShape="1">
+          <a:blip r:embed="rId3"/>
+          <a:srcRect b="14206"/>
+          <a:stretch/>
+        </p:blipFill>
+        <p:spPr>
+          <a:xfrm>
+            <a:off x="4169310" y="4075701"/>
+            <a:ext cx="3581691" cy="1636503"/>
+          </a:xfrm>
+          <a:prstGeom prst="rect">
+            <a:avLst/>
+          </a:prstGeom>
+        </p:spPr>
+      </p:pic>
+      <p:pic>
+        <p:nvPicPr>
+          <p:cNvPr id="23" name="그림 22">
+            <a:extLst>
+              <a:ext uri="{FF2B5EF4-FFF2-40B4-BE49-F238E27FC236}">
+                <a16:creationId xmlns:a16="http://schemas.microsoft.com/office/drawing/2014/main" id="{40070416-6CA0-B729-4D9D-D88FF86B9C05}"/>
+              </a:ext>
+            </a:extLst>
+          </p:cNvPr>
+          <p:cNvPicPr>
+            <a:picLocks noChangeAspect="1"/>
+          </p:cNvPicPr>
+          <p:nvPr/>
+        </p:nvPicPr>
+        <p:blipFill rotWithShape="1">
+          <a:blip r:embed="rId4"/>
+          <a:srcRect b="14102"/>
+          <a:stretch/>
+        </p:blipFill>
+        <p:spPr>
+          <a:xfrm>
+            <a:off x="8304444" y="4075701"/>
+            <a:ext cx="3581690" cy="1632481"/>
+          </a:xfrm>
+          <a:prstGeom prst="rect">
+            <a:avLst/>
+          </a:prstGeom>
+        </p:spPr>
+      </p:pic>
+      <p:sp>
+        <p:nvSpPr>
+          <p:cNvPr id="24" name="TextBox 23">
+            <a:extLst>
+              <a:ext uri="{FF2B5EF4-FFF2-40B4-BE49-F238E27FC236}">
+                <a16:creationId xmlns:a16="http://schemas.microsoft.com/office/drawing/2014/main" id="{AC2E334E-EB78-B25D-5028-D279C431EECC}"/>
+              </a:ext>
+            </a:extLst>
+          </p:cNvPr>
+          <p:cNvSpPr txBox="1"/>
+          <p:nvPr/>
+        </p:nvSpPr>
+        <p:spPr>
+          <a:xfrm>
+            <a:off x="593584" y="3742408"/>
+            <a:ext cx="2847446" cy="307777"/>
+          </a:xfrm>
+          <a:prstGeom prst="rect">
+            <a:avLst/>
+          </a:prstGeom>
+          <a:noFill/>
+        </p:spPr>
+        <p:txBody>
+          <a:bodyPr wrap="square">
+            <a:spAutoFit/>
+          </a:bodyPr>
+          <a:lstStyle/>
+          <a:p>
+            <a:pPr algn="ctr"/>
+            <a:r>
+              <a:rPr lang="ko-KR" altLang="en-US" sz="1400" b="1" spc="-100" dirty="0">
+                <a:solidFill>
+                  <a:srgbClr val="595959"/>
+                </a:solidFill>
+                <a:latin typeface="+mn-ea"/>
+              </a:rPr>
+              <a:t>인구 증가율 </a:t>
+            </a:r>
+            <a:r>
+              <a:rPr lang="en-US" altLang="ko-KR" sz="1400" b="1" spc="-100" dirty="0">
+                <a:solidFill>
+                  <a:srgbClr val="595959"/>
+                </a:solidFill>
+                <a:latin typeface="+mn-ea"/>
+              </a:rPr>
+              <a:t>(%, 2013~2023 </a:t>
+            </a:r>
+            <a:r>
+              <a:rPr lang="ko-KR" altLang="en-US" sz="1400" b="1" spc="-100" dirty="0">
+                <a:solidFill>
+                  <a:srgbClr val="595959"/>
+                </a:solidFill>
+                <a:latin typeface="+mn-ea"/>
+              </a:rPr>
+              <a:t>연평균</a:t>
+            </a:r>
+            <a:r>
+              <a:rPr lang="en-US" altLang="ko-KR" sz="1400" b="1" spc="-100" dirty="0">
+                <a:solidFill>
+                  <a:srgbClr val="595959"/>
+                </a:solidFill>
+                <a:latin typeface="+mn-ea"/>
+              </a:rPr>
+              <a:t>)</a:t>
+            </a:r>
+            <a:endParaRPr lang="ko-KR" altLang="en-US" sz="1400" dirty="0">
+              <a:solidFill>
+                <a:srgbClr val="595959"/>
+              </a:solidFill>
+              <a:latin typeface="+mn-ea"/>
+            </a:endParaRPr>
+          </a:p>
+        </p:txBody>
+      </p:sp>
+      <p:sp>
+        <p:nvSpPr>
+          <p:cNvPr id="25" name="TextBox 24">
+            <a:extLst>
+              <a:ext uri="{FF2B5EF4-FFF2-40B4-BE49-F238E27FC236}">
+                <a16:creationId xmlns:a16="http://schemas.microsoft.com/office/drawing/2014/main" id="{DA34396B-3A52-51C5-FD6F-3060546BD673}"/>
+              </a:ext>
+            </a:extLst>
+          </p:cNvPr>
+          <p:cNvSpPr txBox="1"/>
+          <p:nvPr/>
+        </p:nvSpPr>
+        <p:spPr>
+          <a:xfrm>
+            <a:off x="2301875" y="4779511"/>
+            <a:ext cx="1459303" cy="276999"/>
+          </a:xfrm>
+          <a:prstGeom prst="rect">
+            <a:avLst/>
+          </a:prstGeom>
+          <a:noFill/>
+        </p:spPr>
+        <p:txBody>
+          <a:bodyPr wrap="square">
+            <a:spAutoFit/>
+          </a:bodyPr>
+          <a:lstStyle/>
+          <a:p>
+            <a:r>
+              <a:rPr lang="ko-KR" altLang="en-US" sz="1200" dirty="0">
+                <a:solidFill>
+                  <a:srgbClr val="595959"/>
+                </a:solidFill>
+                <a:latin typeface="+mn-ea"/>
+              </a:rPr>
+              <a:t>전국평균</a:t>
+            </a:r>
+            <a:r>
+              <a:rPr lang="en-US" altLang="ko-KR" sz="1200" dirty="0">
+                <a:solidFill>
+                  <a:srgbClr val="595959"/>
+                </a:solidFill>
+                <a:latin typeface="+mn-ea"/>
+              </a:rPr>
+              <a:t>: 0.035 % </a:t>
+            </a:r>
+            <a:endParaRPr lang="ko-KR" altLang="en-US" sz="1200" dirty="0">
+              <a:solidFill>
+                <a:srgbClr val="595959"/>
+              </a:solidFill>
+              <a:latin typeface="+mn-ea"/>
+            </a:endParaRPr>
+          </a:p>
+        </p:txBody>
+      </p:sp>
+      <p:sp>
+        <p:nvSpPr>
+          <p:cNvPr id="26" name="TextBox 25">
+            <a:extLst>
+              <a:ext uri="{FF2B5EF4-FFF2-40B4-BE49-F238E27FC236}">
+                <a16:creationId xmlns:a16="http://schemas.microsoft.com/office/drawing/2014/main" id="{8A9BF0CE-932C-F2C5-93BD-A87AA6F3CF2C}"/>
+              </a:ext>
+            </a:extLst>
+          </p:cNvPr>
+          <p:cNvSpPr txBox="1"/>
+          <p:nvPr/>
+        </p:nvSpPr>
+        <p:spPr>
+          <a:xfrm>
+            <a:off x="6449523" y="4494990"/>
+            <a:ext cx="1399077" cy="276999"/>
+          </a:xfrm>
+          <a:prstGeom prst="rect">
+            <a:avLst/>
+          </a:prstGeom>
+          <a:noFill/>
+        </p:spPr>
+        <p:txBody>
+          <a:bodyPr wrap="square">
+            <a:spAutoFit/>
+          </a:bodyPr>
+          <a:lstStyle/>
+          <a:p>
+            <a:r>
+              <a:rPr lang="ko-KR" altLang="en-US" sz="1200" dirty="0">
+                <a:solidFill>
+                  <a:srgbClr val="595959"/>
+                </a:solidFill>
+                <a:latin typeface="+mn-ea"/>
+              </a:rPr>
+              <a:t>전국평균</a:t>
+            </a:r>
+            <a:r>
+              <a:rPr lang="en-US" altLang="ko-KR" sz="1200" dirty="0">
+                <a:solidFill>
+                  <a:srgbClr val="595959"/>
+                </a:solidFill>
+                <a:latin typeface="+mn-ea"/>
+              </a:rPr>
+              <a:t>: 2.65 % </a:t>
+            </a:r>
+            <a:endParaRPr lang="ko-KR" altLang="en-US" sz="1200" dirty="0">
+              <a:solidFill>
+                <a:srgbClr val="595959"/>
+              </a:solidFill>
+              <a:latin typeface="+mn-ea"/>
+            </a:endParaRPr>
+          </a:p>
+        </p:txBody>
+      </p:sp>
+      <p:sp>
+        <p:nvSpPr>
+          <p:cNvPr id="27" name="TextBox 26">
+            <a:extLst>
+              <a:ext uri="{FF2B5EF4-FFF2-40B4-BE49-F238E27FC236}">
+                <a16:creationId xmlns:a16="http://schemas.microsoft.com/office/drawing/2014/main" id="{A2B2A032-8E83-C96C-74AA-8FD8E2DD3105}"/>
+              </a:ext>
+            </a:extLst>
+          </p:cNvPr>
+          <p:cNvSpPr txBox="1"/>
+          <p:nvPr/>
+        </p:nvSpPr>
+        <p:spPr>
+          <a:xfrm>
+            <a:off x="10545273" y="4494990"/>
+            <a:ext cx="1399077" cy="276999"/>
+          </a:xfrm>
+          <a:prstGeom prst="rect">
+            <a:avLst/>
+          </a:prstGeom>
+          <a:noFill/>
+        </p:spPr>
+        <p:txBody>
+          <a:bodyPr wrap="square">
+            <a:spAutoFit/>
+          </a:bodyPr>
+          <a:lstStyle/>
+          <a:p>
+            <a:r>
+              <a:rPr lang="ko-KR" altLang="en-US" sz="1200" dirty="0">
+                <a:solidFill>
+                  <a:srgbClr val="595959"/>
+                </a:solidFill>
+                <a:latin typeface="+mn-ea"/>
+              </a:rPr>
+              <a:t>전국평균</a:t>
+            </a:r>
+            <a:r>
+              <a:rPr lang="en-US" altLang="ko-KR" sz="1200" dirty="0">
+                <a:solidFill>
+                  <a:srgbClr val="595959"/>
+                </a:solidFill>
+                <a:latin typeface="+mn-ea"/>
+              </a:rPr>
+              <a:t>: 0.80 % </a:t>
+            </a:r>
+            <a:endParaRPr lang="ko-KR" altLang="en-US" sz="1200" dirty="0">
+              <a:solidFill>
+                <a:srgbClr val="595959"/>
+              </a:solidFill>
+              <a:latin typeface="+mn-ea"/>
+            </a:endParaRPr>
+          </a:p>
+        </p:txBody>
+      </p:sp>
+      <p:sp>
+        <p:nvSpPr>
+          <p:cNvPr id="28" name="TextBox 27">
+            <a:extLst>
+              <a:ext uri="{FF2B5EF4-FFF2-40B4-BE49-F238E27FC236}">
+                <a16:creationId xmlns:a16="http://schemas.microsoft.com/office/drawing/2014/main" id="{461E84E4-DB44-7FD1-CE12-1894DEDA181D}"/>
+              </a:ext>
+            </a:extLst>
+          </p:cNvPr>
+          <p:cNvSpPr txBox="1"/>
+          <p:nvPr/>
+        </p:nvSpPr>
+        <p:spPr>
+          <a:xfrm>
+            <a:off x="4263200" y="3742408"/>
+            <a:ext cx="3487802" cy="307777"/>
+          </a:xfrm>
+          <a:prstGeom prst="rect">
+            <a:avLst/>
+          </a:prstGeom>
+          <a:noFill/>
+        </p:spPr>
+        <p:txBody>
+          <a:bodyPr wrap="square">
+            <a:spAutoFit/>
+          </a:bodyPr>
+          <a:lstStyle/>
+          <a:p>
+            <a:pPr algn="ctr"/>
+            <a:r>
+              <a:rPr lang="ko-KR" altLang="en-US" sz="1400" b="1" spc="-100" dirty="0">
+                <a:solidFill>
+                  <a:srgbClr val="595959"/>
+                </a:solidFill>
+                <a:latin typeface="+mn-ea"/>
+              </a:rPr>
+              <a:t>지역내 총생산 증가율 </a:t>
+            </a:r>
+            <a:r>
+              <a:rPr lang="en-US" altLang="ko-KR" sz="1400" b="1" spc="-100" dirty="0">
+                <a:solidFill>
+                  <a:srgbClr val="595959"/>
+                </a:solidFill>
+                <a:latin typeface="+mn-ea"/>
+              </a:rPr>
+              <a:t>(%, 2012~2022</a:t>
+            </a:r>
+            <a:r>
+              <a:rPr lang="ko-KR" altLang="en-US" sz="1400" b="1" spc="-100" dirty="0">
+                <a:solidFill>
+                  <a:srgbClr val="595959"/>
+                </a:solidFill>
+                <a:latin typeface="+mn-ea"/>
+              </a:rPr>
+              <a:t> 연평균</a:t>
+            </a:r>
+            <a:r>
+              <a:rPr lang="en-US" altLang="ko-KR" sz="1400" b="1" spc="-100" dirty="0">
+                <a:solidFill>
+                  <a:srgbClr val="595959"/>
+                </a:solidFill>
+                <a:latin typeface="+mn-ea"/>
+              </a:rPr>
+              <a:t>)</a:t>
+            </a:r>
+            <a:endParaRPr lang="ko-KR" altLang="en-US" sz="1400" dirty="0">
+              <a:solidFill>
+                <a:srgbClr val="595959"/>
+              </a:solidFill>
+              <a:latin typeface="+mn-ea"/>
+            </a:endParaRPr>
+          </a:p>
+        </p:txBody>
+      </p:sp>
+      <p:sp>
+        <p:nvSpPr>
+          <p:cNvPr id="29" name="TextBox 28">
+            <a:extLst>
+              <a:ext uri="{FF2B5EF4-FFF2-40B4-BE49-F238E27FC236}">
+                <a16:creationId xmlns:a16="http://schemas.microsoft.com/office/drawing/2014/main" id="{D757D94D-4EDA-14F4-4BC1-AA4978BB5C84}"/>
+              </a:ext>
+            </a:extLst>
+          </p:cNvPr>
+          <p:cNvSpPr txBox="1"/>
+          <p:nvPr/>
+        </p:nvSpPr>
+        <p:spPr>
+          <a:xfrm>
+            <a:off x="8513853" y="3742408"/>
+            <a:ext cx="3301999" cy="307777"/>
+          </a:xfrm>
+          <a:prstGeom prst="rect">
+            <a:avLst/>
+          </a:prstGeom>
+          <a:noFill/>
+        </p:spPr>
+        <p:txBody>
+          <a:bodyPr wrap="square">
+            <a:spAutoFit/>
+          </a:bodyPr>
+          <a:lstStyle/>
+          <a:p>
+            <a:pPr algn="ctr"/>
+            <a:r>
+              <a:rPr lang="ko-KR" altLang="en-US" sz="1400" b="1" spc="-100" dirty="0">
+                <a:solidFill>
+                  <a:srgbClr val="595959"/>
+                </a:solidFill>
+                <a:latin typeface="+mn-ea"/>
+              </a:rPr>
+              <a:t>사업체 수 증가율 </a:t>
+            </a:r>
+            <a:r>
+              <a:rPr lang="en-US" altLang="ko-KR" sz="1400" b="1" spc="-100" dirty="0">
+                <a:solidFill>
+                  <a:srgbClr val="595959"/>
+                </a:solidFill>
+                <a:latin typeface="+mn-ea"/>
+              </a:rPr>
+              <a:t>(2012~2022 </a:t>
+            </a:r>
+            <a:r>
+              <a:rPr lang="ko-KR" altLang="en-US" sz="1400" b="1" spc="-100" dirty="0">
+                <a:solidFill>
+                  <a:srgbClr val="595959"/>
+                </a:solidFill>
+                <a:latin typeface="+mn-ea"/>
+              </a:rPr>
+              <a:t>연평균</a:t>
+            </a:r>
+            <a:r>
+              <a:rPr lang="en-US" altLang="ko-KR" sz="1400" b="1" spc="-100" dirty="0">
+                <a:solidFill>
+                  <a:srgbClr val="595959"/>
+                </a:solidFill>
+                <a:latin typeface="+mn-ea"/>
+              </a:rPr>
+              <a:t>)</a:t>
+            </a:r>
+            <a:endParaRPr lang="ko-KR" altLang="en-US" sz="1400" dirty="0">
+              <a:solidFill>
+                <a:srgbClr val="595959"/>
+              </a:solidFill>
+              <a:latin typeface="+mn-ea"/>
+            </a:endParaRPr>
+          </a:p>
+        </p:txBody>
+      </p:sp>
+      <p:sp>
+        <p:nvSpPr>
+          <p:cNvPr id="32" name="TextBox 31">
+            <a:extLst>
+              <a:ext uri="{FF2B5EF4-FFF2-40B4-BE49-F238E27FC236}">
+                <a16:creationId xmlns:a16="http://schemas.microsoft.com/office/drawing/2014/main" id="{D69865FE-D7E7-6C4C-119D-96427E8F881B}"/>
+              </a:ext>
+            </a:extLst>
+          </p:cNvPr>
+          <p:cNvSpPr txBox="1"/>
+          <p:nvPr/>
+        </p:nvSpPr>
+        <p:spPr>
+          <a:xfrm>
+            <a:off x="8150315" y="3934305"/>
+            <a:ext cx="423849" cy="276999"/>
+          </a:xfrm>
+          <a:prstGeom prst="rect">
+            <a:avLst/>
+          </a:prstGeom>
+          <a:noFill/>
+        </p:spPr>
+        <p:txBody>
+          <a:bodyPr wrap="square">
+            <a:spAutoFit/>
+          </a:bodyPr>
+          <a:lstStyle/>
+          <a:p>
+            <a:r>
+              <a:rPr lang="en-US" altLang="ko-KR" sz="1200" dirty="0">
+                <a:solidFill>
+                  <a:srgbClr val="595959"/>
+                </a:solidFill>
+                <a:latin typeface="+mn-ea"/>
+              </a:rPr>
+              <a:t>(%)</a:t>
+            </a:r>
+            <a:endParaRPr lang="ko-KR" altLang="en-US" sz="1200" dirty="0">
+              <a:latin typeface="+mn-ea"/>
+            </a:endParaRPr>
+          </a:p>
+        </p:txBody>
+      </p:sp>
+      <p:sp>
+        <p:nvSpPr>
+          <p:cNvPr id="33" name="직사각형 32">
+            <a:extLst>
+              <a:ext uri="{FF2B5EF4-FFF2-40B4-BE49-F238E27FC236}">
+                <a16:creationId xmlns:a16="http://schemas.microsoft.com/office/drawing/2014/main" id="{E5522397-58D5-2BAA-ED83-EA4F1556FA38}"/>
+              </a:ext>
+            </a:extLst>
+          </p:cNvPr>
+          <p:cNvSpPr/>
+          <p:nvPr/>
+        </p:nvSpPr>
+        <p:spPr>
+          <a:xfrm>
+            <a:off x="664369" y="4297823"/>
+            <a:ext cx="188118" cy="779002"/>
+          </a:xfrm>
+          <a:prstGeom prst="rect">
+            <a:avLst/>
+          </a:prstGeom>
+          <a:solidFill>
+            <a:srgbClr val="92D050"/>
+          </a:solidFill>
+          <a:ln>
+            <a:noFill/>
+          </a:ln>
+        </p:spPr>
+        <p:style>
+          <a:lnRef idx="2">
+            <a:schemeClr val="accent1">
+              <a:shade val="15000"/>
+            </a:schemeClr>
+          </a:lnRef>
+          <a:fillRef idx="1">
+            <a:schemeClr val="accent1"/>
+          </a:fillRef>
+          <a:effectRef idx="0">
+            <a:schemeClr val="accent1"/>
+          </a:effectRef>
+          <a:fontRef idx="minor">
+            <a:schemeClr val="lt1"/>
+          </a:fontRef>
+        </p:style>
+        <p:txBody>
+          <a:bodyPr rtlCol="0" anchor="ctr"/>
+          <a:lstStyle/>
+          <a:p>
+            <a:pPr algn="ctr"/>
+            <a:endParaRPr lang="ko-KR" altLang="en-US">
+              <a:latin typeface="+mn-ea"/>
+            </a:endParaRPr>
+          </a:p>
+        </p:txBody>
+      </p:sp>
+      <p:sp>
+        <p:nvSpPr>
+          <p:cNvPr id="34" name="직사각형 33">
+            <a:extLst>
+              <a:ext uri="{FF2B5EF4-FFF2-40B4-BE49-F238E27FC236}">
+                <a16:creationId xmlns:a16="http://schemas.microsoft.com/office/drawing/2014/main" id="{0AA57805-C9F6-8759-8D74-630B409F0B50}"/>
+              </a:ext>
+            </a:extLst>
+          </p:cNvPr>
+          <p:cNvSpPr/>
+          <p:nvPr/>
+        </p:nvSpPr>
+        <p:spPr>
+          <a:xfrm>
+            <a:off x="4296783" y="4149799"/>
+            <a:ext cx="201204" cy="1365176"/>
+          </a:xfrm>
+          <a:prstGeom prst="rect">
+            <a:avLst/>
+          </a:prstGeom>
+          <a:solidFill>
+            <a:srgbClr val="92D050"/>
+          </a:solidFill>
+          <a:ln>
+            <a:noFill/>
+          </a:ln>
+        </p:spPr>
+        <p:style>
+          <a:lnRef idx="2">
+            <a:schemeClr val="accent1">
+              <a:shade val="15000"/>
+            </a:schemeClr>
+          </a:lnRef>
+          <a:fillRef idx="1">
+            <a:schemeClr val="accent1"/>
+          </a:fillRef>
+          <a:effectRef idx="0">
+            <a:schemeClr val="accent1"/>
+          </a:effectRef>
+          <a:fontRef idx="minor">
+            <a:schemeClr val="lt1"/>
+          </a:fontRef>
+        </p:style>
+        <p:txBody>
+          <a:bodyPr rtlCol="0" anchor="ctr"/>
+          <a:lstStyle/>
+          <a:p>
+            <a:pPr algn="ctr"/>
+            <a:endParaRPr lang="ko-KR" altLang="en-US">
+              <a:latin typeface="+mn-ea"/>
+            </a:endParaRPr>
+          </a:p>
+        </p:txBody>
+      </p:sp>
+      <p:sp>
+        <p:nvSpPr>
+          <p:cNvPr id="35" name="직사각형 34">
+            <a:extLst>
+              <a:ext uri="{FF2B5EF4-FFF2-40B4-BE49-F238E27FC236}">
+                <a16:creationId xmlns:a16="http://schemas.microsoft.com/office/drawing/2014/main" id="{675964DB-7D1C-DAD5-9A12-9075A5D5591E}"/>
+              </a:ext>
+            </a:extLst>
+          </p:cNvPr>
+          <p:cNvSpPr/>
+          <p:nvPr/>
+        </p:nvSpPr>
+        <p:spPr>
+          <a:xfrm>
+            <a:off x="8479766" y="4147418"/>
+            <a:ext cx="201204" cy="929407"/>
+          </a:xfrm>
+          <a:prstGeom prst="rect">
+            <a:avLst/>
+          </a:prstGeom>
+          <a:solidFill>
+            <a:srgbClr val="92D050"/>
+          </a:solidFill>
+          <a:ln>
+            <a:noFill/>
+          </a:ln>
+        </p:spPr>
+        <p:style>
+          <a:lnRef idx="2">
+            <a:schemeClr val="accent1">
+              <a:shade val="15000"/>
+            </a:schemeClr>
+          </a:lnRef>
+          <a:fillRef idx="1">
+            <a:schemeClr val="accent1"/>
+          </a:fillRef>
+          <a:effectRef idx="0">
+            <a:schemeClr val="accent1"/>
+          </a:effectRef>
+          <a:fontRef idx="minor">
+            <a:schemeClr val="lt1"/>
+          </a:fontRef>
+        </p:style>
+        <p:txBody>
+          <a:bodyPr rtlCol="0" anchor="ctr"/>
+          <a:lstStyle/>
+          <a:p>
+            <a:pPr algn="ctr"/>
+            <a:endParaRPr lang="ko-KR" altLang="en-US">
+              <a:latin typeface="+mn-ea"/>
+            </a:endParaRPr>
+          </a:p>
+        </p:txBody>
+      </p:sp>
+      <p:sp>
+        <p:nvSpPr>
+          <p:cNvPr id="36" name="TextBox 35">
+            <a:extLst>
+              <a:ext uri="{FF2B5EF4-FFF2-40B4-BE49-F238E27FC236}">
+                <a16:creationId xmlns:a16="http://schemas.microsoft.com/office/drawing/2014/main" id="{8261CA68-5E2D-549B-F4F7-D3197D0DCDB9}"/>
+              </a:ext>
+            </a:extLst>
+          </p:cNvPr>
+          <p:cNvSpPr txBox="1"/>
+          <p:nvPr/>
+        </p:nvSpPr>
+        <p:spPr>
+          <a:xfrm>
+            <a:off x="402279" y="5711453"/>
+            <a:ext cx="271447" cy="430887"/>
+          </a:xfrm>
+          <a:prstGeom prst="rect">
+            <a:avLst/>
+          </a:prstGeom>
+          <a:solidFill>
+            <a:schemeClr val="bg1"/>
+          </a:solidFill>
+        </p:spPr>
+        <p:txBody>
+          <a:bodyPr wrap="square">
+            <a:spAutoFit/>
+          </a:bodyPr>
+          <a:lstStyle/>
+          <a:p>
+            <a:pPr algn="ctr"/>
+            <a:r>
+              <a:rPr lang="ko-KR" altLang="en-US" sz="1100" spc="-100" dirty="0">
+                <a:solidFill>
+                  <a:srgbClr val="595959"/>
+                </a:solidFill>
+                <a:latin typeface="+mn-ea"/>
+              </a:rPr>
+              <a:t>제주</a:t>
+            </a:r>
+            <a:endParaRPr lang="en-US" altLang="ko-KR" sz="1100" spc="-100" dirty="0">
+              <a:solidFill>
+                <a:srgbClr val="595959"/>
+              </a:solidFill>
+              <a:latin typeface="+mn-ea"/>
+            </a:endParaRPr>
+          </a:p>
+        </p:txBody>
+      </p:sp>
+      <p:sp>
+        <p:nvSpPr>
+          <p:cNvPr id="37" name="TextBox 36">
+            <a:extLst>
+              <a:ext uri="{FF2B5EF4-FFF2-40B4-BE49-F238E27FC236}">
+                <a16:creationId xmlns:a16="http://schemas.microsoft.com/office/drawing/2014/main" id="{75E52D1C-5648-412C-A6ED-4CB35E4AB2E5}"/>
+              </a:ext>
+            </a:extLst>
+          </p:cNvPr>
+          <p:cNvSpPr txBox="1"/>
+          <p:nvPr/>
+        </p:nvSpPr>
+        <p:spPr>
+          <a:xfrm>
+            <a:off x="607002" y="5711453"/>
+            <a:ext cx="271447" cy="430887"/>
+          </a:xfrm>
+          <a:prstGeom prst="rect">
+            <a:avLst/>
+          </a:prstGeom>
+          <a:solidFill>
+            <a:schemeClr val="bg1"/>
+          </a:solidFill>
+        </p:spPr>
+        <p:txBody>
+          <a:bodyPr wrap="square">
+            <a:spAutoFit/>
+          </a:bodyPr>
+          <a:lstStyle/>
+          <a:p>
+            <a:pPr algn="ctr"/>
+            <a:r>
+              <a:rPr lang="ko-KR" altLang="en-US" sz="1100" dirty="0">
+                <a:solidFill>
+                  <a:srgbClr val="595959"/>
+                </a:solidFill>
+                <a:latin typeface="+mn-ea"/>
+              </a:rPr>
+              <a:t>경기</a:t>
+            </a:r>
+          </a:p>
+        </p:txBody>
+      </p:sp>
+      <p:sp>
+        <p:nvSpPr>
+          <p:cNvPr id="38" name="TextBox 37">
+            <a:extLst>
+              <a:ext uri="{FF2B5EF4-FFF2-40B4-BE49-F238E27FC236}">
+                <a16:creationId xmlns:a16="http://schemas.microsoft.com/office/drawing/2014/main" id="{AD56CA1C-AA4E-616C-3F96-F147C4412C97}"/>
+              </a:ext>
+            </a:extLst>
+          </p:cNvPr>
+          <p:cNvSpPr txBox="1"/>
+          <p:nvPr/>
+        </p:nvSpPr>
+        <p:spPr>
+          <a:xfrm>
+            <a:off x="811725" y="5711453"/>
+            <a:ext cx="271447" cy="430887"/>
+          </a:xfrm>
+          <a:prstGeom prst="rect">
+            <a:avLst/>
+          </a:prstGeom>
+          <a:solidFill>
+            <a:schemeClr val="bg1"/>
+          </a:solidFill>
+        </p:spPr>
+        <p:txBody>
+          <a:bodyPr wrap="square">
+            <a:spAutoFit/>
+          </a:bodyPr>
+          <a:lstStyle/>
+          <a:p>
+            <a:pPr algn="ctr"/>
+            <a:r>
+              <a:rPr lang="ko-KR" altLang="en-US" sz="1100" spc="-100" dirty="0">
+                <a:solidFill>
+                  <a:srgbClr val="595959"/>
+                </a:solidFill>
+                <a:latin typeface="+mn-ea"/>
+              </a:rPr>
+              <a:t>인천</a:t>
+            </a:r>
+            <a:endParaRPr lang="ko-KR" altLang="en-US" sz="1100" dirty="0">
+              <a:solidFill>
+                <a:srgbClr val="595959"/>
+              </a:solidFill>
+              <a:latin typeface="+mn-ea"/>
+            </a:endParaRPr>
+          </a:p>
+        </p:txBody>
+      </p:sp>
+      <p:sp>
+        <p:nvSpPr>
+          <p:cNvPr id="39" name="TextBox 38">
+            <a:extLst>
+              <a:ext uri="{FF2B5EF4-FFF2-40B4-BE49-F238E27FC236}">
+                <a16:creationId xmlns:a16="http://schemas.microsoft.com/office/drawing/2014/main" id="{DE60F09F-5809-E36A-33C0-0D7D348F6D29}"/>
+              </a:ext>
+            </a:extLst>
+          </p:cNvPr>
+          <p:cNvSpPr txBox="1"/>
+          <p:nvPr/>
+        </p:nvSpPr>
+        <p:spPr>
+          <a:xfrm>
+            <a:off x="1016448" y="5711453"/>
+            <a:ext cx="271447" cy="430887"/>
+          </a:xfrm>
+          <a:prstGeom prst="rect">
+            <a:avLst/>
+          </a:prstGeom>
+          <a:solidFill>
+            <a:schemeClr val="bg1"/>
+          </a:solidFill>
+        </p:spPr>
+        <p:txBody>
+          <a:bodyPr wrap="square">
+            <a:spAutoFit/>
+          </a:bodyPr>
+          <a:lstStyle/>
+          <a:p>
+            <a:pPr algn="ctr"/>
+            <a:r>
+              <a:rPr lang="ko-KR" altLang="en-US" sz="1100" spc="-100" dirty="0">
+                <a:solidFill>
+                  <a:srgbClr val="595959"/>
+                </a:solidFill>
+                <a:latin typeface="+mn-ea"/>
+              </a:rPr>
+              <a:t>충남</a:t>
+            </a:r>
+            <a:endParaRPr lang="en-US" altLang="ko-KR" sz="1100" spc="-100" dirty="0">
+              <a:solidFill>
+                <a:srgbClr val="595959"/>
+              </a:solidFill>
+              <a:latin typeface="+mn-ea"/>
+            </a:endParaRPr>
+          </a:p>
+        </p:txBody>
+      </p:sp>
+      <p:sp>
+        <p:nvSpPr>
+          <p:cNvPr id="40" name="TextBox 39">
+            <a:extLst>
+              <a:ext uri="{FF2B5EF4-FFF2-40B4-BE49-F238E27FC236}">
+                <a16:creationId xmlns:a16="http://schemas.microsoft.com/office/drawing/2014/main" id="{F18308B7-4E6C-B990-9F6B-ABA8AAAF6AF5}"/>
+              </a:ext>
+            </a:extLst>
+          </p:cNvPr>
+          <p:cNvSpPr txBox="1"/>
+          <p:nvPr/>
+        </p:nvSpPr>
+        <p:spPr>
+          <a:xfrm>
+            <a:off x="3473121" y="5711453"/>
+            <a:ext cx="271447" cy="430887"/>
+          </a:xfrm>
+          <a:prstGeom prst="rect">
+            <a:avLst/>
+          </a:prstGeom>
+          <a:solidFill>
+            <a:schemeClr val="bg1"/>
+          </a:solidFill>
+        </p:spPr>
+        <p:txBody>
+          <a:bodyPr wrap="square">
+            <a:spAutoFit/>
+          </a:bodyPr>
+          <a:lstStyle/>
+          <a:p>
+            <a:pPr algn="ctr"/>
+            <a:r>
+              <a:rPr lang="ko-KR" altLang="en-US" sz="1100" spc="-100" dirty="0">
+                <a:solidFill>
+                  <a:srgbClr val="595959"/>
+                </a:solidFill>
+                <a:latin typeface="+mn-ea"/>
+              </a:rPr>
+              <a:t>서울</a:t>
+            </a:r>
+            <a:endParaRPr lang="en-US" altLang="ko-KR" sz="1100" spc="-100" dirty="0">
+              <a:solidFill>
+                <a:srgbClr val="595959"/>
+              </a:solidFill>
+              <a:latin typeface="+mn-ea"/>
+            </a:endParaRPr>
+          </a:p>
+        </p:txBody>
+      </p:sp>
+      <p:sp>
+        <p:nvSpPr>
+          <p:cNvPr id="41" name="TextBox 40">
+            <a:extLst>
+              <a:ext uri="{FF2B5EF4-FFF2-40B4-BE49-F238E27FC236}">
+                <a16:creationId xmlns:a16="http://schemas.microsoft.com/office/drawing/2014/main" id="{9D1688DA-E666-779D-DC42-711F798D8589}"/>
+              </a:ext>
+            </a:extLst>
+          </p:cNvPr>
+          <p:cNvSpPr txBox="1"/>
+          <p:nvPr/>
+        </p:nvSpPr>
+        <p:spPr>
+          <a:xfrm>
+            <a:off x="3268401" y="5711453"/>
+            <a:ext cx="271447" cy="430887"/>
+          </a:xfrm>
+          <a:prstGeom prst="rect">
+            <a:avLst/>
+          </a:prstGeom>
+          <a:solidFill>
+            <a:schemeClr val="bg1"/>
+          </a:solidFill>
+        </p:spPr>
+        <p:txBody>
+          <a:bodyPr wrap="square">
+            <a:spAutoFit/>
+          </a:bodyPr>
+          <a:lstStyle/>
+          <a:p>
+            <a:pPr algn="ctr"/>
+            <a:r>
+              <a:rPr lang="ko-KR" altLang="en-US" sz="1100" spc="-100" dirty="0">
+                <a:solidFill>
+                  <a:srgbClr val="595959"/>
+                </a:solidFill>
+                <a:latin typeface="+mn-ea"/>
+              </a:rPr>
+              <a:t>부산</a:t>
+            </a:r>
+            <a:endParaRPr lang="en-US" altLang="ko-KR" sz="1100" spc="-100" dirty="0">
+              <a:solidFill>
+                <a:srgbClr val="595959"/>
+              </a:solidFill>
+              <a:latin typeface="+mn-ea"/>
+            </a:endParaRPr>
+          </a:p>
+        </p:txBody>
+      </p:sp>
+      <p:sp>
+        <p:nvSpPr>
+          <p:cNvPr id="42" name="TextBox 41">
+            <a:extLst>
+              <a:ext uri="{FF2B5EF4-FFF2-40B4-BE49-F238E27FC236}">
+                <a16:creationId xmlns:a16="http://schemas.microsoft.com/office/drawing/2014/main" id="{8B22880C-1AEB-4036-79E3-E9312E950BB6}"/>
+              </a:ext>
+            </a:extLst>
+          </p:cNvPr>
+          <p:cNvSpPr txBox="1"/>
+          <p:nvPr/>
+        </p:nvSpPr>
+        <p:spPr>
+          <a:xfrm>
+            <a:off x="3063678" y="5711453"/>
+            <a:ext cx="271447" cy="430887"/>
+          </a:xfrm>
+          <a:prstGeom prst="rect">
+            <a:avLst/>
+          </a:prstGeom>
+          <a:solidFill>
+            <a:schemeClr val="bg1"/>
+          </a:solidFill>
+        </p:spPr>
+        <p:txBody>
+          <a:bodyPr wrap="square">
+            <a:spAutoFit/>
+          </a:bodyPr>
+          <a:lstStyle/>
+          <a:p>
+            <a:pPr algn="ctr"/>
+            <a:r>
+              <a:rPr lang="ko-KR" altLang="en-US" sz="1100" spc="-100" dirty="0">
+                <a:solidFill>
+                  <a:srgbClr val="595959"/>
+                </a:solidFill>
+                <a:latin typeface="+mn-ea"/>
+              </a:rPr>
+              <a:t>전북</a:t>
+            </a:r>
+            <a:endParaRPr lang="en-US" altLang="ko-KR" sz="1100" spc="-100" dirty="0">
+              <a:solidFill>
+                <a:srgbClr val="595959"/>
+              </a:solidFill>
+              <a:latin typeface="+mn-ea"/>
+            </a:endParaRPr>
+          </a:p>
+        </p:txBody>
+      </p:sp>
+      <p:sp>
+        <p:nvSpPr>
+          <p:cNvPr id="43" name="TextBox 42">
+            <a:extLst>
+              <a:ext uri="{FF2B5EF4-FFF2-40B4-BE49-F238E27FC236}">
+                <a16:creationId xmlns:a16="http://schemas.microsoft.com/office/drawing/2014/main" id="{8FB3E275-78E6-73E5-E69B-273745E47E01}"/>
+              </a:ext>
+            </a:extLst>
+          </p:cNvPr>
+          <p:cNvSpPr txBox="1"/>
+          <p:nvPr/>
+        </p:nvSpPr>
+        <p:spPr>
+          <a:xfrm>
+            <a:off x="2858955" y="5711453"/>
+            <a:ext cx="271447" cy="430887"/>
+          </a:xfrm>
+          <a:prstGeom prst="rect">
+            <a:avLst/>
+          </a:prstGeom>
+          <a:solidFill>
+            <a:schemeClr val="bg1"/>
+          </a:solidFill>
+        </p:spPr>
+        <p:txBody>
+          <a:bodyPr wrap="square">
+            <a:spAutoFit/>
+          </a:bodyPr>
+          <a:lstStyle/>
+          <a:p>
+            <a:pPr algn="ctr"/>
+            <a:r>
+              <a:rPr lang="ko-KR" altLang="en-US" sz="1100" spc="-100" dirty="0">
+                <a:solidFill>
+                  <a:srgbClr val="595959"/>
+                </a:solidFill>
+                <a:latin typeface="+mn-ea"/>
+              </a:rPr>
+              <a:t>대전</a:t>
+            </a:r>
+            <a:endParaRPr lang="en-US" altLang="ko-KR" sz="1100" spc="-100" dirty="0">
+              <a:solidFill>
+                <a:srgbClr val="595959"/>
+              </a:solidFill>
+              <a:latin typeface="+mn-ea"/>
+            </a:endParaRPr>
+          </a:p>
+        </p:txBody>
+      </p:sp>
+      <p:sp>
+        <p:nvSpPr>
+          <p:cNvPr id="44" name="TextBox 43">
+            <a:extLst>
+              <a:ext uri="{FF2B5EF4-FFF2-40B4-BE49-F238E27FC236}">
+                <a16:creationId xmlns:a16="http://schemas.microsoft.com/office/drawing/2014/main" id="{1979E0A4-E54F-1E4B-69A5-7B945D65A6C9}"/>
+              </a:ext>
+            </a:extLst>
+          </p:cNvPr>
+          <p:cNvSpPr txBox="1"/>
+          <p:nvPr/>
+        </p:nvSpPr>
+        <p:spPr>
+          <a:xfrm>
+            <a:off x="2654232" y="5711453"/>
+            <a:ext cx="271447" cy="430887"/>
+          </a:xfrm>
+          <a:prstGeom prst="rect">
+            <a:avLst/>
+          </a:prstGeom>
+          <a:solidFill>
+            <a:schemeClr val="bg1"/>
+          </a:solidFill>
+        </p:spPr>
+        <p:txBody>
+          <a:bodyPr wrap="square">
+            <a:spAutoFit/>
+          </a:bodyPr>
+          <a:lstStyle/>
+          <a:p>
+            <a:pPr algn="ctr"/>
+            <a:r>
+              <a:rPr lang="ko-KR" altLang="en-US" sz="1100" spc="-100" dirty="0">
+                <a:solidFill>
+                  <a:srgbClr val="595959"/>
+                </a:solidFill>
+                <a:latin typeface="+mn-ea"/>
+              </a:rPr>
+              <a:t>전남</a:t>
+            </a:r>
+            <a:endParaRPr lang="en-US" altLang="ko-KR" sz="1100" spc="-100" dirty="0">
+              <a:solidFill>
+                <a:srgbClr val="595959"/>
+              </a:solidFill>
+              <a:latin typeface="+mn-ea"/>
+            </a:endParaRPr>
+          </a:p>
+        </p:txBody>
+      </p:sp>
+      <p:sp>
+        <p:nvSpPr>
+          <p:cNvPr id="45" name="TextBox 44">
+            <a:extLst>
+              <a:ext uri="{FF2B5EF4-FFF2-40B4-BE49-F238E27FC236}">
+                <a16:creationId xmlns:a16="http://schemas.microsoft.com/office/drawing/2014/main" id="{032D3E2A-8E16-469C-D47A-ABE5FCD08EBC}"/>
+              </a:ext>
+            </a:extLst>
+          </p:cNvPr>
+          <p:cNvSpPr txBox="1"/>
+          <p:nvPr/>
+        </p:nvSpPr>
+        <p:spPr>
+          <a:xfrm>
+            <a:off x="2449509" y="5711453"/>
+            <a:ext cx="271447" cy="430887"/>
+          </a:xfrm>
+          <a:prstGeom prst="rect">
+            <a:avLst/>
+          </a:prstGeom>
+          <a:solidFill>
+            <a:schemeClr val="bg1"/>
+          </a:solidFill>
+        </p:spPr>
+        <p:txBody>
+          <a:bodyPr wrap="square">
+            <a:spAutoFit/>
+          </a:bodyPr>
+          <a:lstStyle/>
+          <a:p>
+            <a:pPr algn="ctr"/>
+            <a:r>
+              <a:rPr lang="ko-KR" altLang="en-US" sz="1100" spc="-100" dirty="0">
+                <a:solidFill>
+                  <a:srgbClr val="595959"/>
+                </a:solidFill>
+                <a:latin typeface="+mn-ea"/>
+              </a:rPr>
+              <a:t>경북</a:t>
+            </a:r>
+            <a:endParaRPr lang="en-US" altLang="ko-KR" sz="1100" spc="-100" dirty="0">
+              <a:solidFill>
+                <a:srgbClr val="595959"/>
+              </a:solidFill>
+              <a:latin typeface="+mn-ea"/>
+            </a:endParaRPr>
+          </a:p>
+        </p:txBody>
+      </p:sp>
+      <p:sp>
+        <p:nvSpPr>
+          <p:cNvPr id="46" name="TextBox 45">
+            <a:extLst>
+              <a:ext uri="{FF2B5EF4-FFF2-40B4-BE49-F238E27FC236}">
+                <a16:creationId xmlns:a16="http://schemas.microsoft.com/office/drawing/2014/main" id="{0F2BCAA0-D63A-51FB-3550-A565B31360D7}"/>
+              </a:ext>
+            </a:extLst>
+          </p:cNvPr>
+          <p:cNvSpPr txBox="1"/>
+          <p:nvPr/>
+        </p:nvSpPr>
+        <p:spPr>
+          <a:xfrm>
+            <a:off x="2244786" y="5711453"/>
+            <a:ext cx="271447" cy="430887"/>
+          </a:xfrm>
+          <a:prstGeom prst="rect">
+            <a:avLst/>
+          </a:prstGeom>
+          <a:solidFill>
+            <a:schemeClr val="bg1"/>
+          </a:solidFill>
+        </p:spPr>
+        <p:txBody>
+          <a:bodyPr wrap="square">
+            <a:spAutoFit/>
+          </a:bodyPr>
+          <a:lstStyle/>
+          <a:p>
+            <a:pPr algn="ctr"/>
+            <a:r>
+              <a:rPr lang="ko-KR" altLang="en-US" sz="1100" spc="-100" dirty="0">
+                <a:solidFill>
+                  <a:srgbClr val="595959"/>
+                </a:solidFill>
+                <a:latin typeface="+mn-ea"/>
+              </a:rPr>
+              <a:t>대구</a:t>
+            </a:r>
+            <a:endParaRPr lang="en-US" altLang="ko-KR" sz="1100" spc="-100" dirty="0">
+              <a:solidFill>
+                <a:srgbClr val="595959"/>
+              </a:solidFill>
+              <a:latin typeface="+mn-ea"/>
+            </a:endParaRPr>
+          </a:p>
+        </p:txBody>
+      </p:sp>
+      <p:sp>
+        <p:nvSpPr>
+          <p:cNvPr id="47" name="TextBox 46">
+            <a:extLst>
+              <a:ext uri="{FF2B5EF4-FFF2-40B4-BE49-F238E27FC236}">
+                <a16:creationId xmlns:a16="http://schemas.microsoft.com/office/drawing/2014/main" id="{E147F9C1-47B3-7D6D-DA21-3CE9E879E036}"/>
+              </a:ext>
+            </a:extLst>
+          </p:cNvPr>
+          <p:cNvSpPr txBox="1"/>
+          <p:nvPr/>
+        </p:nvSpPr>
+        <p:spPr>
+          <a:xfrm>
+            <a:off x="2040063" y="5711453"/>
+            <a:ext cx="271447" cy="430887"/>
+          </a:xfrm>
+          <a:prstGeom prst="rect">
+            <a:avLst/>
+          </a:prstGeom>
+          <a:solidFill>
+            <a:schemeClr val="bg1"/>
+          </a:solidFill>
+        </p:spPr>
+        <p:txBody>
+          <a:bodyPr wrap="square">
+            <a:spAutoFit/>
+          </a:bodyPr>
+          <a:lstStyle/>
+          <a:p>
+            <a:pPr algn="ctr"/>
+            <a:r>
+              <a:rPr lang="ko-KR" altLang="en-US" sz="1100" spc="-100" dirty="0">
+                <a:solidFill>
+                  <a:srgbClr val="595959"/>
+                </a:solidFill>
+                <a:latin typeface="+mn-ea"/>
+              </a:rPr>
+              <a:t>울산</a:t>
+            </a:r>
+            <a:endParaRPr lang="en-US" altLang="ko-KR" sz="1100" spc="-100" dirty="0">
+              <a:solidFill>
+                <a:srgbClr val="595959"/>
+              </a:solidFill>
+              <a:latin typeface="+mn-ea"/>
+            </a:endParaRPr>
+          </a:p>
+        </p:txBody>
+      </p:sp>
+      <p:sp>
+        <p:nvSpPr>
+          <p:cNvPr id="48" name="TextBox 47">
+            <a:extLst>
+              <a:ext uri="{FF2B5EF4-FFF2-40B4-BE49-F238E27FC236}">
+                <a16:creationId xmlns:a16="http://schemas.microsoft.com/office/drawing/2014/main" id="{47138A2D-AA6F-9762-193E-E912F52B7140}"/>
+              </a:ext>
+            </a:extLst>
+          </p:cNvPr>
+          <p:cNvSpPr txBox="1"/>
+          <p:nvPr/>
+        </p:nvSpPr>
+        <p:spPr>
+          <a:xfrm>
+            <a:off x="1835340" y="5711453"/>
+            <a:ext cx="271447" cy="430887"/>
+          </a:xfrm>
+          <a:prstGeom prst="rect">
+            <a:avLst/>
+          </a:prstGeom>
+          <a:solidFill>
+            <a:schemeClr val="bg1"/>
+          </a:solidFill>
+        </p:spPr>
+        <p:txBody>
+          <a:bodyPr wrap="square">
+            <a:spAutoFit/>
+          </a:bodyPr>
+          <a:lstStyle/>
+          <a:p>
+            <a:pPr algn="ctr"/>
+            <a:r>
+              <a:rPr lang="ko-KR" altLang="en-US" sz="1100" spc="-100" dirty="0">
+                <a:solidFill>
+                  <a:srgbClr val="595959"/>
+                </a:solidFill>
+                <a:latin typeface="+mn-ea"/>
+              </a:rPr>
+              <a:t>광주</a:t>
+            </a:r>
+            <a:endParaRPr lang="en-US" altLang="ko-KR" sz="1100" spc="-100" dirty="0">
+              <a:solidFill>
+                <a:srgbClr val="595959"/>
+              </a:solidFill>
+              <a:latin typeface="+mn-ea"/>
+            </a:endParaRPr>
+          </a:p>
+        </p:txBody>
+      </p:sp>
+      <p:sp>
+        <p:nvSpPr>
+          <p:cNvPr id="49" name="TextBox 48">
+            <a:extLst>
+              <a:ext uri="{FF2B5EF4-FFF2-40B4-BE49-F238E27FC236}">
+                <a16:creationId xmlns:a16="http://schemas.microsoft.com/office/drawing/2014/main" id="{4BA93979-54C4-7D9B-815F-B69935C8EE17}"/>
+              </a:ext>
+            </a:extLst>
+          </p:cNvPr>
+          <p:cNvSpPr txBox="1"/>
+          <p:nvPr/>
+        </p:nvSpPr>
+        <p:spPr>
+          <a:xfrm>
+            <a:off x="1630617" y="5711453"/>
+            <a:ext cx="271447" cy="430887"/>
+          </a:xfrm>
+          <a:prstGeom prst="rect">
+            <a:avLst/>
+          </a:prstGeom>
+          <a:solidFill>
+            <a:schemeClr val="bg1"/>
+          </a:solidFill>
+        </p:spPr>
+        <p:txBody>
+          <a:bodyPr wrap="square">
+            <a:spAutoFit/>
+          </a:bodyPr>
+          <a:lstStyle/>
+          <a:p>
+            <a:pPr algn="ctr"/>
+            <a:r>
+              <a:rPr lang="ko-KR" altLang="en-US" sz="1100" spc="-100" dirty="0">
+                <a:solidFill>
+                  <a:srgbClr val="595959"/>
+                </a:solidFill>
+                <a:latin typeface="+mn-ea"/>
+              </a:rPr>
+              <a:t>경남</a:t>
+            </a:r>
+            <a:endParaRPr lang="en-US" altLang="ko-KR" sz="1100" spc="-100" dirty="0">
+              <a:solidFill>
+                <a:srgbClr val="595959"/>
+              </a:solidFill>
+              <a:latin typeface="+mn-ea"/>
+            </a:endParaRPr>
+          </a:p>
+        </p:txBody>
+      </p:sp>
+      <p:sp>
+        <p:nvSpPr>
+          <p:cNvPr id="50" name="TextBox 49">
+            <a:extLst>
+              <a:ext uri="{FF2B5EF4-FFF2-40B4-BE49-F238E27FC236}">
+                <a16:creationId xmlns:a16="http://schemas.microsoft.com/office/drawing/2014/main" id="{EA02261B-E80A-2FB1-C16B-2DF7DE52B163}"/>
+              </a:ext>
+            </a:extLst>
+          </p:cNvPr>
+          <p:cNvSpPr txBox="1"/>
+          <p:nvPr/>
+        </p:nvSpPr>
+        <p:spPr>
+          <a:xfrm>
+            <a:off x="1425894" y="5711453"/>
+            <a:ext cx="271447" cy="430887"/>
+          </a:xfrm>
+          <a:prstGeom prst="rect">
+            <a:avLst/>
+          </a:prstGeom>
+          <a:solidFill>
+            <a:schemeClr val="bg1"/>
+          </a:solidFill>
+        </p:spPr>
+        <p:txBody>
+          <a:bodyPr wrap="square">
+            <a:spAutoFit/>
+          </a:bodyPr>
+          <a:lstStyle/>
+          <a:p>
+            <a:pPr algn="ctr"/>
+            <a:r>
+              <a:rPr lang="ko-KR" altLang="en-US" sz="1100" spc="-100" dirty="0">
+                <a:solidFill>
+                  <a:srgbClr val="595959"/>
+                </a:solidFill>
+                <a:latin typeface="+mn-ea"/>
+              </a:rPr>
+              <a:t>강원</a:t>
+            </a:r>
+            <a:endParaRPr lang="en-US" altLang="ko-KR" sz="1100" spc="-100" dirty="0">
+              <a:solidFill>
+                <a:srgbClr val="595959"/>
+              </a:solidFill>
+              <a:latin typeface="+mn-ea"/>
+            </a:endParaRPr>
+          </a:p>
+        </p:txBody>
+      </p:sp>
+      <p:sp>
+        <p:nvSpPr>
+          <p:cNvPr id="51" name="TextBox 50">
+            <a:extLst>
+              <a:ext uri="{FF2B5EF4-FFF2-40B4-BE49-F238E27FC236}">
+                <a16:creationId xmlns:a16="http://schemas.microsoft.com/office/drawing/2014/main" id="{40ABE018-001B-C84F-2992-8561BCAC9B64}"/>
+              </a:ext>
+            </a:extLst>
+          </p:cNvPr>
+          <p:cNvSpPr txBox="1"/>
+          <p:nvPr/>
+        </p:nvSpPr>
+        <p:spPr>
+          <a:xfrm>
+            <a:off x="1221171" y="5711453"/>
+            <a:ext cx="271447" cy="430887"/>
+          </a:xfrm>
+          <a:prstGeom prst="rect">
+            <a:avLst/>
+          </a:prstGeom>
+          <a:solidFill>
+            <a:schemeClr val="bg1"/>
+          </a:solidFill>
+        </p:spPr>
+        <p:txBody>
+          <a:bodyPr wrap="square">
+            <a:spAutoFit/>
+          </a:bodyPr>
+          <a:lstStyle/>
+          <a:p>
+            <a:pPr algn="ctr"/>
+            <a:r>
+              <a:rPr lang="ko-KR" altLang="en-US" sz="1100" spc="-100" dirty="0">
+                <a:solidFill>
+                  <a:srgbClr val="595959"/>
+                </a:solidFill>
+                <a:latin typeface="+mn-ea"/>
+              </a:rPr>
+              <a:t>충북</a:t>
+            </a:r>
+            <a:endParaRPr lang="en-US" altLang="ko-KR" sz="1100" spc="-100" dirty="0">
+              <a:solidFill>
+                <a:srgbClr val="595959"/>
+              </a:solidFill>
+              <a:latin typeface="+mn-ea"/>
+            </a:endParaRPr>
+          </a:p>
+        </p:txBody>
+      </p:sp>
+      <p:sp>
+        <p:nvSpPr>
+          <p:cNvPr id="52" name="TextBox 51">
+            <a:extLst>
+              <a:ext uri="{FF2B5EF4-FFF2-40B4-BE49-F238E27FC236}">
+                <a16:creationId xmlns:a16="http://schemas.microsoft.com/office/drawing/2014/main" id="{3E051581-E1C4-A1B8-CBB6-6B774CD88003}"/>
+              </a:ext>
+            </a:extLst>
+          </p:cNvPr>
+          <p:cNvSpPr txBox="1"/>
+          <p:nvPr/>
+        </p:nvSpPr>
+        <p:spPr>
+          <a:xfrm>
+            <a:off x="4254792" y="5700051"/>
+            <a:ext cx="271447" cy="430887"/>
+          </a:xfrm>
+          <a:prstGeom prst="rect">
+            <a:avLst/>
+          </a:prstGeom>
+          <a:solidFill>
+            <a:schemeClr val="bg1"/>
+          </a:solidFill>
+        </p:spPr>
+        <p:txBody>
+          <a:bodyPr wrap="square">
+            <a:spAutoFit/>
+          </a:bodyPr>
+          <a:lstStyle/>
+          <a:p>
+            <a:pPr algn="ctr"/>
+            <a:r>
+              <a:rPr lang="ko-KR" altLang="en-US" sz="1100" dirty="0">
+                <a:solidFill>
+                  <a:srgbClr val="595959"/>
+                </a:solidFill>
+                <a:latin typeface="+mn-ea"/>
+              </a:rPr>
+              <a:t>경기</a:t>
+            </a:r>
+          </a:p>
+        </p:txBody>
+      </p:sp>
+      <p:sp>
+        <p:nvSpPr>
+          <p:cNvPr id="53" name="TextBox 52">
+            <a:extLst>
+              <a:ext uri="{FF2B5EF4-FFF2-40B4-BE49-F238E27FC236}">
+                <a16:creationId xmlns:a16="http://schemas.microsoft.com/office/drawing/2014/main" id="{F4052AD8-547E-A64B-D05F-DD1FEA7DB47B}"/>
+              </a:ext>
+            </a:extLst>
+          </p:cNvPr>
+          <p:cNvSpPr txBox="1"/>
+          <p:nvPr/>
+        </p:nvSpPr>
+        <p:spPr>
+          <a:xfrm>
+            <a:off x="7489308" y="5700051"/>
+            <a:ext cx="271447" cy="430887"/>
+          </a:xfrm>
+          <a:prstGeom prst="rect">
+            <a:avLst/>
+          </a:prstGeom>
+          <a:solidFill>
+            <a:schemeClr val="bg1"/>
+          </a:solidFill>
+        </p:spPr>
+        <p:txBody>
+          <a:bodyPr wrap="square">
+            <a:spAutoFit/>
+          </a:bodyPr>
+          <a:lstStyle/>
+          <a:p>
+            <a:pPr algn="ctr"/>
+            <a:r>
+              <a:rPr lang="ko-KR" altLang="en-US" sz="1100" spc="-100" dirty="0">
+                <a:solidFill>
+                  <a:srgbClr val="595959"/>
+                </a:solidFill>
+                <a:latin typeface="+mn-ea"/>
+              </a:rPr>
+              <a:t>울산</a:t>
+            </a:r>
+            <a:endParaRPr lang="en-US" altLang="ko-KR" sz="1100" spc="-100" dirty="0">
+              <a:solidFill>
+                <a:srgbClr val="595959"/>
+              </a:solidFill>
+              <a:latin typeface="+mn-ea"/>
+            </a:endParaRPr>
+          </a:p>
+        </p:txBody>
+      </p:sp>
+      <p:sp>
+        <p:nvSpPr>
+          <p:cNvPr id="54" name="TextBox 53">
+            <a:extLst>
+              <a:ext uri="{FF2B5EF4-FFF2-40B4-BE49-F238E27FC236}">
+                <a16:creationId xmlns:a16="http://schemas.microsoft.com/office/drawing/2014/main" id="{E8A011C7-C4A7-FD5D-CE5A-ACD36992F5C0}"/>
+              </a:ext>
+            </a:extLst>
+          </p:cNvPr>
+          <p:cNvSpPr txBox="1"/>
+          <p:nvPr/>
+        </p:nvSpPr>
+        <p:spPr>
+          <a:xfrm>
+            <a:off x="4470426" y="5700051"/>
+            <a:ext cx="271447" cy="430887"/>
+          </a:xfrm>
+          <a:prstGeom prst="rect">
+            <a:avLst/>
+          </a:prstGeom>
+          <a:solidFill>
+            <a:schemeClr val="bg1"/>
+          </a:solidFill>
+        </p:spPr>
+        <p:txBody>
+          <a:bodyPr wrap="square">
+            <a:spAutoFit/>
+          </a:bodyPr>
+          <a:lstStyle/>
+          <a:p>
+            <a:pPr algn="ctr"/>
+            <a:r>
+              <a:rPr lang="ko-KR" altLang="en-US" sz="1100" spc="-100" dirty="0">
+                <a:solidFill>
+                  <a:srgbClr val="595959"/>
+                </a:solidFill>
+                <a:latin typeface="+mn-ea"/>
+              </a:rPr>
+              <a:t>충북</a:t>
+            </a:r>
+            <a:endParaRPr lang="en-US" altLang="ko-KR" sz="1100" spc="-100" dirty="0">
+              <a:solidFill>
+                <a:srgbClr val="595959"/>
+              </a:solidFill>
+              <a:latin typeface="+mn-ea"/>
+            </a:endParaRPr>
+          </a:p>
+        </p:txBody>
+      </p:sp>
+      <p:sp>
+        <p:nvSpPr>
+          <p:cNvPr id="55" name="TextBox 54">
+            <a:extLst>
+              <a:ext uri="{FF2B5EF4-FFF2-40B4-BE49-F238E27FC236}">
+                <a16:creationId xmlns:a16="http://schemas.microsoft.com/office/drawing/2014/main" id="{1E7E592A-6725-6DBB-31D5-9B66E6F6A9A9}"/>
+              </a:ext>
+            </a:extLst>
+          </p:cNvPr>
+          <p:cNvSpPr txBox="1"/>
+          <p:nvPr/>
+        </p:nvSpPr>
+        <p:spPr>
+          <a:xfrm>
+            <a:off x="4686060" y="5700051"/>
+            <a:ext cx="271447" cy="430887"/>
+          </a:xfrm>
+          <a:prstGeom prst="rect">
+            <a:avLst/>
+          </a:prstGeom>
+          <a:solidFill>
+            <a:schemeClr val="bg1"/>
+          </a:solidFill>
+        </p:spPr>
+        <p:txBody>
+          <a:bodyPr wrap="square">
+            <a:spAutoFit/>
+          </a:bodyPr>
+          <a:lstStyle/>
+          <a:p>
+            <a:pPr algn="ctr"/>
+            <a:r>
+              <a:rPr lang="ko-KR" altLang="en-US" sz="1100" spc="-100" dirty="0">
+                <a:solidFill>
+                  <a:srgbClr val="595959"/>
+                </a:solidFill>
+                <a:latin typeface="+mn-ea"/>
+              </a:rPr>
+              <a:t>제주</a:t>
+            </a:r>
+            <a:endParaRPr lang="en-US" altLang="ko-KR" sz="1100" spc="-100" dirty="0">
+              <a:solidFill>
+                <a:srgbClr val="595959"/>
+              </a:solidFill>
+              <a:latin typeface="+mn-ea"/>
+            </a:endParaRPr>
+          </a:p>
+        </p:txBody>
+      </p:sp>
+      <p:sp>
+        <p:nvSpPr>
+          <p:cNvPr id="56" name="TextBox 55">
+            <a:extLst>
+              <a:ext uri="{FF2B5EF4-FFF2-40B4-BE49-F238E27FC236}">
+                <a16:creationId xmlns:a16="http://schemas.microsoft.com/office/drawing/2014/main" id="{2E4D548F-E2B2-935C-7CC7-BFD86C964D6C}"/>
+              </a:ext>
+            </a:extLst>
+          </p:cNvPr>
+          <p:cNvSpPr txBox="1"/>
+          <p:nvPr/>
+        </p:nvSpPr>
+        <p:spPr>
+          <a:xfrm>
+            <a:off x="4901694" y="5700051"/>
+            <a:ext cx="271447" cy="430887"/>
+          </a:xfrm>
+          <a:prstGeom prst="rect">
+            <a:avLst/>
+          </a:prstGeom>
+          <a:solidFill>
+            <a:schemeClr val="bg1"/>
+          </a:solidFill>
+        </p:spPr>
+        <p:txBody>
+          <a:bodyPr wrap="square">
+            <a:spAutoFit/>
+          </a:bodyPr>
+          <a:lstStyle/>
+          <a:p>
+            <a:pPr algn="ctr"/>
+            <a:r>
+              <a:rPr lang="ko-KR" altLang="en-US" sz="1100" spc="-100" dirty="0">
+                <a:solidFill>
+                  <a:srgbClr val="595959"/>
+                </a:solidFill>
+                <a:latin typeface="+mn-ea"/>
+              </a:rPr>
+              <a:t>광주</a:t>
+            </a:r>
+            <a:endParaRPr lang="en-US" altLang="ko-KR" sz="1100" spc="-100" dirty="0">
+              <a:solidFill>
+                <a:srgbClr val="595959"/>
+              </a:solidFill>
+              <a:latin typeface="+mn-ea"/>
+            </a:endParaRPr>
+          </a:p>
+        </p:txBody>
+      </p:sp>
+      <p:sp>
+        <p:nvSpPr>
+          <p:cNvPr id="57" name="TextBox 56">
+            <a:extLst>
+              <a:ext uri="{FF2B5EF4-FFF2-40B4-BE49-F238E27FC236}">
+                <a16:creationId xmlns:a16="http://schemas.microsoft.com/office/drawing/2014/main" id="{74FA5693-5E29-B771-AE79-777F2C2E985D}"/>
+              </a:ext>
+            </a:extLst>
+          </p:cNvPr>
+          <p:cNvSpPr txBox="1"/>
+          <p:nvPr/>
+        </p:nvSpPr>
+        <p:spPr>
+          <a:xfrm>
+            <a:off x="5117328" y="5700051"/>
+            <a:ext cx="271447" cy="430887"/>
+          </a:xfrm>
+          <a:prstGeom prst="rect">
+            <a:avLst/>
+          </a:prstGeom>
+          <a:solidFill>
+            <a:schemeClr val="bg1"/>
+          </a:solidFill>
+        </p:spPr>
+        <p:txBody>
+          <a:bodyPr wrap="square">
+            <a:spAutoFit/>
+          </a:bodyPr>
+          <a:lstStyle/>
+          <a:p>
+            <a:pPr algn="ctr"/>
+            <a:r>
+              <a:rPr lang="ko-KR" altLang="en-US" sz="1100" spc="-100" dirty="0">
+                <a:solidFill>
+                  <a:srgbClr val="595959"/>
+                </a:solidFill>
+                <a:latin typeface="+mn-ea"/>
+              </a:rPr>
+              <a:t>인천</a:t>
+            </a:r>
+            <a:endParaRPr lang="ko-KR" altLang="en-US" sz="1100" dirty="0">
+              <a:solidFill>
+                <a:srgbClr val="595959"/>
+              </a:solidFill>
+              <a:latin typeface="+mn-ea"/>
+            </a:endParaRPr>
+          </a:p>
+        </p:txBody>
+      </p:sp>
+      <p:sp>
+        <p:nvSpPr>
+          <p:cNvPr id="58" name="TextBox 57">
+            <a:extLst>
+              <a:ext uri="{FF2B5EF4-FFF2-40B4-BE49-F238E27FC236}">
+                <a16:creationId xmlns:a16="http://schemas.microsoft.com/office/drawing/2014/main" id="{4218688A-2A9F-BF9D-3F8D-E6AFEB62DC8F}"/>
+              </a:ext>
+            </a:extLst>
+          </p:cNvPr>
+          <p:cNvSpPr txBox="1"/>
+          <p:nvPr/>
+        </p:nvSpPr>
+        <p:spPr>
+          <a:xfrm>
+            <a:off x="5332962" y="5700051"/>
+            <a:ext cx="271447" cy="430887"/>
+          </a:xfrm>
+          <a:prstGeom prst="rect">
+            <a:avLst/>
+          </a:prstGeom>
+          <a:solidFill>
+            <a:schemeClr val="bg1"/>
+          </a:solidFill>
+        </p:spPr>
+        <p:txBody>
+          <a:bodyPr wrap="square">
+            <a:spAutoFit/>
+          </a:bodyPr>
+          <a:lstStyle/>
+          <a:p>
+            <a:pPr algn="ctr"/>
+            <a:r>
+              <a:rPr lang="ko-KR" altLang="en-US" sz="1100" spc="-100" dirty="0">
+                <a:solidFill>
+                  <a:srgbClr val="595959"/>
+                </a:solidFill>
+                <a:latin typeface="+mn-ea"/>
+              </a:rPr>
+              <a:t>강원</a:t>
+            </a:r>
+            <a:endParaRPr lang="en-US" altLang="ko-KR" sz="1100" spc="-100" dirty="0">
+              <a:solidFill>
+                <a:srgbClr val="595959"/>
+              </a:solidFill>
+              <a:latin typeface="+mn-ea"/>
+            </a:endParaRPr>
+          </a:p>
+        </p:txBody>
+      </p:sp>
+      <p:sp>
+        <p:nvSpPr>
+          <p:cNvPr id="59" name="TextBox 58">
+            <a:extLst>
+              <a:ext uri="{FF2B5EF4-FFF2-40B4-BE49-F238E27FC236}">
+                <a16:creationId xmlns:a16="http://schemas.microsoft.com/office/drawing/2014/main" id="{4F737C4B-9E5A-600A-7056-F56CD9F6A18E}"/>
+              </a:ext>
+            </a:extLst>
+          </p:cNvPr>
+          <p:cNvSpPr txBox="1"/>
+          <p:nvPr/>
+        </p:nvSpPr>
+        <p:spPr>
+          <a:xfrm>
+            <a:off x="5548596" y="5700051"/>
+            <a:ext cx="271447" cy="430887"/>
+          </a:xfrm>
+          <a:prstGeom prst="rect">
+            <a:avLst/>
+          </a:prstGeom>
+          <a:solidFill>
+            <a:schemeClr val="bg1"/>
+          </a:solidFill>
+        </p:spPr>
+        <p:txBody>
+          <a:bodyPr wrap="square">
+            <a:spAutoFit/>
+          </a:bodyPr>
+          <a:lstStyle/>
+          <a:p>
+            <a:pPr algn="ctr"/>
+            <a:r>
+              <a:rPr lang="ko-KR" altLang="en-US" sz="1100" spc="-100" dirty="0">
+                <a:solidFill>
+                  <a:srgbClr val="595959"/>
+                </a:solidFill>
+                <a:latin typeface="+mn-ea"/>
+              </a:rPr>
+              <a:t>대전</a:t>
+            </a:r>
+            <a:endParaRPr lang="en-US" altLang="ko-KR" sz="1100" spc="-100" dirty="0">
+              <a:solidFill>
+                <a:srgbClr val="595959"/>
+              </a:solidFill>
+              <a:latin typeface="+mn-ea"/>
+            </a:endParaRPr>
+          </a:p>
+        </p:txBody>
+      </p:sp>
+      <p:sp>
+        <p:nvSpPr>
+          <p:cNvPr id="60" name="TextBox 59">
+            <a:extLst>
+              <a:ext uri="{FF2B5EF4-FFF2-40B4-BE49-F238E27FC236}">
+                <a16:creationId xmlns:a16="http://schemas.microsoft.com/office/drawing/2014/main" id="{8C1D6722-5E57-5470-D434-DBA5E499EB54}"/>
+              </a:ext>
+            </a:extLst>
+          </p:cNvPr>
+          <p:cNvSpPr txBox="1"/>
+          <p:nvPr/>
+        </p:nvSpPr>
+        <p:spPr>
+          <a:xfrm>
+            <a:off x="5764230" y="5700051"/>
+            <a:ext cx="271447" cy="430887"/>
+          </a:xfrm>
+          <a:prstGeom prst="rect">
+            <a:avLst/>
+          </a:prstGeom>
+          <a:solidFill>
+            <a:schemeClr val="bg1"/>
+          </a:solidFill>
+        </p:spPr>
+        <p:txBody>
+          <a:bodyPr wrap="square">
+            <a:spAutoFit/>
+          </a:bodyPr>
+          <a:lstStyle/>
+          <a:p>
+            <a:pPr algn="ctr"/>
+            <a:r>
+              <a:rPr lang="ko-KR" altLang="en-US" sz="1100" spc="-100" dirty="0">
+                <a:solidFill>
+                  <a:srgbClr val="595959"/>
+                </a:solidFill>
+                <a:latin typeface="+mn-ea"/>
+              </a:rPr>
+              <a:t>서울</a:t>
+            </a:r>
+            <a:endParaRPr lang="en-US" altLang="ko-KR" sz="1100" spc="-100" dirty="0">
+              <a:solidFill>
+                <a:srgbClr val="595959"/>
+              </a:solidFill>
+              <a:latin typeface="+mn-ea"/>
+            </a:endParaRPr>
+          </a:p>
+        </p:txBody>
+      </p:sp>
+      <p:sp>
+        <p:nvSpPr>
+          <p:cNvPr id="61" name="TextBox 60">
+            <a:extLst>
+              <a:ext uri="{FF2B5EF4-FFF2-40B4-BE49-F238E27FC236}">
+                <a16:creationId xmlns:a16="http://schemas.microsoft.com/office/drawing/2014/main" id="{A5688ECD-37AC-F4AE-3035-B42A3B2BDA8E}"/>
+              </a:ext>
+            </a:extLst>
+          </p:cNvPr>
+          <p:cNvSpPr txBox="1"/>
+          <p:nvPr/>
+        </p:nvSpPr>
+        <p:spPr>
+          <a:xfrm>
+            <a:off x="5979864" y="5700051"/>
+            <a:ext cx="271447" cy="430887"/>
+          </a:xfrm>
+          <a:prstGeom prst="rect">
+            <a:avLst/>
+          </a:prstGeom>
+          <a:solidFill>
+            <a:schemeClr val="bg1"/>
+          </a:solidFill>
+        </p:spPr>
+        <p:txBody>
+          <a:bodyPr wrap="square">
+            <a:spAutoFit/>
+          </a:bodyPr>
+          <a:lstStyle/>
+          <a:p>
+            <a:pPr algn="ctr"/>
+            <a:r>
+              <a:rPr lang="ko-KR" altLang="en-US" sz="1100" spc="-100" dirty="0">
+                <a:solidFill>
+                  <a:srgbClr val="595959"/>
+                </a:solidFill>
+                <a:latin typeface="+mn-ea"/>
+              </a:rPr>
+              <a:t>충남</a:t>
+            </a:r>
+            <a:endParaRPr lang="en-US" altLang="ko-KR" sz="1100" spc="-100" dirty="0">
+              <a:solidFill>
+                <a:srgbClr val="595959"/>
+              </a:solidFill>
+              <a:latin typeface="+mn-ea"/>
+            </a:endParaRPr>
+          </a:p>
+        </p:txBody>
+      </p:sp>
+      <p:sp>
+        <p:nvSpPr>
+          <p:cNvPr id="62" name="TextBox 61">
+            <a:extLst>
+              <a:ext uri="{FF2B5EF4-FFF2-40B4-BE49-F238E27FC236}">
+                <a16:creationId xmlns:a16="http://schemas.microsoft.com/office/drawing/2014/main" id="{8CA3C213-B2B2-8EC1-C56B-1D3E26CBC932}"/>
+              </a:ext>
+            </a:extLst>
+          </p:cNvPr>
+          <p:cNvSpPr txBox="1"/>
+          <p:nvPr/>
+        </p:nvSpPr>
+        <p:spPr>
+          <a:xfrm>
+            <a:off x="6195498" y="5700051"/>
+            <a:ext cx="271447" cy="430887"/>
+          </a:xfrm>
+          <a:prstGeom prst="rect">
+            <a:avLst/>
+          </a:prstGeom>
+          <a:solidFill>
+            <a:schemeClr val="bg1"/>
+          </a:solidFill>
+        </p:spPr>
+        <p:txBody>
+          <a:bodyPr wrap="square">
+            <a:spAutoFit/>
+          </a:bodyPr>
+          <a:lstStyle/>
+          <a:p>
+            <a:pPr algn="ctr"/>
+            <a:r>
+              <a:rPr lang="ko-KR" altLang="en-US" sz="1100" spc="-100" dirty="0">
+                <a:solidFill>
+                  <a:srgbClr val="595959"/>
+                </a:solidFill>
+                <a:latin typeface="+mn-ea"/>
+              </a:rPr>
+              <a:t>대구</a:t>
+            </a:r>
+            <a:endParaRPr lang="en-US" altLang="ko-KR" sz="1100" spc="-100" dirty="0">
+              <a:solidFill>
+                <a:srgbClr val="595959"/>
+              </a:solidFill>
+              <a:latin typeface="+mn-ea"/>
+            </a:endParaRPr>
+          </a:p>
+        </p:txBody>
+      </p:sp>
+      <p:sp>
+        <p:nvSpPr>
+          <p:cNvPr id="63" name="TextBox 62">
+            <a:extLst>
+              <a:ext uri="{FF2B5EF4-FFF2-40B4-BE49-F238E27FC236}">
+                <a16:creationId xmlns:a16="http://schemas.microsoft.com/office/drawing/2014/main" id="{15D4E393-9116-EB1C-C0CB-92195C9F0E21}"/>
+              </a:ext>
+            </a:extLst>
+          </p:cNvPr>
+          <p:cNvSpPr txBox="1"/>
+          <p:nvPr/>
+        </p:nvSpPr>
+        <p:spPr>
+          <a:xfrm>
+            <a:off x="6411132" y="5700051"/>
+            <a:ext cx="271447" cy="430887"/>
+          </a:xfrm>
+          <a:prstGeom prst="rect">
+            <a:avLst/>
+          </a:prstGeom>
+          <a:solidFill>
+            <a:schemeClr val="bg1"/>
+          </a:solidFill>
+        </p:spPr>
+        <p:txBody>
+          <a:bodyPr wrap="square">
+            <a:spAutoFit/>
+          </a:bodyPr>
+          <a:lstStyle/>
+          <a:p>
+            <a:pPr algn="ctr"/>
+            <a:r>
+              <a:rPr lang="ko-KR" altLang="en-US" sz="1100" spc="-100" dirty="0">
+                <a:solidFill>
+                  <a:srgbClr val="595959"/>
+                </a:solidFill>
+                <a:latin typeface="+mn-ea"/>
+              </a:rPr>
+              <a:t>부산</a:t>
+            </a:r>
+            <a:endParaRPr lang="en-US" altLang="ko-KR" sz="1100" spc="-100" dirty="0">
+              <a:solidFill>
+                <a:srgbClr val="595959"/>
+              </a:solidFill>
+              <a:latin typeface="+mn-ea"/>
+            </a:endParaRPr>
+          </a:p>
+        </p:txBody>
+      </p:sp>
+      <p:sp>
+        <p:nvSpPr>
+          <p:cNvPr id="64" name="TextBox 63">
+            <a:extLst>
+              <a:ext uri="{FF2B5EF4-FFF2-40B4-BE49-F238E27FC236}">
+                <a16:creationId xmlns:a16="http://schemas.microsoft.com/office/drawing/2014/main" id="{484F5E5D-28B8-8F1B-4DD7-76088CF44247}"/>
+              </a:ext>
+            </a:extLst>
+          </p:cNvPr>
+          <p:cNvSpPr txBox="1"/>
+          <p:nvPr/>
+        </p:nvSpPr>
+        <p:spPr>
+          <a:xfrm>
+            <a:off x="6626766" y="5700051"/>
+            <a:ext cx="271447" cy="430887"/>
+          </a:xfrm>
+          <a:prstGeom prst="rect">
+            <a:avLst/>
+          </a:prstGeom>
+          <a:solidFill>
+            <a:schemeClr val="bg1"/>
+          </a:solidFill>
+        </p:spPr>
+        <p:txBody>
+          <a:bodyPr wrap="square">
+            <a:spAutoFit/>
+          </a:bodyPr>
+          <a:lstStyle/>
+          <a:p>
+            <a:pPr algn="ctr"/>
+            <a:r>
+              <a:rPr lang="ko-KR" altLang="en-US" sz="1100" spc="-100" dirty="0">
+                <a:solidFill>
+                  <a:srgbClr val="595959"/>
+                </a:solidFill>
+                <a:latin typeface="+mn-ea"/>
+              </a:rPr>
+              <a:t>전북</a:t>
+            </a:r>
+            <a:endParaRPr lang="en-US" altLang="ko-KR" sz="1100" spc="-100" dirty="0">
+              <a:solidFill>
+                <a:srgbClr val="595959"/>
+              </a:solidFill>
+              <a:latin typeface="+mn-ea"/>
+            </a:endParaRPr>
+          </a:p>
+        </p:txBody>
+      </p:sp>
+      <p:sp>
+        <p:nvSpPr>
+          <p:cNvPr id="65" name="TextBox 64">
+            <a:extLst>
+              <a:ext uri="{FF2B5EF4-FFF2-40B4-BE49-F238E27FC236}">
+                <a16:creationId xmlns:a16="http://schemas.microsoft.com/office/drawing/2014/main" id="{3FF46850-958C-1E19-B0BB-9B90B2B136BB}"/>
+              </a:ext>
+            </a:extLst>
+          </p:cNvPr>
+          <p:cNvSpPr txBox="1"/>
+          <p:nvPr/>
+        </p:nvSpPr>
+        <p:spPr>
+          <a:xfrm>
+            <a:off x="6842400" y="5700051"/>
+            <a:ext cx="271447" cy="430887"/>
+          </a:xfrm>
+          <a:prstGeom prst="rect">
+            <a:avLst/>
+          </a:prstGeom>
+          <a:solidFill>
+            <a:schemeClr val="bg1"/>
+          </a:solidFill>
+        </p:spPr>
+        <p:txBody>
+          <a:bodyPr wrap="square">
+            <a:spAutoFit/>
+          </a:bodyPr>
+          <a:lstStyle/>
+          <a:p>
+            <a:pPr algn="ctr"/>
+            <a:r>
+              <a:rPr lang="ko-KR" altLang="en-US" sz="1100" spc="-100" dirty="0">
+                <a:solidFill>
+                  <a:srgbClr val="595959"/>
+                </a:solidFill>
+                <a:latin typeface="+mn-ea"/>
+              </a:rPr>
+              <a:t>경북</a:t>
+            </a:r>
+            <a:endParaRPr lang="en-US" altLang="ko-KR" sz="1100" spc="-100" dirty="0">
+              <a:solidFill>
+                <a:srgbClr val="595959"/>
+              </a:solidFill>
+              <a:latin typeface="+mn-ea"/>
+            </a:endParaRPr>
+          </a:p>
+        </p:txBody>
+      </p:sp>
+      <p:sp>
+        <p:nvSpPr>
+          <p:cNvPr id="66" name="TextBox 65">
+            <a:extLst>
+              <a:ext uri="{FF2B5EF4-FFF2-40B4-BE49-F238E27FC236}">
+                <a16:creationId xmlns:a16="http://schemas.microsoft.com/office/drawing/2014/main" id="{9D24B1FF-10AB-5B17-F56B-3B1B388C399F}"/>
+              </a:ext>
+            </a:extLst>
+          </p:cNvPr>
+          <p:cNvSpPr txBox="1"/>
+          <p:nvPr/>
+        </p:nvSpPr>
+        <p:spPr>
+          <a:xfrm>
+            <a:off x="7058034" y="5700051"/>
+            <a:ext cx="271447" cy="430887"/>
+          </a:xfrm>
+          <a:prstGeom prst="rect">
+            <a:avLst/>
+          </a:prstGeom>
+          <a:solidFill>
+            <a:schemeClr val="bg1"/>
+          </a:solidFill>
+        </p:spPr>
+        <p:txBody>
+          <a:bodyPr wrap="square">
+            <a:spAutoFit/>
+          </a:bodyPr>
+          <a:lstStyle/>
+          <a:p>
+            <a:pPr algn="ctr"/>
+            <a:r>
+              <a:rPr lang="ko-KR" altLang="en-US" sz="1100" spc="-100" dirty="0">
+                <a:solidFill>
+                  <a:srgbClr val="595959"/>
+                </a:solidFill>
+                <a:latin typeface="+mn-ea"/>
+              </a:rPr>
+              <a:t>전남</a:t>
+            </a:r>
+            <a:endParaRPr lang="en-US" altLang="ko-KR" sz="1100" spc="-100" dirty="0">
+              <a:solidFill>
+                <a:srgbClr val="595959"/>
+              </a:solidFill>
+              <a:latin typeface="+mn-ea"/>
+            </a:endParaRPr>
+          </a:p>
+        </p:txBody>
+      </p:sp>
+      <p:sp>
+        <p:nvSpPr>
+          <p:cNvPr id="67" name="TextBox 66">
+            <a:extLst>
+              <a:ext uri="{FF2B5EF4-FFF2-40B4-BE49-F238E27FC236}">
+                <a16:creationId xmlns:a16="http://schemas.microsoft.com/office/drawing/2014/main" id="{1D5B6B24-4D4A-A3A4-5CF5-48377688DA14}"/>
+              </a:ext>
+            </a:extLst>
+          </p:cNvPr>
+          <p:cNvSpPr txBox="1"/>
+          <p:nvPr/>
+        </p:nvSpPr>
+        <p:spPr>
+          <a:xfrm>
+            <a:off x="7273668" y="5700051"/>
+            <a:ext cx="271447" cy="430887"/>
+          </a:xfrm>
+          <a:prstGeom prst="rect">
+            <a:avLst/>
+          </a:prstGeom>
+          <a:solidFill>
+            <a:schemeClr val="bg1"/>
+          </a:solidFill>
+        </p:spPr>
+        <p:txBody>
+          <a:bodyPr wrap="square">
+            <a:spAutoFit/>
+          </a:bodyPr>
+          <a:lstStyle/>
+          <a:p>
+            <a:pPr algn="ctr"/>
+            <a:r>
+              <a:rPr lang="ko-KR" altLang="en-US" sz="1100" spc="-100" dirty="0">
+                <a:solidFill>
+                  <a:srgbClr val="595959"/>
+                </a:solidFill>
+                <a:latin typeface="+mn-ea"/>
+              </a:rPr>
+              <a:t>경남</a:t>
+            </a:r>
+            <a:endParaRPr lang="en-US" altLang="ko-KR" sz="1100" spc="-100" dirty="0">
+              <a:solidFill>
+                <a:srgbClr val="595959"/>
+              </a:solidFill>
+              <a:latin typeface="+mn-ea"/>
+            </a:endParaRPr>
+          </a:p>
+        </p:txBody>
+      </p:sp>
+      <p:sp>
+        <p:nvSpPr>
+          <p:cNvPr id="68" name="TextBox 67">
+            <a:extLst>
+              <a:ext uri="{FF2B5EF4-FFF2-40B4-BE49-F238E27FC236}">
+                <a16:creationId xmlns:a16="http://schemas.microsoft.com/office/drawing/2014/main" id="{CCBDDDA4-50D7-E721-3FC1-F49201FBF02F}"/>
+              </a:ext>
+            </a:extLst>
+          </p:cNvPr>
+          <p:cNvSpPr txBox="1"/>
+          <p:nvPr/>
+        </p:nvSpPr>
+        <p:spPr>
+          <a:xfrm>
+            <a:off x="8450556" y="5680126"/>
+            <a:ext cx="271447" cy="430887"/>
+          </a:xfrm>
+          <a:prstGeom prst="rect">
+            <a:avLst/>
+          </a:prstGeom>
+          <a:solidFill>
+            <a:schemeClr val="bg1"/>
+          </a:solidFill>
+        </p:spPr>
+        <p:txBody>
+          <a:bodyPr wrap="square">
+            <a:spAutoFit/>
+          </a:bodyPr>
+          <a:lstStyle/>
+          <a:p>
+            <a:pPr algn="ctr"/>
+            <a:r>
+              <a:rPr lang="ko-KR" altLang="en-US" sz="1100" dirty="0">
+                <a:solidFill>
+                  <a:srgbClr val="595959"/>
+                </a:solidFill>
+                <a:latin typeface="+mn-ea"/>
+              </a:rPr>
+              <a:t>경기</a:t>
+            </a:r>
+          </a:p>
+        </p:txBody>
+      </p:sp>
+      <p:sp>
+        <p:nvSpPr>
+          <p:cNvPr id="69" name="TextBox 68">
+            <a:extLst>
+              <a:ext uri="{FF2B5EF4-FFF2-40B4-BE49-F238E27FC236}">
+                <a16:creationId xmlns:a16="http://schemas.microsoft.com/office/drawing/2014/main" id="{5BC9B41E-1E41-FFA8-9720-848DFDDC6EDC}"/>
+              </a:ext>
+            </a:extLst>
+          </p:cNvPr>
+          <p:cNvSpPr txBox="1"/>
+          <p:nvPr/>
+        </p:nvSpPr>
+        <p:spPr>
+          <a:xfrm>
+            <a:off x="8662474" y="5680126"/>
+            <a:ext cx="271447" cy="430887"/>
+          </a:xfrm>
+          <a:prstGeom prst="rect">
+            <a:avLst/>
+          </a:prstGeom>
+          <a:solidFill>
+            <a:schemeClr val="bg1"/>
+          </a:solidFill>
+        </p:spPr>
+        <p:txBody>
+          <a:bodyPr wrap="square">
+            <a:spAutoFit/>
+          </a:bodyPr>
+          <a:lstStyle/>
+          <a:p>
+            <a:pPr algn="ctr"/>
+            <a:r>
+              <a:rPr lang="ko-KR" altLang="en-US" sz="1100" spc="-100" dirty="0">
+                <a:solidFill>
+                  <a:srgbClr val="595959"/>
+                </a:solidFill>
+                <a:latin typeface="+mn-ea"/>
+              </a:rPr>
+              <a:t>충남</a:t>
+            </a:r>
+            <a:endParaRPr lang="en-US" altLang="ko-KR" sz="1100" spc="-100" dirty="0">
+              <a:solidFill>
+                <a:srgbClr val="595959"/>
+              </a:solidFill>
+              <a:latin typeface="+mn-ea"/>
+            </a:endParaRPr>
+          </a:p>
+        </p:txBody>
+      </p:sp>
+      <p:sp>
+        <p:nvSpPr>
+          <p:cNvPr id="70" name="TextBox 69">
+            <a:extLst>
+              <a:ext uri="{FF2B5EF4-FFF2-40B4-BE49-F238E27FC236}">
+                <a16:creationId xmlns:a16="http://schemas.microsoft.com/office/drawing/2014/main" id="{C2B3D9FB-3F9B-9BF3-DDD3-0C540BDA78B7}"/>
+              </a:ext>
+            </a:extLst>
+          </p:cNvPr>
+          <p:cNvSpPr txBox="1"/>
+          <p:nvPr/>
+        </p:nvSpPr>
+        <p:spPr>
+          <a:xfrm>
+            <a:off x="8874392" y="5680126"/>
+            <a:ext cx="271447" cy="430887"/>
+          </a:xfrm>
+          <a:prstGeom prst="rect">
+            <a:avLst/>
+          </a:prstGeom>
+          <a:solidFill>
+            <a:schemeClr val="bg1"/>
+          </a:solidFill>
+        </p:spPr>
+        <p:txBody>
+          <a:bodyPr wrap="square">
+            <a:spAutoFit/>
+          </a:bodyPr>
+          <a:lstStyle/>
+          <a:p>
+            <a:pPr algn="ctr"/>
+            <a:r>
+              <a:rPr lang="ko-KR" altLang="en-US" sz="1100" spc="-100" dirty="0">
+                <a:solidFill>
+                  <a:srgbClr val="595959"/>
+                </a:solidFill>
+                <a:latin typeface="+mn-ea"/>
+              </a:rPr>
+              <a:t>충북</a:t>
+            </a:r>
+            <a:endParaRPr lang="en-US" altLang="ko-KR" sz="1100" spc="-100" dirty="0">
+              <a:solidFill>
+                <a:srgbClr val="595959"/>
+              </a:solidFill>
+              <a:latin typeface="+mn-ea"/>
+            </a:endParaRPr>
+          </a:p>
+        </p:txBody>
+      </p:sp>
+      <p:sp>
+        <p:nvSpPr>
+          <p:cNvPr id="71" name="TextBox 70">
+            <a:extLst>
+              <a:ext uri="{FF2B5EF4-FFF2-40B4-BE49-F238E27FC236}">
+                <a16:creationId xmlns:a16="http://schemas.microsoft.com/office/drawing/2014/main" id="{91B50DF8-1F1A-83D6-FB9B-4810D8EFDA1F}"/>
+              </a:ext>
+            </a:extLst>
+          </p:cNvPr>
+          <p:cNvSpPr txBox="1"/>
+          <p:nvPr/>
+        </p:nvSpPr>
+        <p:spPr>
+          <a:xfrm>
+            <a:off x="9086310" y="5680126"/>
+            <a:ext cx="271447" cy="430887"/>
+          </a:xfrm>
+          <a:prstGeom prst="rect">
+            <a:avLst/>
+          </a:prstGeom>
+          <a:solidFill>
+            <a:schemeClr val="bg1"/>
+          </a:solidFill>
+        </p:spPr>
+        <p:txBody>
+          <a:bodyPr wrap="square">
+            <a:spAutoFit/>
+          </a:bodyPr>
+          <a:lstStyle/>
+          <a:p>
+            <a:pPr algn="ctr"/>
+            <a:r>
+              <a:rPr lang="ko-KR" altLang="en-US" sz="1100" spc="-100" dirty="0">
+                <a:solidFill>
+                  <a:srgbClr val="595959"/>
+                </a:solidFill>
+                <a:latin typeface="+mn-ea"/>
+              </a:rPr>
+              <a:t>제주</a:t>
+            </a:r>
+            <a:endParaRPr lang="en-US" altLang="ko-KR" sz="1100" spc="-100" dirty="0">
+              <a:solidFill>
+                <a:srgbClr val="595959"/>
+              </a:solidFill>
+              <a:latin typeface="+mn-ea"/>
+            </a:endParaRPr>
+          </a:p>
+        </p:txBody>
+      </p:sp>
+      <p:sp>
+        <p:nvSpPr>
+          <p:cNvPr id="72" name="TextBox 71">
+            <a:extLst>
+              <a:ext uri="{FF2B5EF4-FFF2-40B4-BE49-F238E27FC236}">
+                <a16:creationId xmlns:a16="http://schemas.microsoft.com/office/drawing/2014/main" id="{0AE957DF-D144-1C09-4540-C3B465D5F431}"/>
+              </a:ext>
+            </a:extLst>
+          </p:cNvPr>
+          <p:cNvSpPr txBox="1"/>
+          <p:nvPr/>
+        </p:nvSpPr>
+        <p:spPr>
+          <a:xfrm>
+            <a:off x="9298228" y="5680126"/>
+            <a:ext cx="271447" cy="430887"/>
+          </a:xfrm>
+          <a:prstGeom prst="rect">
+            <a:avLst/>
+          </a:prstGeom>
+          <a:solidFill>
+            <a:schemeClr val="bg1"/>
+          </a:solidFill>
+        </p:spPr>
+        <p:txBody>
+          <a:bodyPr wrap="square">
+            <a:spAutoFit/>
+          </a:bodyPr>
+          <a:lstStyle/>
+          <a:p>
+            <a:pPr algn="ctr"/>
+            <a:r>
+              <a:rPr lang="ko-KR" altLang="en-US" sz="1100" spc="-100" dirty="0">
+                <a:solidFill>
+                  <a:srgbClr val="595959"/>
+                </a:solidFill>
+                <a:latin typeface="+mn-ea"/>
+              </a:rPr>
+              <a:t>전남</a:t>
+            </a:r>
+            <a:endParaRPr lang="en-US" altLang="ko-KR" sz="1100" spc="-100" dirty="0">
+              <a:solidFill>
+                <a:srgbClr val="595959"/>
+              </a:solidFill>
+              <a:latin typeface="+mn-ea"/>
+            </a:endParaRPr>
+          </a:p>
+        </p:txBody>
+      </p:sp>
+      <p:sp>
+        <p:nvSpPr>
+          <p:cNvPr id="73" name="TextBox 72">
+            <a:extLst>
+              <a:ext uri="{FF2B5EF4-FFF2-40B4-BE49-F238E27FC236}">
+                <a16:creationId xmlns:a16="http://schemas.microsoft.com/office/drawing/2014/main" id="{F1CD7C1C-2738-2556-923D-FF6CBA993A3C}"/>
+              </a:ext>
+            </a:extLst>
+          </p:cNvPr>
+          <p:cNvSpPr txBox="1"/>
+          <p:nvPr/>
+        </p:nvSpPr>
+        <p:spPr>
+          <a:xfrm>
+            <a:off x="9510146" y="5680126"/>
+            <a:ext cx="271447" cy="430887"/>
+          </a:xfrm>
+          <a:prstGeom prst="rect">
+            <a:avLst/>
+          </a:prstGeom>
+          <a:solidFill>
+            <a:schemeClr val="bg1"/>
+          </a:solidFill>
+        </p:spPr>
+        <p:txBody>
+          <a:bodyPr wrap="square">
+            <a:spAutoFit/>
+          </a:bodyPr>
+          <a:lstStyle/>
+          <a:p>
+            <a:pPr algn="ctr"/>
+            <a:r>
+              <a:rPr lang="ko-KR" altLang="en-US" sz="1100" spc="-100" dirty="0">
+                <a:solidFill>
+                  <a:srgbClr val="595959"/>
+                </a:solidFill>
+                <a:latin typeface="+mn-ea"/>
+              </a:rPr>
+              <a:t>인천</a:t>
+            </a:r>
+            <a:endParaRPr lang="ko-KR" altLang="en-US" sz="1100" dirty="0">
+              <a:solidFill>
+                <a:srgbClr val="595959"/>
+              </a:solidFill>
+              <a:latin typeface="+mn-ea"/>
+            </a:endParaRPr>
+          </a:p>
+        </p:txBody>
+      </p:sp>
+      <p:sp>
+        <p:nvSpPr>
+          <p:cNvPr id="74" name="TextBox 73">
+            <a:extLst>
+              <a:ext uri="{FF2B5EF4-FFF2-40B4-BE49-F238E27FC236}">
+                <a16:creationId xmlns:a16="http://schemas.microsoft.com/office/drawing/2014/main" id="{CBF95A8F-756E-1370-B10C-E98604A6C0E2}"/>
+              </a:ext>
+            </a:extLst>
+          </p:cNvPr>
+          <p:cNvSpPr txBox="1"/>
+          <p:nvPr/>
+        </p:nvSpPr>
+        <p:spPr>
+          <a:xfrm>
+            <a:off x="9722064" y="5680126"/>
+            <a:ext cx="271447" cy="430887"/>
+          </a:xfrm>
+          <a:prstGeom prst="rect">
+            <a:avLst/>
+          </a:prstGeom>
+          <a:solidFill>
+            <a:schemeClr val="bg1"/>
+          </a:solidFill>
+        </p:spPr>
+        <p:txBody>
+          <a:bodyPr wrap="square">
+            <a:spAutoFit/>
+          </a:bodyPr>
+          <a:lstStyle/>
+          <a:p>
+            <a:pPr algn="ctr"/>
+            <a:r>
+              <a:rPr lang="ko-KR" altLang="en-US" sz="1100" spc="-100" dirty="0">
+                <a:solidFill>
+                  <a:srgbClr val="595959"/>
+                </a:solidFill>
+                <a:latin typeface="+mn-ea"/>
+              </a:rPr>
+              <a:t>강원</a:t>
+            </a:r>
+            <a:endParaRPr lang="en-US" altLang="ko-KR" sz="1100" spc="-100" dirty="0">
+              <a:solidFill>
+                <a:srgbClr val="595959"/>
+              </a:solidFill>
+              <a:latin typeface="+mn-ea"/>
+            </a:endParaRPr>
+          </a:p>
+        </p:txBody>
+      </p:sp>
+      <p:sp>
+        <p:nvSpPr>
+          <p:cNvPr id="75" name="TextBox 74">
+            <a:extLst>
+              <a:ext uri="{FF2B5EF4-FFF2-40B4-BE49-F238E27FC236}">
+                <a16:creationId xmlns:a16="http://schemas.microsoft.com/office/drawing/2014/main" id="{381F3F57-8C2E-FAF7-DD11-2E186B08597E}"/>
+              </a:ext>
+            </a:extLst>
+          </p:cNvPr>
+          <p:cNvSpPr txBox="1"/>
+          <p:nvPr/>
+        </p:nvSpPr>
+        <p:spPr>
+          <a:xfrm>
+            <a:off x="9933982" y="5680126"/>
+            <a:ext cx="271447" cy="430887"/>
+          </a:xfrm>
+          <a:prstGeom prst="rect">
+            <a:avLst/>
+          </a:prstGeom>
+          <a:solidFill>
+            <a:schemeClr val="bg1"/>
+          </a:solidFill>
+        </p:spPr>
+        <p:txBody>
+          <a:bodyPr wrap="square">
+            <a:spAutoFit/>
+          </a:bodyPr>
+          <a:lstStyle/>
+          <a:p>
+            <a:pPr algn="ctr"/>
+            <a:r>
+              <a:rPr lang="ko-KR" altLang="en-US" sz="1100" spc="-100" dirty="0">
+                <a:solidFill>
+                  <a:srgbClr val="595959"/>
+                </a:solidFill>
+                <a:latin typeface="+mn-ea"/>
+              </a:rPr>
+              <a:t>경북</a:t>
+            </a:r>
+            <a:endParaRPr lang="en-US" altLang="ko-KR" sz="1100" spc="-100" dirty="0">
+              <a:solidFill>
+                <a:srgbClr val="595959"/>
+              </a:solidFill>
+              <a:latin typeface="+mn-ea"/>
+            </a:endParaRPr>
+          </a:p>
+        </p:txBody>
+      </p:sp>
+      <p:sp>
+        <p:nvSpPr>
+          <p:cNvPr id="76" name="TextBox 75">
+            <a:extLst>
+              <a:ext uri="{FF2B5EF4-FFF2-40B4-BE49-F238E27FC236}">
+                <a16:creationId xmlns:a16="http://schemas.microsoft.com/office/drawing/2014/main" id="{BF861A72-991E-030B-3933-9E86F291AF30}"/>
+              </a:ext>
+            </a:extLst>
+          </p:cNvPr>
+          <p:cNvSpPr txBox="1"/>
+          <p:nvPr/>
+        </p:nvSpPr>
+        <p:spPr>
+          <a:xfrm>
+            <a:off x="10145900" y="5680126"/>
+            <a:ext cx="271447" cy="430887"/>
+          </a:xfrm>
+          <a:prstGeom prst="rect">
+            <a:avLst/>
+          </a:prstGeom>
+          <a:solidFill>
+            <a:schemeClr val="bg1"/>
+          </a:solidFill>
+        </p:spPr>
+        <p:txBody>
+          <a:bodyPr wrap="square">
+            <a:spAutoFit/>
+          </a:bodyPr>
+          <a:lstStyle/>
+          <a:p>
+            <a:pPr algn="ctr"/>
+            <a:r>
+              <a:rPr lang="ko-KR" altLang="en-US" sz="1100" spc="-100" dirty="0">
+                <a:solidFill>
+                  <a:srgbClr val="595959"/>
+                </a:solidFill>
+                <a:latin typeface="+mn-ea"/>
+              </a:rPr>
+              <a:t>전북</a:t>
+            </a:r>
+            <a:endParaRPr lang="en-US" altLang="ko-KR" sz="1100" spc="-100" dirty="0">
+              <a:solidFill>
+                <a:srgbClr val="595959"/>
+              </a:solidFill>
+              <a:latin typeface="+mn-ea"/>
+            </a:endParaRPr>
+          </a:p>
+        </p:txBody>
+      </p:sp>
+      <p:sp>
+        <p:nvSpPr>
+          <p:cNvPr id="77" name="TextBox 76">
+            <a:extLst>
+              <a:ext uri="{FF2B5EF4-FFF2-40B4-BE49-F238E27FC236}">
+                <a16:creationId xmlns:a16="http://schemas.microsoft.com/office/drawing/2014/main" id="{14B47C2F-9822-C11A-B696-1F5355CC4884}"/>
+              </a:ext>
+            </a:extLst>
+          </p:cNvPr>
+          <p:cNvSpPr txBox="1"/>
+          <p:nvPr/>
+        </p:nvSpPr>
+        <p:spPr>
+          <a:xfrm>
+            <a:off x="10357818" y="5680126"/>
+            <a:ext cx="271447" cy="430887"/>
+          </a:xfrm>
+          <a:prstGeom prst="rect">
+            <a:avLst/>
+          </a:prstGeom>
+          <a:solidFill>
+            <a:schemeClr val="bg1"/>
+          </a:solidFill>
+        </p:spPr>
+        <p:txBody>
+          <a:bodyPr wrap="square">
+            <a:spAutoFit/>
+          </a:bodyPr>
+          <a:lstStyle/>
+          <a:p>
+            <a:pPr algn="ctr"/>
+            <a:r>
+              <a:rPr lang="ko-KR" altLang="en-US" sz="1100" spc="-100" dirty="0">
+                <a:solidFill>
+                  <a:srgbClr val="595959"/>
+                </a:solidFill>
+                <a:latin typeface="+mn-ea"/>
+              </a:rPr>
+              <a:t>경남</a:t>
+            </a:r>
+            <a:endParaRPr lang="en-US" altLang="ko-KR" sz="1100" spc="-100" dirty="0">
+              <a:solidFill>
+                <a:srgbClr val="595959"/>
+              </a:solidFill>
+              <a:latin typeface="+mn-ea"/>
+            </a:endParaRPr>
+          </a:p>
+        </p:txBody>
+      </p:sp>
+      <p:sp>
+        <p:nvSpPr>
+          <p:cNvPr id="78" name="TextBox 77">
+            <a:extLst>
+              <a:ext uri="{FF2B5EF4-FFF2-40B4-BE49-F238E27FC236}">
+                <a16:creationId xmlns:a16="http://schemas.microsoft.com/office/drawing/2014/main" id="{07FBA3BD-09FD-574A-658C-014C43373D55}"/>
+              </a:ext>
+            </a:extLst>
+          </p:cNvPr>
+          <p:cNvSpPr txBox="1"/>
+          <p:nvPr/>
+        </p:nvSpPr>
+        <p:spPr>
+          <a:xfrm>
+            <a:off x="10569736" y="5680126"/>
+            <a:ext cx="271447" cy="430887"/>
+          </a:xfrm>
+          <a:prstGeom prst="rect">
+            <a:avLst/>
+          </a:prstGeom>
+          <a:solidFill>
+            <a:schemeClr val="bg1"/>
+          </a:solidFill>
+        </p:spPr>
+        <p:txBody>
+          <a:bodyPr wrap="square">
+            <a:spAutoFit/>
+          </a:bodyPr>
+          <a:lstStyle/>
+          <a:p>
+            <a:pPr algn="ctr"/>
+            <a:r>
+              <a:rPr lang="ko-KR" altLang="en-US" sz="1100" spc="-100" dirty="0">
+                <a:solidFill>
+                  <a:srgbClr val="595959"/>
+                </a:solidFill>
+                <a:latin typeface="+mn-ea"/>
+              </a:rPr>
+              <a:t>대전</a:t>
+            </a:r>
+            <a:endParaRPr lang="en-US" altLang="ko-KR" sz="1100" spc="-100" dirty="0">
+              <a:solidFill>
+                <a:srgbClr val="595959"/>
+              </a:solidFill>
+              <a:latin typeface="+mn-ea"/>
+            </a:endParaRPr>
+          </a:p>
+        </p:txBody>
+      </p:sp>
+      <p:sp>
+        <p:nvSpPr>
+          <p:cNvPr id="79" name="TextBox 78">
+            <a:extLst>
+              <a:ext uri="{FF2B5EF4-FFF2-40B4-BE49-F238E27FC236}">
+                <a16:creationId xmlns:a16="http://schemas.microsoft.com/office/drawing/2014/main" id="{F0AC824E-A9ED-0DB7-7715-2D05DC13741D}"/>
+              </a:ext>
+            </a:extLst>
+          </p:cNvPr>
+          <p:cNvSpPr txBox="1"/>
+          <p:nvPr/>
+        </p:nvSpPr>
+        <p:spPr>
+          <a:xfrm>
+            <a:off x="10781654" y="5680126"/>
+            <a:ext cx="271447" cy="430887"/>
+          </a:xfrm>
+          <a:prstGeom prst="rect">
+            <a:avLst/>
+          </a:prstGeom>
+          <a:solidFill>
+            <a:schemeClr val="bg1"/>
+          </a:solidFill>
+        </p:spPr>
+        <p:txBody>
+          <a:bodyPr wrap="square">
+            <a:spAutoFit/>
+          </a:bodyPr>
+          <a:lstStyle/>
+          <a:p>
+            <a:pPr algn="ctr"/>
+            <a:r>
+              <a:rPr lang="ko-KR" altLang="en-US" sz="1100" spc="-100" dirty="0">
+                <a:solidFill>
+                  <a:srgbClr val="595959"/>
+                </a:solidFill>
+                <a:latin typeface="+mn-ea"/>
+              </a:rPr>
+              <a:t>서울</a:t>
+            </a:r>
+            <a:endParaRPr lang="en-US" altLang="ko-KR" sz="1100" spc="-100" dirty="0">
+              <a:solidFill>
+                <a:srgbClr val="595959"/>
+              </a:solidFill>
+              <a:latin typeface="+mn-ea"/>
+            </a:endParaRPr>
+          </a:p>
+        </p:txBody>
+      </p:sp>
+      <p:sp>
+        <p:nvSpPr>
+          <p:cNvPr id="80" name="TextBox 79">
+            <a:extLst>
+              <a:ext uri="{FF2B5EF4-FFF2-40B4-BE49-F238E27FC236}">
+                <a16:creationId xmlns:a16="http://schemas.microsoft.com/office/drawing/2014/main" id="{CC3FC433-1F8E-AD9A-4076-565D93F4D804}"/>
+              </a:ext>
+            </a:extLst>
+          </p:cNvPr>
+          <p:cNvSpPr txBox="1"/>
+          <p:nvPr/>
+        </p:nvSpPr>
+        <p:spPr>
+          <a:xfrm>
+            <a:off x="10993572" y="5680126"/>
+            <a:ext cx="271447" cy="430887"/>
+          </a:xfrm>
+          <a:prstGeom prst="rect">
+            <a:avLst/>
+          </a:prstGeom>
+          <a:solidFill>
+            <a:schemeClr val="bg1"/>
+          </a:solidFill>
+        </p:spPr>
+        <p:txBody>
+          <a:bodyPr wrap="square">
+            <a:spAutoFit/>
+          </a:bodyPr>
+          <a:lstStyle/>
+          <a:p>
+            <a:pPr algn="ctr"/>
+            <a:r>
+              <a:rPr lang="ko-KR" altLang="en-US" sz="1100" spc="-100" dirty="0">
+                <a:solidFill>
+                  <a:srgbClr val="595959"/>
+                </a:solidFill>
+                <a:latin typeface="+mn-ea"/>
+              </a:rPr>
+              <a:t>부산</a:t>
+            </a:r>
+            <a:endParaRPr lang="en-US" altLang="ko-KR" sz="1100" spc="-100" dirty="0">
+              <a:solidFill>
+                <a:srgbClr val="595959"/>
+              </a:solidFill>
+              <a:latin typeface="+mn-ea"/>
+            </a:endParaRPr>
+          </a:p>
+        </p:txBody>
+      </p:sp>
+      <p:sp>
+        <p:nvSpPr>
+          <p:cNvPr id="81" name="TextBox 80">
+            <a:extLst>
+              <a:ext uri="{FF2B5EF4-FFF2-40B4-BE49-F238E27FC236}">
+                <a16:creationId xmlns:a16="http://schemas.microsoft.com/office/drawing/2014/main" id="{F574BAF0-A560-DEEC-C303-D1B9AD7EA0F2}"/>
+              </a:ext>
+            </a:extLst>
+          </p:cNvPr>
+          <p:cNvSpPr txBox="1"/>
+          <p:nvPr/>
+        </p:nvSpPr>
+        <p:spPr>
+          <a:xfrm>
+            <a:off x="11205490" y="5680126"/>
+            <a:ext cx="271447" cy="430887"/>
+          </a:xfrm>
+          <a:prstGeom prst="rect">
+            <a:avLst/>
+          </a:prstGeom>
+          <a:solidFill>
+            <a:schemeClr val="bg1"/>
+          </a:solidFill>
+        </p:spPr>
+        <p:txBody>
+          <a:bodyPr wrap="square">
+            <a:spAutoFit/>
+          </a:bodyPr>
+          <a:lstStyle/>
+          <a:p>
+            <a:pPr algn="ctr"/>
+            <a:r>
+              <a:rPr lang="ko-KR" altLang="en-US" sz="1100" spc="-100" dirty="0">
+                <a:solidFill>
+                  <a:srgbClr val="595959"/>
+                </a:solidFill>
+                <a:latin typeface="+mn-ea"/>
+              </a:rPr>
+              <a:t>광주</a:t>
+            </a:r>
+            <a:endParaRPr lang="en-US" altLang="ko-KR" sz="1100" spc="-100" dirty="0">
+              <a:solidFill>
+                <a:srgbClr val="595959"/>
+              </a:solidFill>
+              <a:latin typeface="+mn-ea"/>
+            </a:endParaRPr>
+          </a:p>
+        </p:txBody>
+      </p:sp>
+      <p:sp>
+        <p:nvSpPr>
+          <p:cNvPr id="82" name="TextBox 81">
+            <a:extLst>
+              <a:ext uri="{FF2B5EF4-FFF2-40B4-BE49-F238E27FC236}">
+                <a16:creationId xmlns:a16="http://schemas.microsoft.com/office/drawing/2014/main" id="{4E0F45C9-DC6D-F5AC-7F25-C776AD0850A0}"/>
+              </a:ext>
+            </a:extLst>
+          </p:cNvPr>
+          <p:cNvSpPr txBox="1"/>
+          <p:nvPr/>
+        </p:nvSpPr>
+        <p:spPr>
+          <a:xfrm>
+            <a:off x="11417408" y="5680126"/>
+            <a:ext cx="271447" cy="430887"/>
+          </a:xfrm>
+          <a:prstGeom prst="rect">
+            <a:avLst/>
+          </a:prstGeom>
+          <a:solidFill>
+            <a:schemeClr val="bg1"/>
+          </a:solidFill>
+        </p:spPr>
+        <p:txBody>
+          <a:bodyPr wrap="square">
+            <a:spAutoFit/>
+          </a:bodyPr>
+          <a:lstStyle/>
+          <a:p>
+            <a:pPr algn="ctr"/>
+            <a:r>
+              <a:rPr lang="ko-KR" altLang="en-US" sz="1100" spc="-100" dirty="0">
+                <a:solidFill>
+                  <a:srgbClr val="595959"/>
+                </a:solidFill>
+                <a:latin typeface="+mn-ea"/>
+              </a:rPr>
+              <a:t>울산</a:t>
+            </a:r>
+            <a:endParaRPr lang="en-US" altLang="ko-KR" sz="1100" spc="-100" dirty="0">
+              <a:solidFill>
+                <a:srgbClr val="595959"/>
+              </a:solidFill>
+              <a:latin typeface="+mn-ea"/>
+            </a:endParaRPr>
+          </a:p>
+        </p:txBody>
+      </p:sp>
+      <p:sp>
+        <p:nvSpPr>
+          <p:cNvPr id="83" name="TextBox 82">
+            <a:extLst>
+              <a:ext uri="{FF2B5EF4-FFF2-40B4-BE49-F238E27FC236}">
+                <a16:creationId xmlns:a16="http://schemas.microsoft.com/office/drawing/2014/main" id="{84AE9A04-0CFB-27DF-B4B0-7BF6ACF02039}"/>
+              </a:ext>
+            </a:extLst>
+          </p:cNvPr>
+          <p:cNvSpPr txBox="1"/>
+          <p:nvPr/>
+        </p:nvSpPr>
+        <p:spPr>
+          <a:xfrm>
+            <a:off x="11629321" y="5680126"/>
+            <a:ext cx="271447" cy="430887"/>
+          </a:xfrm>
+          <a:prstGeom prst="rect">
+            <a:avLst/>
+          </a:prstGeom>
+          <a:solidFill>
+            <a:schemeClr val="bg1"/>
+          </a:solidFill>
+        </p:spPr>
+        <p:txBody>
+          <a:bodyPr wrap="square">
+            <a:spAutoFit/>
+          </a:bodyPr>
+          <a:lstStyle/>
+          <a:p>
+            <a:pPr algn="ctr"/>
+            <a:r>
+              <a:rPr lang="ko-KR" altLang="en-US" sz="1100" spc="-100" dirty="0">
+                <a:solidFill>
+                  <a:srgbClr val="595959"/>
+                </a:solidFill>
+                <a:latin typeface="+mn-ea"/>
+              </a:rPr>
+              <a:t>대구</a:t>
+            </a:r>
+            <a:endParaRPr lang="en-US" altLang="ko-KR" sz="1100" spc="-100" dirty="0">
+              <a:solidFill>
+                <a:srgbClr val="595959"/>
+              </a:solidFill>
+              <a:latin typeface="+mn-ea"/>
+            </a:endParaRPr>
+          </a:p>
+        </p:txBody>
+      </p:sp>
+      <p:sp>
+        <p:nvSpPr>
+          <p:cNvPr id="87" name="직사각형 86">
+            <a:extLst>
+              <a:ext uri="{FF2B5EF4-FFF2-40B4-BE49-F238E27FC236}">
+                <a16:creationId xmlns:a16="http://schemas.microsoft.com/office/drawing/2014/main" id="{4844C845-4865-7B5E-CE3F-185B8ECFCF98}"/>
+              </a:ext>
+            </a:extLst>
+          </p:cNvPr>
+          <p:cNvSpPr/>
+          <p:nvPr/>
+        </p:nvSpPr>
+        <p:spPr>
+          <a:xfrm>
+            <a:off x="5471622" y="1301011"/>
+            <a:ext cx="2533650" cy="1371600"/>
+          </a:xfrm>
+          <a:prstGeom prst="rect">
+            <a:avLst/>
+          </a:prstGeom>
+        </p:spPr>
+        <p:style>
+          <a:lnRef idx="2">
+            <a:schemeClr val="accent1">
+              <a:shade val="15000"/>
+            </a:schemeClr>
+          </a:lnRef>
+          <a:fillRef idx="1">
+            <a:schemeClr val="accent1"/>
+          </a:fillRef>
+          <a:effectRef idx="0">
+            <a:schemeClr val="accent1"/>
+          </a:effectRef>
+          <a:fontRef idx="minor">
+            <a:schemeClr val="lt1"/>
+          </a:fontRef>
+        </p:style>
+        <p:txBody>
+          <a:bodyPr rtlCol="0" anchor="ctr"/>
+          <a:lstStyle/>
+          <a:p>
+            <a:pPr algn="ctr"/>
+            <a:r>
+              <a:rPr lang="ko-KR" altLang="en-US" dirty="0"/>
+              <a:t>전승호</a:t>
+            </a:r>
+            <a:r>
+              <a:rPr lang="en-US" altLang="ko-KR" dirty="0"/>
+              <a:t>,</a:t>
+            </a:r>
+            <a:r>
+              <a:rPr lang="ko-KR" altLang="en-US" dirty="0"/>
+              <a:t>김한수</a:t>
+            </a:r>
+            <a:r>
+              <a:rPr lang="en-US" altLang="ko-KR" dirty="0"/>
+              <a:t>(2024) </a:t>
+            </a:r>
+            <a:r>
+              <a:rPr lang="ko-KR" altLang="en-US" dirty="0"/>
+              <a:t>논문 참고함</a:t>
+            </a:r>
+            <a:r>
+              <a:rPr lang="en-US" altLang="ko-KR" dirty="0"/>
+              <a:t>.</a:t>
+            </a:r>
+            <a:endParaRPr lang="ko-KR" altLang="en-US" dirty="0"/>
+          </a:p>
+        </p:txBody>
+      </p:sp>
+    </p:spTree>
+    <p:extLst>
+      <p:ext uri="{BB962C8B-B14F-4D97-AF65-F5344CB8AC3E}">
+        <p14:creationId xmlns:p14="http://schemas.microsoft.com/office/powerpoint/2010/main" val="1720543833"/>
       </p:ext>
     </p:extLst>
   </p:cSld>
